--- a/Project Startride Presentation.pptx
+++ b/Project Startride Presentation.pptx
@@ -8,6 +8,9 @@
     <p:sldId id="256" r:id="rId2"/>
     <p:sldId id="257" r:id="rId3"/>
     <p:sldId id="258" r:id="rId4"/>
+    <p:sldId id="260" r:id="rId5"/>
+    <p:sldId id="259" r:id="rId6"/>
+    <p:sldId id="261" r:id="rId7"/>
   </p:sldIdLst>
   <p:sldSz cx="12192000" cy="6858000"/>
   <p:notesSz cx="6858000" cy="9144000"/>
@@ -106,7 +109,3833 @@
       </a:defRPr>
     </a:lvl9pPr>
   </p:defaultTextStyle>
+  <p:extLst>
+    <p:ext uri="{EFAFB233-063F-42B5-8137-9DF3F51BA10A}">
+      <p15:sldGuideLst xmlns:p15="http://schemas.microsoft.com/office/powerpoint/2012/main"/>
+    </p:ext>
+  </p:extLst>
 </p:presentation>
+</file>
+
+<file path=ppt/diagrams/colors1.xml><?xml version="1.0" encoding="utf-8"?>
+<dgm:colorsDef xmlns:dgm="http://schemas.openxmlformats.org/drawingml/2006/diagram" xmlns:a="http://schemas.openxmlformats.org/drawingml/2006/main" uniqueId="urn:microsoft.com/office/officeart/2005/8/colors/accent1_2">
+  <dgm:title val=""/>
+  <dgm:desc val=""/>
+  <dgm:catLst>
+    <dgm:cat type="accent1" pri="11200"/>
+  </dgm:catLst>
+  <dgm:styleLbl name="node0">
+    <dgm:fillClrLst meth="repeat">
+      <a:schemeClr val="accent1"/>
+    </dgm:fillClrLst>
+    <dgm:linClrLst meth="repeat">
+      <a:schemeClr val="lt1"/>
+    </dgm:linClrLst>
+    <dgm:effectClrLst/>
+    <dgm:txLinClrLst/>
+    <dgm:txFillClrLst/>
+    <dgm:txEffectClrLst/>
+  </dgm:styleLbl>
+  <dgm:styleLbl name="alignNode1">
+    <dgm:fillClrLst meth="repeat">
+      <a:schemeClr val="accent1"/>
+    </dgm:fillClrLst>
+    <dgm:linClrLst meth="repeat">
+      <a:schemeClr val="accent1"/>
+    </dgm:linClrLst>
+    <dgm:effectClrLst/>
+    <dgm:txLinClrLst/>
+    <dgm:txFillClrLst/>
+    <dgm:txEffectClrLst/>
+  </dgm:styleLbl>
+  <dgm:styleLbl name="node1">
+    <dgm:fillClrLst meth="repeat">
+      <a:schemeClr val="accent1"/>
+    </dgm:fillClrLst>
+    <dgm:linClrLst meth="repeat">
+      <a:schemeClr val="lt1"/>
+    </dgm:linClrLst>
+    <dgm:effectClrLst/>
+    <dgm:txLinClrLst/>
+    <dgm:txFillClrLst/>
+    <dgm:txEffectClrLst/>
+  </dgm:styleLbl>
+  <dgm:styleLbl name="lnNode1">
+    <dgm:fillClrLst meth="repeat">
+      <a:schemeClr val="accent1"/>
+    </dgm:fillClrLst>
+    <dgm:linClrLst meth="repeat">
+      <a:schemeClr val="lt1"/>
+    </dgm:linClrLst>
+    <dgm:effectClrLst/>
+    <dgm:txLinClrLst/>
+    <dgm:txFillClrLst/>
+    <dgm:txEffectClrLst/>
+  </dgm:styleLbl>
+  <dgm:styleLbl name="vennNode1">
+    <dgm:fillClrLst meth="repeat">
+      <a:schemeClr val="accent1">
+        <a:alpha val="50000"/>
+      </a:schemeClr>
+    </dgm:fillClrLst>
+    <dgm:linClrLst meth="repeat">
+      <a:schemeClr val="lt1"/>
+    </dgm:linClrLst>
+    <dgm:effectClrLst/>
+    <dgm:txLinClrLst/>
+    <dgm:txFillClrLst/>
+    <dgm:txEffectClrLst/>
+  </dgm:styleLbl>
+  <dgm:styleLbl name="node2">
+    <dgm:fillClrLst meth="repeat">
+      <a:schemeClr val="accent1"/>
+    </dgm:fillClrLst>
+    <dgm:linClrLst meth="repeat">
+      <a:schemeClr val="lt1"/>
+    </dgm:linClrLst>
+    <dgm:effectClrLst/>
+    <dgm:txLinClrLst/>
+    <dgm:txFillClrLst/>
+    <dgm:txEffectClrLst/>
+  </dgm:styleLbl>
+  <dgm:styleLbl name="node3">
+    <dgm:fillClrLst meth="repeat">
+      <a:schemeClr val="accent1"/>
+    </dgm:fillClrLst>
+    <dgm:linClrLst meth="repeat">
+      <a:schemeClr val="lt1"/>
+    </dgm:linClrLst>
+    <dgm:effectClrLst/>
+    <dgm:txLinClrLst/>
+    <dgm:txFillClrLst/>
+    <dgm:txEffectClrLst/>
+  </dgm:styleLbl>
+  <dgm:styleLbl name="node4">
+    <dgm:fillClrLst meth="repeat">
+      <a:schemeClr val="accent1"/>
+    </dgm:fillClrLst>
+    <dgm:linClrLst meth="repeat">
+      <a:schemeClr val="lt1"/>
+    </dgm:linClrLst>
+    <dgm:effectClrLst/>
+    <dgm:txLinClrLst/>
+    <dgm:txFillClrLst/>
+    <dgm:txEffectClrLst/>
+  </dgm:styleLbl>
+  <dgm:styleLbl name="fgImgPlace1">
+    <dgm:fillClrLst meth="repeat">
+      <a:schemeClr val="accent1">
+        <a:tint val="50000"/>
+      </a:schemeClr>
+    </dgm:fillClrLst>
+    <dgm:linClrLst meth="repeat">
+      <a:schemeClr val="lt1"/>
+    </dgm:linClrLst>
+    <dgm:effectClrLst/>
+    <dgm:txLinClrLst/>
+    <dgm:txFillClrLst meth="repeat">
+      <a:schemeClr val="lt1"/>
+    </dgm:txFillClrLst>
+    <dgm:txEffectClrLst/>
+  </dgm:styleLbl>
+  <dgm:styleLbl name="alignImgPlace1">
+    <dgm:fillClrLst meth="repeat">
+      <a:schemeClr val="accent1">
+        <a:tint val="50000"/>
+      </a:schemeClr>
+    </dgm:fillClrLst>
+    <dgm:linClrLst meth="repeat">
+      <a:schemeClr val="lt1"/>
+    </dgm:linClrLst>
+    <dgm:effectClrLst/>
+    <dgm:txLinClrLst/>
+    <dgm:txFillClrLst meth="repeat">
+      <a:schemeClr val="lt1"/>
+    </dgm:txFillClrLst>
+    <dgm:txEffectClrLst/>
+  </dgm:styleLbl>
+  <dgm:styleLbl name="bgImgPlace1">
+    <dgm:fillClrLst meth="repeat">
+      <a:schemeClr val="accent1">
+        <a:tint val="50000"/>
+      </a:schemeClr>
+    </dgm:fillClrLst>
+    <dgm:linClrLst meth="repeat">
+      <a:schemeClr val="lt1"/>
+    </dgm:linClrLst>
+    <dgm:effectClrLst/>
+    <dgm:txLinClrLst/>
+    <dgm:txFillClrLst meth="repeat">
+      <a:schemeClr val="lt1"/>
+    </dgm:txFillClrLst>
+    <dgm:txEffectClrLst/>
+  </dgm:styleLbl>
+  <dgm:styleLbl name="sibTrans2D1">
+    <dgm:fillClrLst meth="repeat">
+      <a:schemeClr val="accent1">
+        <a:tint val="60000"/>
+      </a:schemeClr>
+    </dgm:fillClrLst>
+    <dgm:linClrLst meth="repeat">
+      <a:schemeClr val="accent1">
+        <a:tint val="60000"/>
+      </a:schemeClr>
+    </dgm:linClrLst>
+    <dgm:effectClrLst/>
+    <dgm:txLinClrLst/>
+    <dgm:txFillClrLst/>
+    <dgm:txEffectClrLst/>
+  </dgm:styleLbl>
+  <dgm:styleLbl name="fgSibTrans2D1">
+    <dgm:fillClrLst meth="repeat">
+      <a:schemeClr val="accent1">
+        <a:tint val="60000"/>
+      </a:schemeClr>
+    </dgm:fillClrLst>
+    <dgm:linClrLst meth="repeat">
+      <a:schemeClr val="accent1">
+        <a:tint val="60000"/>
+      </a:schemeClr>
+    </dgm:linClrLst>
+    <dgm:effectClrLst/>
+    <dgm:txLinClrLst/>
+    <dgm:txFillClrLst/>
+    <dgm:txEffectClrLst/>
+  </dgm:styleLbl>
+  <dgm:styleLbl name="bgSibTrans2D1">
+    <dgm:fillClrLst meth="repeat">
+      <a:schemeClr val="accent1">
+        <a:tint val="60000"/>
+      </a:schemeClr>
+    </dgm:fillClrLst>
+    <dgm:linClrLst meth="repeat">
+      <a:schemeClr val="accent1">
+        <a:tint val="60000"/>
+      </a:schemeClr>
+    </dgm:linClrLst>
+    <dgm:effectClrLst/>
+    <dgm:txLinClrLst/>
+    <dgm:txFillClrLst/>
+    <dgm:txEffectClrLst/>
+  </dgm:styleLbl>
+  <dgm:styleLbl name="sibTrans1D1">
+    <dgm:fillClrLst meth="repeat">
+      <a:schemeClr val="accent1"/>
+    </dgm:fillClrLst>
+    <dgm:linClrLst meth="repeat">
+      <a:schemeClr val="accent1"/>
+    </dgm:linClrLst>
+    <dgm:effectClrLst/>
+    <dgm:txLinClrLst/>
+    <dgm:txFillClrLst meth="repeat">
+      <a:schemeClr val="tx1"/>
+    </dgm:txFillClrLst>
+    <dgm:txEffectClrLst/>
+  </dgm:styleLbl>
+  <dgm:styleLbl name="callout">
+    <dgm:fillClrLst meth="repeat">
+      <a:schemeClr val="accent1"/>
+    </dgm:fillClrLst>
+    <dgm:linClrLst meth="repeat">
+      <a:schemeClr val="accent1">
+        <a:tint val="50000"/>
+      </a:schemeClr>
+    </dgm:linClrLst>
+    <dgm:effectClrLst/>
+    <dgm:txLinClrLst/>
+    <dgm:txFillClrLst meth="repeat">
+      <a:schemeClr val="tx1"/>
+    </dgm:txFillClrLst>
+    <dgm:txEffectClrLst/>
+  </dgm:styleLbl>
+  <dgm:styleLbl name="asst0">
+    <dgm:fillClrLst meth="repeat">
+      <a:schemeClr val="accent1"/>
+    </dgm:fillClrLst>
+    <dgm:linClrLst meth="repeat">
+      <a:schemeClr val="lt1"/>
+    </dgm:linClrLst>
+    <dgm:effectClrLst/>
+    <dgm:txLinClrLst/>
+    <dgm:txFillClrLst/>
+    <dgm:txEffectClrLst/>
+  </dgm:styleLbl>
+  <dgm:styleLbl name="asst1">
+    <dgm:fillClrLst meth="repeat">
+      <a:schemeClr val="accent1"/>
+    </dgm:fillClrLst>
+    <dgm:linClrLst meth="repeat">
+      <a:schemeClr val="lt1"/>
+    </dgm:linClrLst>
+    <dgm:effectClrLst/>
+    <dgm:txLinClrLst/>
+    <dgm:txFillClrLst/>
+    <dgm:txEffectClrLst/>
+  </dgm:styleLbl>
+  <dgm:styleLbl name="asst2">
+    <dgm:fillClrLst meth="repeat">
+      <a:schemeClr val="accent1"/>
+    </dgm:fillClrLst>
+    <dgm:linClrLst meth="repeat">
+      <a:schemeClr val="lt1"/>
+    </dgm:linClrLst>
+    <dgm:effectClrLst/>
+    <dgm:txLinClrLst/>
+    <dgm:txFillClrLst/>
+    <dgm:txEffectClrLst/>
+  </dgm:styleLbl>
+  <dgm:styleLbl name="asst3">
+    <dgm:fillClrLst meth="repeat">
+      <a:schemeClr val="accent1"/>
+    </dgm:fillClrLst>
+    <dgm:linClrLst meth="repeat">
+      <a:schemeClr val="lt1"/>
+    </dgm:linClrLst>
+    <dgm:effectClrLst/>
+    <dgm:txLinClrLst/>
+    <dgm:txFillClrLst/>
+    <dgm:txEffectClrLst/>
+  </dgm:styleLbl>
+  <dgm:styleLbl name="asst4">
+    <dgm:fillClrLst meth="repeat">
+      <a:schemeClr val="accent1"/>
+    </dgm:fillClrLst>
+    <dgm:linClrLst meth="repeat">
+      <a:schemeClr val="lt1"/>
+    </dgm:linClrLst>
+    <dgm:effectClrLst/>
+    <dgm:txLinClrLst/>
+    <dgm:txFillClrLst/>
+    <dgm:txEffectClrLst/>
+  </dgm:styleLbl>
+  <dgm:styleLbl name="parChTrans2D1">
+    <dgm:fillClrLst meth="repeat">
+      <a:schemeClr val="accent1">
+        <a:tint val="60000"/>
+      </a:schemeClr>
+    </dgm:fillClrLst>
+    <dgm:linClrLst meth="repeat">
+      <a:schemeClr val="accent1">
+        <a:tint val="60000"/>
+      </a:schemeClr>
+    </dgm:linClrLst>
+    <dgm:effectClrLst/>
+    <dgm:txLinClrLst/>
+    <dgm:txFillClrLst meth="repeat">
+      <a:schemeClr val="lt1"/>
+    </dgm:txFillClrLst>
+    <dgm:txEffectClrLst/>
+  </dgm:styleLbl>
+  <dgm:styleLbl name="parChTrans2D2">
+    <dgm:fillClrLst meth="repeat">
+      <a:schemeClr val="accent1"/>
+    </dgm:fillClrLst>
+    <dgm:linClrLst meth="repeat">
+      <a:schemeClr val="accent1"/>
+    </dgm:linClrLst>
+    <dgm:effectClrLst/>
+    <dgm:txLinClrLst/>
+    <dgm:txFillClrLst meth="repeat">
+      <a:schemeClr val="lt1"/>
+    </dgm:txFillClrLst>
+    <dgm:txEffectClrLst/>
+  </dgm:styleLbl>
+  <dgm:styleLbl name="parChTrans2D3">
+    <dgm:fillClrLst meth="repeat">
+      <a:schemeClr val="accent1"/>
+    </dgm:fillClrLst>
+    <dgm:linClrLst meth="repeat">
+      <a:schemeClr val="accent1"/>
+    </dgm:linClrLst>
+    <dgm:effectClrLst/>
+    <dgm:txLinClrLst/>
+    <dgm:txFillClrLst meth="repeat">
+      <a:schemeClr val="lt1"/>
+    </dgm:txFillClrLst>
+    <dgm:txEffectClrLst/>
+  </dgm:styleLbl>
+  <dgm:styleLbl name="parChTrans2D4">
+    <dgm:fillClrLst meth="repeat">
+      <a:schemeClr val="accent1"/>
+    </dgm:fillClrLst>
+    <dgm:linClrLst meth="repeat">
+      <a:schemeClr val="accent1"/>
+    </dgm:linClrLst>
+    <dgm:effectClrLst/>
+    <dgm:txLinClrLst/>
+    <dgm:txFillClrLst meth="repeat">
+      <a:schemeClr val="lt1"/>
+    </dgm:txFillClrLst>
+    <dgm:txEffectClrLst/>
+  </dgm:styleLbl>
+  <dgm:styleLbl name="parChTrans1D1">
+    <dgm:fillClrLst meth="repeat">
+      <a:schemeClr val="accent1"/>
+    </dgm:fillClrLst>
+    <dgm:linClrLst meth="repeat">
+      <a:schemeClr val="accent1">
+        <a:shade val="60000"/>
+      </a:schemeClr>
+    </dgm:linClrLst>
+    <dgm:effectClrLst/>
+    <dgm:txLinClrLst/>
+    <dgm:txFillClrLst meth="repeat">
+      <a:schemeClr val="tx1"/>
+    </dgm:txFillClrLst>
+    <dgm:txEffectClrLst/>
+  </dgm:styleLbl>
+  <dgm:styleLbl name="parChTrans1D2">
+    <dgm:fillClrLst meth="repeat">
+      <a:schemeClr val="accent1"/>
+    </dgm:fillClrLst>
+    <dgm:linClrLst meth="repeat">
+      <a:schemeClr val="accent1">
+        <a:shade val="60000"/>
+      </a:schemeClr>
+    </dgm:linClrLst>
+    <dgm:effectClrLst/>
+    <dgm:txLinClrLst/>
+    <dgm:txFillClrLst meth="repeat">
+      <a:schemeClr val="tx1"/>
+    </dgm:txFillClrLst>
+    <dgm:txEffectClrLst/>
+  </dgm:styleLbl>
+  <dgm:styleLbl name="parChTrans1D3">
+    <dgm:fillClrLst meth="repeat">
+      <a:schemeClr val="accent1"/>
+    </dgm:fillClrLst>
+    <dgm:linClrLst meth="repeat">
+      <a:schemeClr val="accent1">
+        <a:shade val="80000"/>
+      </a:schemeClr>
+    </dgm:linClrLst>
+    <dgm:effectClrLst/>
+    <dgm:txLinClrLst/>
+    <dgm:txFillClrLst meth="repeat">
+      <a:schemeClr val="tx1"/>
+    </dgm:txFillClrLst>
+    <dgm:txEffectClrLst/>
+  </dgm:styleLbl>
+  <dgm:styleLbl name="parChTrans1D4">
+    <dgm:fillClrLst meth="repeat">
+      <a:schemeClr val="accent1"/>
+    </dgm:fillClrLst>
+    <dgm:linClrLst meth="repeat">
+      <a:schemeClr val="accent1">
+        <a:shade val="80000"/>
+      </a:schemeClr>
+    </dgm:linClrLst>
+    <dgm:effectClrLst/>
+    <dgm:txLinClrLst/>
+    <dgm:txFillClrLst meth="repeat">
+      <a:schemeClr val="tx1"/>
+    </dgm:txFillClrLst>
+    <dgm:txEffectClrLst/>
+  </dgm:styleLbl>
+  <dgm:styleLbl name="fgAcc1">
+    <dgm:fillClrLst meth="repeat">
+      <a:schemeClr val="lt1">
+        <a:alpha val="90000"/>
+      </a:schemeClr>
+    </dgm:fillClrLst>
+    <dgm:linClrLst meth="repeat">
+      <a:schemeClr val="accent1"/>
+    </dgm:linClrLst>
+    <dgm:effectClrLst/>
+    <dgm:txLinClrLst/>
+    <dgm:txFillClrLst meth="repeat">
+      <a:schemeClr val="dk1"/>
+    </dgm:txFillClrLst>
+    <dgm:txEffectClrLst/>
+  </dgm:styleLbl>
+  <dgm:styleLbl name="conFgAcc1">
+    <dgm:fillClrLst meth="repeat">
+      <a:schemeClr val="lt1">
+        <a:alpha val="90000"/>
+      </a:schemeClr>
+    </dgm:fillClrLst>
+    <dgm:linClrLst meth="repeat">
+      <a:schemeClr val="accent1"/>
+    </dgm:linClrLst>
+    <dgm:effectClrLst/>
+    <dgm:txLinClrLst/>
+    <dgm:txFillClrLst meth="repeat">
+      <a:schemeClr val="dk1"/>
+    </dgm:txFillClrLst>
+    <dgm:txEffectClrLst/>
+  </dgm:styleLbl>
+  <dgm:styleLbl name="alignAcc1">
+    <dgm:fillClrLst meth="repeat">
+      <a:schemeClr val="lt1">
+        <a:alpha val="90000"/>
+      </a:schemeClr>
+    </dgm:fillClrLst>
+    <dgm:linClrLst meth="repeat">
+      <a:schemeClr val="accent1"/>
+    </dgm:linClrLst>
+    <dgm:effectClrLst/>
+    <dgm:txLinClrLst/>
+    <dgm:txFillClrLst meth="repeat">
+      <a:schemeClr val="dk1"/>
+    </dgm:txFillClrLst>
+    <dgm:txEffectClrLst/>
+  </dgm:styleLbl>
+  <dgm:styleLbl name="trAlignAcc1">
+    <dgm:fillClrLst meth="repeat">
+      <a:schemeClr val="lt1">
+        <a:alpha val="40000"/>
+      </a:schemeClr>
+    </dgm:fillClrLst>
+    <dgm:linClrLst meth="repeat">
+      <a:schemeClr val="accent1"/>
+    </dgm:linClrLst>
+    <dgm:effectClrLst/>
+    <dgm:txLinClrLst/>
+    <dgm:txFillClrLst meth="repeat">
+      <a:schemeClr val="dk1"/>
+    </dgm:txFillClrLst>
+    <dgm:txEffectClrLst/>
+  </dgm:styleLbl>
+  <dgm:styleLbl name="bgAcc1">
+    <dgm:fillClrLst meth="repeat">
+      <a:schemeClr val="lt1">
+        <a:alpha val="90000"/>
+      </a:schemeClr>
+    </dgm:fillClrLst>
+    <dgm:linClrLst meth="repeat">
+      <a:schemeClr val="accent1"/>
+    </dgm:linClrLst>
+    <dgm:effectClrLst/>
+    <dgm:txLinClrLst/>
+    <dgm:txFillClrLst meth="repeat">
+      <a:schemeClr val="dk1"/>
+    </dgm:txFillClrLst>
+    <dgm:txEffectClrLst/>
+  </dgm:styleLbl>
+  <dgm:styleLbl name="solidFgAcc1">
+    <dgm:fillClrLst meth="repeat">
+      <a:schemeClr val="lt1"/>
+    </dgm:fillClrLst>
+    <dgm:linClrLst meth="repeat">
+      <a:schemeClr val="accent1"/>
+    </dgm:linClrLst>
+    <dgm:effectClrLst/>
+    <dgm:txLinClrLst/>
+    <dgm:txFillClrLst meth="repeat">
+      <a:schemeClr val="dk1"/>
+    </dgm:txFillClrLst>
+    <dgm:txEffectClrLst/>
+  </dgm:styleLbl>
+  <dgm:styleLbl name="solidAlignAcc1">
+    <dgm:fillClrLst meth="repeat">
+      <a:schemeClr val="lt1"/>
+    </dgm:fillClrLst>
+    <dgm:linClrLst meth="repeat">
+      <a:schemeClr val="accent1"/>
+    </dgm:linClrLst>
+    <dgm:effectClrLst/>
+    <dgm:txLinClrLst/>
+    <dgm:txFillClrLst meth="repeat">
+      <a:schemeClr val="dk1"/>
+    </dgm:txFillClrLst>
+    <dgm:txEffectClrLst/>
+  </dgm:styleLbl>
+  <dgm:styleLbl name="solidBgAcc1">
+    <dgm:fillClrLst meth="repeat">
+      <a:schemeClr val="lt1"/>
+    </dgm:fillClrLst>
+    <dgm:linClrLst meth="repeat">
+      <a:schemeClr val="accent1"/>
+    </dgm:linClrLst>
+    <dgm:effectClrLst/>
+    <dgm:txLinClrLst/>
+    <dgm:txFillClrLst meth="repeat">
+      <a:schemeClr val="dk1"/>
+    </dgm:txFillClrLst>
+    <dgm:txEffectClrLst/>
+  </dgm:styleLbl>
+  <dgm:styleLbl name="fgAccFollowNode1">
+    <dgm:fillClrLst meth="repeat">
+      <a:schemeClr val="accent1">
+        <a:alpha val="90000"/>
+        <a:tint val="40000"/>
+      </a:schemeClr>
+    </dgm:fillClrLst>
+    <dgm:linClrLst meth="repeat">
+      <a:schemeClr val="accent1">
+        <a:alpha val="90000"/>
+        <a:tint val="40000"/>
+      </a:schemeClr>
+    </dgm:linClrLst>
+    <dgm:effectClrLst/>
+    <dgm:txLinClrLst/>
+    <dgm:txFillClrLst meth="repeat">
+      <a:schemeClr val="dk1"/>
+    </dgm:txFillClrLst>
+    <dgm:txEffectClrLst/>
+  </dgm:styleLbl>
+  <dgm:styleLbl name="alignAccFollowNode1">
+    <dgm:fillClrLst meth="repeat">
+      <a:schemeClr val="accent1">
+        <a:alpha val="90000"/>
+        <a:tint val="40000"/>
+      </a:schemeClr>
+    </dgm:fillClrLst>
+    <dgm:linClrLst meth="repeat">
+      <a:schemeClr val="accent1">
+        <a:alpha val="90000"/>
+        <a:tint val="40000"/>
+      </a:schemeClr>
+    </dgm:linClrLst>
+    <dgm:effectClrLst/>
+    <dgm:txLinClrLst/>
+    <dgm:txFillClrLst meth="repeat">
+      <a:schemeClr val="dk1"/>
+    </dgm:txFillClrLst>
+    <dgm:txEffectClrLst/>
+  </dgm:styleLbl>
+  <dgm:styleLbl name="bgAccFollowNode1">
+    <dgm:fillClrLst meth="repeat">
+      <a:schemeClr val="accent1">
+        <a:alpha val="90000"/>
+        <a:tint val="40000"/>
+      </a:schemeClr>
+    </dgm:fillClrLst>
+    <dgm:linClrLst meth="repeat">
+      <a:schemeClr val="accent1">
+        <a:alpha val="90000"/>
+        <a:tint val="40000"/>
+      </a:schemeClr>
+    </dgm:linClrLst>
+    <dgm:effectClrLst/>
+    <dgm:txLinClrLst/>
+    <dgm:txFillClrLst meth="repeat">
+      <a:schemeClr val="dk1"/>
+    </dgm:txFillClrLst>
+    <dgm:txEffectClrLst/>
+  </dgm:styleLbl>
+  <dgm:styleLbl name="fgAcc0">
+    <dgm:fillClrLst meth="repeat">
+      <a:schemeClr val="lt1">
+        <a:alpha val="90000"/>
+      </a:schemeClr>
+    </dgm:fillClrLst>
+    <dgm:linClrLst meth="repeat">
+      <a:schemeClr val="accent1"/>
+    </dgm:linClrLst>
+    <dgm:effectClrLst/>
+    <dgm:txLinClrLst/>
+    <dgm:txFillClrLst meth="repeat">
+      <a:schemeClr val="dk1"/>
+    </dgm:txFillClrLst>
+    <dgm:txEffectClrLst/>
+  </dgm:styleLbl>
+  <dgm:styleLbl name="fgAcc2">
+    <dgm:fillClrLst meth="repeat">
+      <a:schemeClr val="lt1">
+        <a:alpha val="90000"/>
+      </a:schemeClr>
+    </dgm:fillClrLst>
+    <dgm:linClrLst meth="repeat">
+      <a:schemeClr val="accent1"/>
+    </dgm:linClrLst>
+    <dgm:effectClrLst/>
+    <dgm:txLinClrLst/>
+    <dgm:txFillClrLst meth="repeat">
+      <a:schemeClr val="dk1"/>
+    </dgm:txFillClrLst>
+    <dgm:txEffectClrLst/>
+  </dgm:styleLbl>
+  <dgm:styleLbl name="fgAcc3">
+    <dgm:fillClrLst meth="repeat">
+      <a:schemeClr val="lt1">
+        <a:alpha val="90000"/>
+      </a:schemeClr>
+    </dgm:fillClrLst>
+    <dgm:linClrLst meth="repeat">
+      <a:schemeClr val="accent1"/>
+    </dgm:linClrLst>
+    <dgm:effectClrLst/>
+    <dgm:txLinClrLst/>
+    <dgm:txFillClrLst meth="repeat">
+      <a:schemeClr val="dk1"/>
+    </dgm:txFillClrLst>
+    <dgm:txEffectClrLst/>
+  </dgm:styleLbl>
+  <dgm:styleLbl name="fgAcc4">
+    <dgm:fillClrLst meth="repeat">
+      <a:schemeClr val="lt1">
+        <a:alpha val="90000"/>
+      </a:schemeClr>
+    </dgm:fillClrLst>
+    <dgm:linClrLst meth="repeat">
+      <a:schemeClr val="accent1"/>
+    </dgm:linClrLst>
+    <dgm:effectClrLst/>
+    <dgm:txLinClrLst/>
+    <dgm:txFillClrLst meth="repeat">
+      <a:schemeClr val="dk1"/>
+    </dgm:txFillClrLst>
+    <dgm:txEffectClrLst/>
+  </dgm:styleLbl>
+  <dgm:styleLbl name="bgShp">
+    <dgm:fillClrLst meth="repeat">
+      <a:schemeClr val="accent1">
+        <a:tint val="40000"/>
+      </a:schemeClr>
+    </dgm:fillClrLst>
+    <dgm:linClrLst meth="repeat">
+      <a:schemeClr val="accent1"/>
+    </dgm:linClrLst>
+    <dgm:effectClrLst/>
+    <dgm:txLinClrLst/>
+    <dgm:txFillClrLst meth="repeat">
+      <a:schemeClr val="dk1"/>
+    </dgm:txFillClrLst>
+    <dgm:txEffectClrLst/>
+  </dgm:styleLbl>
+  <dgm:styleLbl name="dkBgShp">
+    <dgm:fillClrLst meth="repeat">
+      <a:schemeClr val="accent1">
+        <a:shade val="80000"/>
+      </a:schemeClr>
+    </dgm:fillClrLst>
+    <dgm:linClrLst meth="repeat">
+      <a:schemeClr val="accent1"/>
+    </dgm:linClrLst>
+    <dgm:effectClrLst/>
+    <dgm:txLinClrLst/>
+    <dgm:txFillClrLst meth="repeat">
+      <a:schemeClr val="lt1"/>
+    </dgm:txFillClrLst>
+    <dgm:txEffectClrLst/>
+  </dgm:styleLbl>
+  <dgm:styleLbl name="trBgShp">
+    <dgm:fillClrLst meth="repeat">
+      <a:schemeClr val="accent1">
+        <a:tint val="50000"/>
+        <a:alpha val="40000"/>
+      </a:schemeClr>
+    </dgm:fillClrLst>
+    <dgm:linClrLst meth="repeat">
+      <a:schemeClr val="accent1"/>
+    </dgm:linClrLst>
+    <dgm:effectClrLst/>
+    <dgm:txLinClrLst/>
+    <dgm:txFillClrLst meth="repeat">
+      <a:schemeClr val="lt1"/>
+    </dgm:txFillClrLst>
+    <dgm:txEffectClrLst/>
+  </dgm:styleLbl>
+  <dgm:styleLbl name="fgShp">
+    <dgm:fillClrLst meth="repeat">
+      <a:schemeClr val="accent1">
+        <a:tint val="60000"/>
+      </a:schemeClr>
+    </dgm:fillClrLst>
+    <dgm:linClrLst meth="repeat">
+      <a:schemeClr val="lt1"/>
+    </dgm:linClrLst>
+    <dgm:effectClrLst/>
+    <dgm:txLinClrLst/>
+    <dgm:txFillClrLst meth="repeat">
+      <a:schemeClr val="dk1"/>
+    </dgm:txFillClrLst>
+    <dgm:txEffectClrLst/>
+  </dgm:styleLbl>
+  <dgm:styleLbl name="revTx">
+    <dgm:fillClrLst meth="repeat">
+      <a:schemeClr val="lt1">
+        <a:alpha val="0"/>
+      </a:schemeClr>
+    </dgm:fillClrLst>
+    <dgm:linClrLst meth="repeat">
+      <a:schemeClr val="dk1">
+        <a:alpha val="0"/>
+      </a:schemeClr>
+    </dgm:linClrLst>
+    <dgm:effectClrLst/>
+    <dgm:txLinClrLst/>
+    <dgm:txFillClrLst meth="repeat">
+      <a:schemeClr val="tx1"/>
+    </dgm:txFillClrLst>
+    <dgm:txEffectClrLst/>
+  </dgm:styleLbl>
+</dgm:colorsDef>
+</file>
+
+<file path=ppt/diagrams/data1.xml><?xml version="1.0" encoding="utf-8"?>
+<dgm:dataModel xmlns:dgm="http://schemas.openxmlformats.org/drawingml/2006/diagram" xmlns:a="http://schemas.openxmlformats.org/drawingml/2006/main">
+  <dgm:ptLst>
+    <dgm:pt modelId="{DE998667-0361-4AAE-8D2F-EFF1BB4C94C5}" type="doc">
+      <dgm:prSet loTypeId="urn:microsoft.com/office/officeart/2016/7/layout/BasicLinearProcessNumbered" loCatId="process" qsTypeId="urn:microsoft.com/office/officeart/2005/8/quickstyle/simple4" qsCatId="simple" csTypeId="urn:microsoft.com/office/officeart/2005/8/colors/accent1_2" csCatId="accent1" phldr="1"/>
+      <dgm:spPr/>
+      <dgm:t>
+        <a:bodyPr/>
+        <a:lstStyle/>
+        <a:p>
+          <a:endParaRPr lang="en-US"/>
+        </a:p>
+      </dgm:t>
+    </dgm:pt>
+    <dgm:pt modelId="{6723282D-70B6-440E-81FD-D44AB66EE25D}">
+      <dgm:prSet/>
+      <dgm:spPr/>
+      <dgm:t>
+        <a:bodyPr/>
+        <a:lstStyle/>
+        <a:p>
+          <a:r>
+            <a:rPr lang="en-US"/>
+            <a:t>Create test environment</a:t>
+          </a:r>
+        </a:p>
+      </dgm:t>
+    </dgm:pt>
+    <dgm:pt modelId="{55C80AC0-C67A-4ECE-BF21-7F489B7CE2FF}" type="parTrans" cxnId="{662CCCA4-E656-4DEE-B35A-05DED726F9D4}">
+      <dgm:prSet/>
+      <dgm:spPr/>
+      <dgm:t>
+        <a:bodyPr/>
+        <a:lstStyle/>
+        <a:p>
+          <a:endParaRPr lang="en-US"/>
+        </a:p>
+      </dgm:t>
+    </dgm:pt>
+    <dgm:pt modelId="{2B96A839-F7FB-4EAA-A216-089BB05BDDBE}" type="sibTrans" cxnId="{662CCCA4-E656-4DEE-B35A-05DED726F9D4}">
+      <dgm:prSet phldrT="1" phldr="0"/>
+      <dgm:spPr/>
+      <dgm:t>
+        <a:bodyPr/>
+        <a:lstStyle/>
+        <a:p>
+          <a:r>
+            <a:rPr lang="en-US"/>
+            <a:t>1</a:t>
+          </a:r>
+        </a:p>
+      </dgm:t>
+    </dgm:pt>
+    <dgm:pt modelId="{410B7CC7-5465-4A87-BBA5-1B653D1319B3}">
+      <dgm:prSet/>
+      <dgm:spPr/>
+      <dgm:t>
+        <a:bodyPr/>
+        <a:lstStyle/>
+        <a:p>
+          <a:r>
+            <a:rPr lang="en-US"/>
+            <a:t>Develop player movement physics (World event and weapon interactions)</a:t>
+          </a:r>
+        </a:p>
+      </dgm:t>
+    </dgm:pt>
+    <dgm:pt modelId="{CCF020D4-0D33-4CA0-BC75-13973931A071}" type="parTrans" cxnId="{2FD7731A-E0D8-456C-B9B4-5B2287D65F76}">
+      <dgm:prSet/>
+      <dgm:spPr/>
+      <dgm:t>
+        <a:bodyPr/>
+        <a:lstStyle/>
+        <a:p>
+          <a:endParaRPr lang="en-US"/>
+        </a:p>
+      </dgm:t>
+    </dgm:pt>
+    <dgm:pt modelId="{B06D02FF-2992-4764-80E5-3E319909C77F}" type="sibTrans" cxnId="{2FD7731A-E0D8-456C-B9B4-5B2287D65F76}">
+      <dgm:prSet phldrT="2" phldr="0"/>
+      <dgm:spPr/>
+      <dgm:t>
+        <a:bodyPr/>
+        <a:lstStyle/>
+        <a:p>
+          <a:r>
+            <a:rPr lang="en-US"/>
+            <a:t>2</a:t>
+          </a:r>
+        </a:p>
+      </dgm:t>
+    </dgm:pt>
+    <dgm:pt modelId="{E567F6D4-B82C-4C3A-860D-9F265B219CA9}">
+      <dgm:prSet/>
+      <dgm:spPr/>
+      <dgm:t>
+        <a:bodyPr/>
+        <a:lstStyle/>
+        <a:p>
+          <a:r>
+            <a:rPr lang="en-US"/>
+            <a:t>Create a working environment based around movement</a:t>
+          </a:r>
+        </a:p>
+      </dgm:t>
+    </dgm:pt>
+    <dgm:pt modelId="{FFBB8ED5-DEA3-464B-A445-A9AF3C508E80}" type="parTrans" cxnId="{5D7CB1A7-5130-4696-9AD4-C150C3030DD5}">
+      <dgm:prSet/>
+      <dgm:spPr/>
+      <dgm:t>
+        <a:bodyPr/>
+        <a:lstStyle/>
+        <a:p>
+          <a:endParaRPr lang="en-US"/>
+        </a:p>
+      </dgm:t>
+    </dgm:pt>
+    <dgm:pt modelId="{E391EA7E-83FB-4A02-AB84-9DA73D48FD37}" type="sibTrans" cxnId="{5D7CB1A7-5130-4696-9AD4-C150C3030DD5}">
+      <dgm:prSet phldrT="3" phldr="0"/>
+      <dgm:spPr/>
+      <dgm:t>
+        <a:bodyPr/>
+        <a:lstStyle/>
+        <a:p>
+          <a:r>
+            <a:rPr lang="en-US"/>
+            <a:t>3</a:t>
+          </a:r>
+        </a:p>
+      </dgm:t>
+    </dgm:pt>
+    <dgm:pt modelId="{0FD1828D-B718-4CC7-A63A-C8E55FF30A71}">
+      <dgm:prSet/>
+      <dgm:spPr/>
+      <dgm:t>
+        <a:bodyPr/>
+        <a:lstStyle/>
+        <a:p>
+          <a:r>
+            <a:rPr lang="en-US"/>
+            <a:t>Create object physics</a:t>
+          </a:r>
+        </a:p>
+      </dgm:t>
+    </dgm:pt>
+    <dgm:pt modelId="{6C6C3295-D2E9-4F1F-8525-B274C145010F}" type="parTrans" cxnId="{16EB4260-2828-49F9-A70C-F10E57E96E80}">
+      <dgm:prSet/>
+      <dgm:spPr/>
+      <dgm:t>
+        <a:bodyPr/>
+        <a:lstStyle/>
+        <a:p>
+          <a:endParaRPr lang="en-US"/>
+        </a:p>
+      </dgm:t>
+    </dgm:pt>
+    <dgm:pt modelId="{8D33A881-4FA2-454E-A315-C13E83A4D29B}" type="sibTrans" cxnId="{16EB4260-2828-49F9-A70C-F10E57E96E80}">
+      <dgm:prSet phldrT="4" phldr="0"/>
+      <dgm:spPr/>
+      <dgm:t>
+        <a:bodyPr/>
+        <a:lstStyle/>
+        <a:p>
+          <a:r>
+            <a:rPr lang="en-US"/>
+            <a:t>4</a:t>
+          </a:r>
+        </a:p>
+      </dgm:t>
+    </dgm:pt>
+    <dgm:pt modelId="{DBF05B4E-647B-4507-AA89-9495F7E86CD5}">
+      <dgm:prSet/>
+      <dgm:spPr/>
+      <dgm:t>
+        <a:bodyPr/>
+        <a:lstStyle/>
+        <a:p>
+          <a:r>
+            <a:rPr lang="en-US" dirty="0"/>
+            <a:t>Create Levels (Tutorial/Easy/</a:t>
+          </a:r>
+        </a:p>
+        <a:p>
+          <a:r>
+            <a:rPr lang="en-US" dirty="0"/>
+            <a:t>Intermediate/Hard)</a:t>
+          </a:r>
+        </a:p>
+      </dgm:t>
+    </dgm:pt>
+    <dgm:pt modelId="{A9DF636E-7EC5-462A-8775-B86FEAAE1462}" type="parTrans" cxnId="{ADC91CD1-050B-4019-B28C-36E788FF2930}">
+      <dgm:prSet/>
+      <dgm:spPr/>
+      <dgm:t>
+        <a:bodyPr/>
+        <a:lstStyle/>
+        <a:p>
+          <a:endParaRPr lang="en-US"/>
+        </a:p>
+      </dgm:t>
+    </dgm:pt>
+    <dgm:pt modelId="{F212B25E-2B93-4F01-A9A4-7897BFB82D77}" type="sibTrans" cxnId="{ADC91CD1-050B-4019-B28C-36E788FF2930}">
+      <dgm:prSet phldrT="5" phldr="0"/>
+      <dgm:spPr/>
+      <dgm:t>
+        <a:bodyPr/>
+        <a:lstStyle/>
+        <a:p>
+          <a:r>
+            <a:rPr lang="en-US"/>
+            <a:t>5</a:t>
+          </a:r>
+        </a:p>
+      </dgm:t>
+    </dgm:pt>
+    <dgm:pt modelId="{7005C5D6-D290-45B3-BC96-86DF04A27A17}" type="pres">
+      <dgm:prSet presAssocID="{DE998667-0361-4AAE-8D2F-EFF1BB4C94C5}" presName="Name0" presStyleCnt="0">
+        <dgm:presLayoutVars>
+          <dgm:animLvl val="lvl"/>
+          <dgm:resizeHandles val="exact"/>
+        </dgm:presLayoutVars>
+      </dgm:prSet>
+      <dgm:spPr/>
+    </dgm:pt>
+    <dgm:pt modelId="{C176848F-60A8-416C-95BD-6706F69407D9}" type="pres">
+      <dgm:prSet presAssocID="{6723282D-70B6-440E-81FD-D44AB66EE25D}" presName="compositeNode" presStyleCnt="0">
+        <dgm:presLayoutVars>
+          <dgm:bulletEnabled val="1"/>
+        </dgm:presLayoutVars>
+      </dgm:prSet>
+      <dgm:spPr/>
+    </dgm:pt>
+    <dgm:pt modelId="{330BCDA7-D4CD-4A89-93BE-7F61BB0A8778}" type="pres">
+      <dgm:prSet presAssocID="{6723282D-70B6-440E-81FD-D44AB66EE25D}" presName="bgRect" presStyleLbl="bgAccFollowNode1" presStyleIdx="0" presStyleCnt="5"/>
+      <dgm:spPr/>
+    </dgm:pt>
+    <dgm:pt modelId="{1FAA8D7C-6BE4-44AF-A3AF-F65B363E83D7}" type="pres">
+      <dgm:prSet presAssocID="{2B96A839-F7FB-4EAA-A216-089BB05BDDBE}" presName="sibTransNodeCircle" presStyleLbl="alignNode1" presStyleIdx="0" presStyleCnt="10">
+        <dgm:presLayoutVars>
+          <dgm:chMax val="0"/>
+          <dgm:bulletEnabled/>
+        </dgm:presLayoutVars>
+      </dgm:prSet>
+      <dgm:spPr/>
+    </dgm:pt>
+    <dgm:pt modelId="{63085B9E-319E-44CF-ADEB-5D36D718F998}" type="pres">
+      <dgm:prSet presAssocID="{6723282D-70B6-440E-81FD-D44AB66EE25D}" presName="bottomLine" presStyleLbl="alignNode1" presStyleIdx="1" presStyleCnt="10">
+        <dgm:presLayoutVars/>
+      </dgm:prSet>
+      <dgm:spPr/>
+    </dgm:pt>
+    <dgm:pt modelId="{21CF8E47-653E-4431-AD2A-7F10A6CDEB16}" type="pres">
+      <dgm:prSet presAssocID="{6723282D-70B6-440E-81FD-D44AB66EE25D}" presName="nodeText" presStyleLbl="bgAccFollowNode1" presStyleIdx="0" presStyleCnt="5">
+        <dgm:presLayoutVars>
+          <dgm:bulletEnabled val="1"/>
+        </dgm:presLayoutVars>
+      </dgm:prSet>
+      <dgm:spPr/>
+    </dgm:pt>
+    <dgm:pt modelId="{93F4E22C-3E7E-45BC-BFE7-942C51A6AB10}" type="pres">
+      <dgm:prSet presAssocID="{2B96A839-F7FB-4EAA-A216-089BB05BDDBE}" presName="sibTrans" presStyleCnt="0"/>
+      <dgm:spPr/>
+    </dgm:pt>
+    <dgm:pt modelId="{D50F6876-2DD2-4AA0-B262-ED859A92701F}" type="pres">
+      <dgm:prSet presAssocID="{410B7CC7-5465-4A87-BBA5-1B653D1319B3}" presName="compositeNode" presStyleCnt="0">
+        <dgm:presLayoutVars>
+          <dgm:bulletEnabled val="1"/>
+        </dgm:presLayoutVars>
+      </dgm:prSet>
+      <dgm:spPr/>
+    </dgm:pt>
+    <dgm:pt modelId="{14264A89-0BD1-415A-A45B-50A56E82278F}" type="pres">
+      <dgm:prSet presAssocID="{410B7CC7-5465-4A87-BBA5-1B653D1319B3}" presName="bgRect" presStyleLbl="bgAccFollowNode1" presStyleIdx="1" presStyleCnt="5"/>
+      <dgm:spPr/>
+    </dgm:pt>
+    <dgm:pt modelId="{81F7173C-3616-43AE-9377-93D953037449}" type="pres">
+      <dgm:prSet presAssocID="{B06D02FF-2992-4764-80E5-3E319909C77F}" presName="sibTransNodeCircle" presStyleLbl="alignNode1" presStyleIdx="2" presStyleCnt="10">
+        <dgm:presLayoutVars>
+          <dgm:chMax val="0"/>
+          <dgm:bulletEnabled/>
+        </dgm:presLayoutVars>
+      </dgm:prSet>
+      <dgm:spPr/>
+    </dgm:pt>
+    <dgm:pt modelId="{0DDD9159-A4A2-427D-B367-6F16EFCFCFC5}" type="pres">
+      <dgm:prSet presAssocID="{410B7CC7-5465-4A87-BBA5-1B653D1319B3}" presName="bottomLine" presStyleLbl="alignNode1" presStyleIdx="3" presStyleCnt="10">
+        <dgm:presLayoutVars/>
+      </dgm:prSet>
+      <dgm:spPr/>
+    </dgm:pt>
+    <dgm:pt modelId="{D1147293-E290-453A-B22D-CC96DFB2C960}" type="pres">
+      <dgm:prSet presAssocID="{410B7CC7-5465-4A87-BBA5-1B653D1319B3}" presName="nodeText" presStyleLbl="bgAccFollowNode1" presStyleIdx="1" presStyleCnt="5">
+        <dgm:presLayoutVars>
+          <dgm:bulletEnabled val="1"/>
+        </dgm:presLayoutVars>
+      </dgm:prSet>
+      <dgm:spPr/>
+    </dgm:pt>
+    <dgm:pt modelId="{37F15C5A-E423-4428-A042-6DA02EBE9CC3}" type="pres">
+      <dgm:prSet presAssocID="{B06D02FF-2992-4764-80E5-3E319909C77F}" presName="sibTrans" presStyleCnt="0"/>
+      <dgm:spPr/>
+    </dgm:pt>
+    <dgm:pt modelId="{31CF9858-742A-4CDF-9FC7-2C57702F9A19}" type="pres">
+      <dgm:prSet presAssocID="{E567F6D4-B82C-4C3A-860D-9F265B219CA9}" presName="compositeNode" presStyleCnt="0">
+        <dgm:presLayoutVars>
+          <dgm:bulletEnabled val="1"/>
+        </dgm:presLayoutVars>
+      </dgm:prSet>
+      <dgm:spPr/>
+    </dgm:pt>
+    <dgm:pt modelId="{FA260845-C75F-4298-B6D1-A1B8C0B8FDEA}" type="pres">
+      <dgm:prSet presAssocID="{E567F6D4-B82C-4C3A-860D-9F265B219CA9}" presName="bgRect" presStyleLbl="bgAccFollowNode1" presStyleIdx="2" presStyleCnt="5"/>
+      <dgm:spPr/>
+    </dgm:pt>
+    <dgm:pt modelId="{0067C046-9E66-4B13-8A47-343274AA6FA3}" type="pres">
+      <dgm:prSet presAssocID="{E391EA7E-83FB-4A02-AB84-9DA73D48FD37}" presName="sibTransNodeCircle" presStyleLbl="alignNode1" presStyleIdx="4" presStyleCnt="10">
+        <dgm:presLayoutVars>
+          <dgm:chMax val="0"/>
+          <dgm:bulletEnabled/>
+        </dgm:presLayoutVars>
+      </dgm:prSet>
+      <dgm:spPr/>
+    </dgm:pt>
+    <dgm:pt modelId="{46E513E3-8A20-4E91-ACD1-21DBCCC4E042}" type="pres">
+      <dgm:prSet presAssocID="{E567F6D4-B82C-4C3A-860D-9F265B219CA9}" presName="bottomLine" presStyleLbl="alignNode1" presStyleIdx="5" presStyleCnt="10">
+        <dgm:presLayoutVars/>
+      </dgm:prSet>
+      <dgm:spPr/>
+    </dgm:pt>
+    <dgm:pt modelId="{27AA76AD-01F9-4713-9597-2C14ED2E2746}" type="pres">
+      <dgm:prSet presAssocID="{E567F6D4-B82C-4C3A-860D-9F265B219CA9}" presName="nodeText" presStyleLbl="bgAccFollowNode1" presStyleIdx="2" presStyleCnt="5">
+        <dgm:presLayoutVars>
+          <dgm:bulletEnabled val="1"/>
+        </dgm:presLayoutVars>
+      </dgm:prSet>
+      <dgm:spPr/>
+    </dgm:pt>
+    <dgm:pt modelId="{6B8DACC6-4EB0-407F-9DB0-7163A7BA0B2E}" type="pres">
+      <dgm:prSet presAssocID="{E391EA7E-83FB-4A02-AB84-9DA73D48FD37}" presName="sibTrans" presStyleCnt="0"/>
+      <dgm:spPr/>
+    </dgm:pt>
+    <dgm:pt modelId="{307A889D-648E-4682-A86F-070CBFC46424}" type="pres">
+      <dgm:prSet presAssocID="{0FD1828D-B718-4CC7-A63A-C8E55FF30A71}" presName="compositeNode" presStyleCnt="0">
+        <dgm:presLayoutVars>
+          <dgm:bulletEnabled val="1"/>
+        </dgm:presLayoutVars>
+      </dgm:prSet>
+      <dgm:spPr/>
+    </dgm:pt>
+    <dgm:pt modelId="{6DA12EC1-0380-426B-BF4C-50EC432B77E6}" type="pres">
+      <dgm:prSet presAssocID="{0FD1828D-B718-4CC7-A63A-C8E55FF30A71}" presName="bgRect" presStyleLbl="bgAccFollowNode1" presStyleIdx="3" presStyleCnt="5"/>
+      <dgm:spPr/>
+    </dgm:pt>
+    <dgm:pt modelId="{E4CE8423-BAC7-4FCA-98FF-71EEB8578706}" type="pres">
+      <dgm:prSet presAssocID="{8D33A881-4FA2-454E-A315-C13E83A4D29B}" presName="sibTransNodeCircle" presStyleLbl="alignNode1" presStyleIdx="6" presStyleCnt="10">
+        <dgm:presLayoutVars>
+          <dgm:chMax val="0"/>
+          <dgm:bulletEnabled/>
+        </dgm:presLayoutVars>
+      </dgm:prSet>
+      <dgm:spPr/>
+    </dgm:pt>
+    <dgm:pt modelId="{36EC4DDC-45F3-4EB7-B836-703E03AE0E42}" type="pres">
+      <dgm:prSet presAssocID="{0FD1828D-B718-4CC7-A63A-C8E55FF30A71}" presName="bottomLine" presStyleLbl="alignNode1" presStyleIdx="7" presStyleCnt="10">
+        <dgm:presLayoutVars/>
+      </dgm:prSet>
+      <dgm:spPr/>
+    </dgm:pt>
+    <dgm:pt modelId="{35953FA3-2A6F-4145-9616-402C6CA770DE}" type="pres">
+      <dgm:prSet presAssocID="{0FD1828D-B718-4CC7-A63A-C8E55FF30A71}" presName="nodeText" presStyleLbl="bgAccFollowNode1" presStyleIdx="3" presStyleCnt="5">
+        <dgm:presLayoutVars>
+          <dgm:bulletEnabled val="1"/>
+        </dgm:presLayoutVars>
+      </dgm:prSet>
+      <dgm:spPr/>
+    </dgm:pt>
+    <dgm:pt modelId="{2B640B5D-97AA-490A-8BB2-C0CE813A5551}" type="pres">
+      <dgm:prSet presAssocID="{8D33A881-4FA2-454E-A315-C13E83A4D29B}" presName="sibTrans" presStyleCnt="0"/>
+      <dgm:spPr/>
+    </dgm:pt>
+    <dgm:pt modelId="{6D754B7E-FE43-474E-9D6C-0C1EC7C9B530}" type="pres">
+      <dgm:prSet presAssocID="{DBF05B4E-647B-4507-AA89-9495F7E86CD5}" presName="compositeNode" presStyleCnt="0">
+        <dgm:presLayoutVars>
+          <dgm:bulletEnabled val="1"/>
+        </dgm:presLayoutVars>
+      </dgm:prSet>
+      <dgm:spPr/>
+    </dgm:pt>
+    <dgm:pt modelId="{4C7B382E-EFCC-4D83-B099-28C4EBE5C12F}" type="pres">
+      <dgm:prSet presAssocID="{DBF05B4E-647B-4507-AA89-9495F7E86CD5}" presName="bgRect" presStyleLbl="bgAccFollowNode1" presStyleIdx="4" presStyleCnt="5"/>
+      <dgm:spPr/>
+    </dgm:pt>
+    <dgm:pt modelId="{08D4951F-D109-4997-AE41-8C2B23D167C9}" type="pres">
+      <dgm:prSet presAssocID="{F212B25E-2B93-4F01-A9A4-7897BFB82D77}" presName="sibTransNodeCircle" presStyleLbl="alignNode1" presStyleIdx="8" presStyleCnt="10">
+        <dgm:presLayoutVars>
+          <dgm:chMax val="0"/>
+          <dgm:bulletEnabled/>
+        </dgm:presLayoutVars>
+      </dgm:prSet>
+      <dgm:spPr/>
+    </dgm:pt>
+    <dgm:pt modelId="{99D1888D-C45C-4E20-9148-B762C400DB90}" type="pres">
+      <dgm:prSet presAssocID="{DBF05B4E-647B-4507-AA89-9495F7E86CD5}" presName="bottomLine" presStyleLbl="alignNode1" presStyleIdx="9" presStyleCnt="10">
+        <dgm:presLayoutVars/>
+      </dgm:prSet>
+      <dgm:spPr/>
+    </dgm:pt>
+    <dgm:pt modelId="{70C4041D-B1F4-47D6-A2ED-3C72A27CC484}" type="pres">
+      <dgm:prSet presAssocID="{DBF05B4E-647B-4507-AA89-9495F7E86CD5}" presName="nodeText" presStyleLbl="bgAccFollowNode1" presStyleIdx="4" presStyleCnt="5">
+        <dgm:presLayoutVars>
+          <dgm:bulletEnabled val="1"/>
+        </dgm:presLayoutVars>
+      </dgm:prSet>
+      <dgm:spPr/>
+    </dgm:pt>
+  </dgm:ptLst>
+  <dgm:cxnLst>
+    <dgm:cxn modelId="{E13CE905-AA1F-407E-B050-5F206C561FCF}" type="presOf" srcId="{410B7CC7-5465-4A87-BBA5-1B653D1319B3}" destId="{D1147293-E290-453A-B22D-CC96DFB2C960}" srcOrd="1" destOrd="0" presId="urn:microsoft.com/office/officeart/2016/7/layout/BasicLinearProcessNumbered"/>
+    <dgm:cxn modelId="{2FD7731A-E0D8-456C-B9B4-5B2287D65F76}" srcId="{DE998667-0361-4AAE-8D2F-EFF1BB4C94C5}" destId="{410B7CC7-5465-4A87-BBA5-1B653D1319B3}" srcOrd="1" destOrd="0" parTransId="{CCF020D4-0D33-4CA0-BC75-13973931A071}" sibTransId="{B06D02FF-2992-4764-80E5-3E319909C77F}"/>
+    <dgm:cxn modelId="{AA1E3D29-24A6-469F-A849-3518CF7A953F}" type="presOf" srcId="{0FD1828D-B718-4CC7-A63A-C8E55FF30A71}" destId="{6DA12EC1-0380-426B-BF4C-50EC432B77E6}" srcOrd="0" destOrd="0" presId="urn:microsoft.com/office/officeart/2016/7/layout/BasicLinearProcessNumbered"/>
+    <dgm:cxn modelId="{16EB4260-2828-49F9-A70C-F10E57E96E80}" srcId="{DE998667-0361-4AAE-8D2F-EFF1BB4C94C5}" destId="{0FD1828D-B718-4CC7-A63A-C8E55FF30A71}" srcOrd="3" destOrd="0" parTransId="{6C6C3295-D2E9-4F1F-8525-B274C145010F}" sibTransId="{8D33A881-4FA2-454E-A315-C13E83A4D29B}"/>
+    <dgm:cxn modelId="{3116B965-62E7-4D4D-AEF3-BDED1DB88022}" type="presOf" srcId="{DBF05B4E-647B-4507-AA89-9495F7E86CD5}" destId="{4C7B382E-EFCC-4D83-B099-28C4EBE5C12F}" srcOrd="0" destOrd="0" presId="urn:microsoft.com/office/officeart/2016/7/layout/BasicLinearProcessNumbered"/>
+    <dgm:cxn modelId="{B30FE14C-77A4-4DFD-9E0C-6081D51EF3A4}" type="presOf" srcId="{0FD1828D-B718-4CC7-A63A-C8E55FF30A71}" destId="{35953FA3-2A6F-4145-9616-402C6CA770DE}" srcOrd="1" destOrd="0" presId="urn:microsoft.com/office/officeart/2016/7/layout/BasicLinearProcessNumbered"/>
+    <dgm:cxn modelId="{8402B283-4EF4-4F6C-AEFC-FB7C80386F75}" type="presOf" srcId="{B06D02FF-2992-4764-80E5-3E319909C77F}" destId="{81F7173C-3616-43AE-9377-93D953037449}" srcOrd="0" destOrd="0" presId="urn:microsoft.com/office/officeart/2016/7/layout/BasicLinearProcessNumbered"/>
+    <dgm:cxn modelId="{61380097-7713-4A0E-85AC-20B0868CE68C}" type="presOf" srcId="{2B96A839-F7FB-4EAA-A216-089BB05BDDBE}" destId="{1FAA8D7C-6BE4-44AF-A3AF-F65B363E83D7}" srcOrd="0" destOrd="0" presId="urn:microsoft.com/office/officeart/2016/7/layout/BasicLinearProcessNumbered"/>
+    <dgm:cxn modelId="{662CCCA4-E656-4DEE-B35A-05DED726F9D4}" srcId="{DE998667-0361-4AAE-8D2F-EFF1BB4C94C5}" destId="{6723282D-70B6-440E-81FD-D44AB66EE25D}" srcOrd="0" destOrd="0" parTransId="{55C80AC0-C67A-4ECE-BF21-7F489B7CE2FF}" sibTransId="{2B96A839-F7FB-4EAA-A216-089BB05BDDBE}"/>
+    <dgm:cxn modelId="{5D7CB1A7-5130-4696-9AD4-C150C3030DD5}" srcId="{DE998667-0361-4AAE-8D2F-EFF1BB4C94C5}" destId="{E567F6D4-B82C-4C3A-860D-9F265B219CA9}" srcOrd="2" destOrd="0" parTransId="{FFBB8ED5-DEA3-464B-A445-A9AF3C508E80}" sibTransId="{E391EA7E-83FB-4A02-AB84-9DA73D48FD37}"/>
+    <dgm:cxn modelId="{29E624A8-580C-4B5E-8706-3F6BEC4FFCB0}" type="presOf" srcId="{E391EA7E-83FB-4A02-AB84-9DA73D48FD37}" destId="{0067C046-9E66-4B13-8A47-343274AA6FA3}" srcOrd="0" destOrd="0" presId="urn:microsoft.com/office/officeart/2016/7/layout/BasicLinearProcessNumbered"/>
+    <dgm:cxn modelId="{40E5B5AF-D34F-4687-92E2-284C926D3CA1}" type="presOf" srcId="{6723282D-70B6-440E-81FD-D44AB66EE25D}" destId="{21CF8E47-653E-4431-AD2A-7F10A6CDEB16}" srcOrd="1" destOrd="0" presId="urn:microsoft.com/office/officeart/2016/7/layout/BasicLinearProcessNumbered"/>
+    <dgm:cxn modelId="{BF9DB0C0-7E06-4F21-BD36-AC59E2C972A8}" type="presOf" srcId="{F212B25E-2B93-4F01-A9A4-7897BFB82D77}" destId="{08D4951F-D109-4997-AE41-8C2B23D167C9}" srcOrd="0" destOrd="0" presId="urn:microsoft.com/office/officeart/2016/7/layout/BasicLinearProcessNumbered"/>
+    <dgm:cxn modelId="{327C3FCA-C53D-493E-B9DB-94439B2E8143}" type="presOf" srcId="{8D33A881-4FA2-454E-A315-C13E83A4D29B}" destId="{E4CE8423-BAC7-4FCA-98FF-71EEB8578706}" srcOrd="0" destOrd="0" presId="urn:microsoft.com/office/officeart/2016/7/layout/BasicLinearProcessNumbered"/>
+    <dgm:cxn modelId="{ADC91CD1-050B-4019-B28C-36E788FF2930}" srcId="{DE998667-0361-4AAE-8D2F-EFF1BB4C94C5}" destId="{DBF05B4E-647B-4507-AA89-9495F7E86CD5}" srcOrd="4" destOrd="0" parTransId="{A9DF636E-7EC5-462A-8775-B86FEAAE1462}" sibTransId="{F212B25E-2B93-4F01-A9A4-7897BFB82D77}"/>
+    <dgm:cxn modelId="{DFA6CFD8-906B-46A7-86A7-779D90F2DD0F}" type="presOf" srcId="{410B7CC7-5465-4A87-BBA5-1B653D1319B3}" destId="{14264A89-0BD1-415A-A45B-50A56E82278F}" srcOrd="0" destOrd="0" presId="urn:microsoft.com/office/officeart/2016/7/layout/BasicLinearProcessNumbered"/>
+    <dgm:cxn modelId="{11E74AD9-E21C-46D0-9487-7DE2877E7FB5}" type="presOf" srcId="{6723282D-70B6-440E-81FD-D44AB66EE25D}" destId="{330BCDA7-D4CD-4A89-93BE-7F61BB0A8778}" srcOrd="0" destOrd="0" presId="urn:microsoft.com/office/officeart/2016/7/layout/BasicLinearProcessNumbered"/>
+    <dgm:cxn modelId="{3B07FFEE-F0E7-43E0-BA5E-FA2C02875996}" type="presOf" srcId="{DBF05B4E-647B-4507-AA89-9495F7E86CD5}" destId="{70C4041D-B1F4-47D6-A2ED-3C72A27CC484}" srcOrd="1" destOrd="0" presId="urn:microsoft.com/office/officeart/2016/7/layout/BasicLinearProcessNumbered"/>
+    <dgm:cxn modelId="{8A37EAEF-4C58-410B-BBF5-8F4AD7091236}" type="presOf" srcId="{DE998667-0361-4AAE-8D2F-EFF1BB4C94C5}" destId="{7005C5D6-D290-45B3-BC96-86DF04A27A17}" srcOrd="0" destOrd="0" presId="urn:microsoft.com/office/officeart/2016/7/layout/BasicLinearProcessNumbered"/>
+    <dgm:cxn modelId="{071911F0-5D75-43D8-B7DF-C0F5EB4B83E3}" type="presOf" srcId="{E567F6D4-B82C-4C3A-860D-9F265B219CA9}" destId="{27AA76AD-01F9-4713-9597-2C14ED2E2746}" srcOrd="1" destOrd="0" presId="urn:microsoft.com/office/officeart/2016/7/layout/BasicLinearProcessNumbered"/>
+    <dgm:cxn modelId="{C1A1E5FA-1038-4A24-B633-E734F68F86A7}" type="presOf" srcId="{E567F6D4-B82C-4C3A-860D-9F265B219CA9}" destId="{FA260845-C75F-4298-B6D1-A1B8C0B8FDEA}" srcOrd="0" destOrd="0" presId="urn:microsoft.com/office/officeart/2016/7/layout/BasicLinearProcessNumbered"/>
+    <dgm:cxn modelId="{4F9CDD59-9E6A-4D57-B216-34FD72B88EC7}" type="presParOf" srcId="{7005C5D6-D290-45B3-BC96-86DF04A27A17}" destId="{C176848F-60A8-416C-95BD-6706F69407D9}" srcOrd="0" destOrd="0" presId="urn:microsoft.com/office/officeart/2016/7/layout/BasicLinearProcessNumbered"/>
+    <dgm:cxn modelId="{D2D1274F-9DA2-41E7-90F0-4F8DFCB11BCE}" type="presParOf" srcId="{C176848F-60A8-416C-95BD-6706F69407D9}" destId="{330BCDA7-D4CD-4A89-93BE-7F61BB0A8778}" srcOrd="0" destOrd="0" presId="urn:microsoft.com/office/officeart/2016/7/layout/BasicLinearProcessNumbered"/>
+    <dgm:cxn modelId="{17E8723E-743C-471C-BD9E-096EF6EA7779}" type="presParOf" srcId="{C176848F-60A8-416C-95BD-6706F69407D9}" destId="{1FAA8D7C-6BE4-44AF-A3AF-F65B363E83D7}" srcOrd="1" destOrd="0" presId="urn:microsoft.com/office/officeart/2016/7/layout/BasicLinearProcessNumbered"/>
+    <dgm:cxn modelId="{8C4F399B-E441-4EA2-BC66-D75F1C265202}" type="presParOf" srcId="{C176848F-60A8-416C-95BD-6706F69407D9}" destId="{63085B9E-319E-44CF-ADEB-5D36D718F998}" srcOrd="2" destOrd="0" presId="urn:microsoft.com/office/officeart/2016/7/layout/BasicLinearProcessNumbered"/>
+    <dgm:cxn modelId="{51F9ED38-08C7-4EAE-906D-D2FE54DE0CE5}" type="presParOf" srcId="{C176848F-60A8-416C-95BD-6706F69407D9}" destId="{21CF8E47-653E-4431-AD2A-7F10A6CDEB16}" srcOrd="3" destOrd="0" presId="urn:microsoft.com/office/officeart/2016/7/layout/BasicLinearProcessNumbered"/>
+    <dgm:cxn modelId="{5BDE42F9-8D8F-4336-B43D-CF63C6138D2F}" type="presParOf" srcId="{7005C5D6-D290-45B3-BC96-86DF04A27A17}" destId="{93F4E22C-3E7E-45BC-BFE7-942C51A6AB10}" srcOrd="1" destOrd="0" presId="urn:microsoft.com/office/officeart/2016/7/layout/BasicLinearProcessNumbered"/>
+    <dgm:cxn modelId="{4D8BE78E-1223-44EA-ADA8-A4BA60BE20E8}" type="presParOf" srcId="{7005C5D6-D290-45B3-BC96-86DF04A27A17}" destId="{D50F6876-2DD2-4AA0-B262-ED859A92701F}" srcOrd="2" destOrd="0" presId="urn:microsoft.com/office/officeart/2016/7/layout/BasicLinearProcessNumbered"/>
+    <dgm:cxn modelId="{AF3B2A01-92FF-4A6F-A935-F0AD5B6998E4}" type="presParOf" srcId="{D50F6876-2DD2-4AA0-B262-ED859A92701F}" destId="{14264A89-0BD1-415A-A45B-50A56E82278F}" srcOrd="0" destOrd="0" presId="urn:microsoft.com/office/officeart/2016/7/layout/BasicLinearProcessNumbered"/>
+    <dgm:cxn modelId="{143ACAC7-7F32-43C0-B6E7-B9BE03FCA310}" type="presParOf" srcId="{D50F6876-2DD2-4AA0-B262-ED859A92701F}" destId="{81F7173C-3616-43AE-9377-93D953037449}" srcOrd="1" destOrd="0" presId="urn:microsoft.com/office/officeart/2016/7/layout/BasicLinearProcessNumbered"/>
+    <dgm:cxn modelId="{AC6A3400-6047-4972-832F-A4BB6CCBB0AB}" type="presParOf" srcId="{D50F6876-2DD2-4AA0-B262-ED859A92701F}" destId="{0DDD9159-A4A2-427D-B367-6F16EFCFCFC5}" srcOrd="2" destOrd="0" presId="urn:microsoft.com/office/officeart/2016/7/layout/BasicLinearProcessNumbered"/>
+    <dgm:cxn modelId="{9E5AC17A-46BD-4EE3-8336-4D05DFC04E2D}" type="presParOf" srcId="{D50F6876-2DD2-4AA0-B262-ED859A92701F}" destId="{D1147293-E290-453A-B22D-CC96DFB2C960}" srcOrd="3" destOrd="0" presId="urn:microsoft.com/office/officeart/2016/7/layout/BasicLinearProcessNumbered"/>
+    <dgm:cxn modelId="{6AEC2FC3-C6E9-4799-9E3C-51F2913E3BFC}" type="presParOf" srcId="{7005C5D6-D290-45B3-BC96-86DF04A27A17}" destId="{37F15C5A-E423-4428-A042-6DA02EBE9CC3}" srcOrd="3" destOrd="0" presId="urn:microsoft.com/office/officeart/2016/7/layout/BasicLinearProcessNumbered"/>
+    <dgm:cxn modelId="{F15D4D36-0134-4B96-889A-968B3B74697B}" type="presParOf" srcId="{7005C5D6-D290-45B3-BC96-86DF04A27A17}" destId="{31CF9858-742A-4CDF-9FC7-2C57702F9A19}" srcOrd="4" destOrd="0" presId="urn:microsoft.com/office/officeart/2016/7/layout/BasicLinearProcessNumbered"/>
+    <dgm:cxn modelId="{A5202C8C-3FA2-413A-A2E5-31335A0A313E}" type="presParOf" srcId="{31CF9858-742A-4CDF-9FC7-2C57702F9A19}" destId="{FA260845-C75F-4298-B6D1-A1B8C0B8FDEA}" srcOrd="0" destOrd="0" presId="urn:microsoft.com/office/officeart/2016/7/layout/BasicLinearProcessNumbered"/>
+    <dgm:cxn modelId="{C79D25E1-707F-4C70-B19C-982B3565B888}" type="presParOf" srcId="{31CF9858-742A-4CDF-9FC7-2C57702F9A19}" destId="{0067C046-9E66-4B13-8A47-343274AA6FA3}" srcOrd="1" destOrd="0" presId="urn:microsoft.com/office/officeart/2016/7/layout/BasicLinearProcessNumbered"/>
+    <dgm:cxn modelId="{89877D82-DCAB-496B-AA54-CB1235E37D0B}" type="presParOf" srcId="{31CF9858-742A-4CDF-9FC7-2C57702F9A19}" destId="{46E513E3-8A20-4E91-ACD1-21DBCCC4E042}" srcOrd="2" destOrd="0" presId="urn:microsoft.com/office/officeart/2016/7/layout/BasicLinearProcessNumbered"/>
+    <dgm:cxn modelId="{F74CB6D6-B396-4BB1-AFF9-01C6C3E91019}" type="presParOf" srcId="{31CF9858-742A-4CDF-9FC7-2C57702F9A19}" destId="{27AA76AD-01F9-4713-9597-2C14ED2E2746}" srcOrd="3" destOrd="0" presId="urn:microsoft.com/office/officeart/2016/7/layout/BasicLinearProcessNumbered"/>
+    <dgm:cxn modelId="{03DB84A6-D88D-4030-94BE-CAE7922B036D}" type="presParOf" srcId="{7005C5D6-D290-45B3-BC96-86DF04A27A17}" destId="{6B8DACC6-4EB0-407F-9DB0-7163A7BA0B2E}" srcOrd="5" destOrd="0" presId="urn:microsoft.com/office/officeart/2016/7/layout/BasicLinearProcessNumbered"/>
+    <dgm:cxn modelId="{6A91BABD-0BE1-4501-980B-BCE53BBEAF1A}" type="presParOf" srcId="{7005C5D6-D290-45B3-BC96-86DF04A27A17}" destId="{307A889D-648E-4682-A86F-070CBFC46424}" srcOrd="6" destOrd="0" presId="urn:microsoft.com/office/officeart/2016/7/layout/BasicLinearProcessNumbered"/>
+    <dgm:cxn modelId="{CBA19750-A6F1-4313-BC5B-E622279EF1E0}" type="presParOf" srcId="{307A889D-648E-4682-A86F-070CBFC46424}" destId="{6DA12EC1-0380-426B-BF4C-50EC432B77E6}" srcOrd="0" destOrd="0" presId="urn:microsoft.com/office/officeart/2016/7/layout/BasicLinearProcessNumbered"/>
+    <dgm:cxn modelId="{26D27DB3-7F4E-4966-AA7E-880CFA17D932}" type="presParOf" srcId="{307A889D-648E-4682-A86F-070CBFC46424}" destId="{E4CE8423-BAC7-4FCA-98FF-71EEB8578706}" srcOrd="1" destOrd="0" presId="urn:microsoft.com/office/officeart/2016/7/layout/BasicLinearProcessNumbered"/>
+    <dgm:cxn modelId="{CC37F3F8-0B01-4B6C-82B2-BD5436B5867A}" type="presParOf" srcId="{307A889D-648E-4682-A86F-070CBFC46424}" destId="{36EC4DDC-45F3-4EB7-B836-703E03AE0E42}" srcOrd="2" destOrd="0" presId="urn:microsoft.com/office/officeart/2016/7/layout/BasicLinearProcessNumbered"/>
+    <dgm:cxn modelId="{EAB7FD40-0CFB-4AA7-9AFF-A1C761490C95}" type="presParOf" srcId="{307A889D-648E-4682-A86F-070CBFC46424}" destId="{35953FA3-2A6F-4145-9616-402C6CA770DE}" srcOrd="3" destOrd="0" presId="urn:microsoft.com/office/officeart/2016/7/layout/BasicLinearProcessNumbered"/>
+    <dgm:cxn modelId="{0D2E4DBE-486A-4519-B7B3-34DA98F38B64}" type="presParOf" srcId="{7005C5D6-D290-45B3-BC96-86DF04A27A17}" destId="{2B640B5D-97AA-490A-8BB2-C0CE813A5551}" srcOrd="7" destOrd="0" presId="urn:microsoft.com/office/officeart/2016/7/layout/BasicLinearProcessNumbered"/>
+    <dgm:cxn modelId="{C66ED129-07D5-4E0A-9119-96720364BE88}" type="presParOf" srcId="{7005C5D6-D290-45B3-BC96-86DF04A27A17}" destId="{6D754B7E-FE43-474E-9D6C-0C1EC7C9B530}" srcOrd="8" destOrd="0" presId="urn:microsoft.com/office/officeart/2016/7/layout/BasicLinearProcessNumbered"/>
+    <dgm:cxn modelId="{296CDD6C-6A20-4937-AAB7-0409935E622B}" type="presParOf" srcId="{6D754B7E-FE43-474E-9D6C-0C1EC7C9B530}" destId="{4C7B382E-EFCC-4D83-B099-28C4EBE5C12F}" srcOrd="0" destOrd="0" presId="urn:microsoft.com/office/officeart/2016/7/layout/BasicLinearProcessNumbered"/>
+    <dgm:cxn modelId="{3BD401C3-52CC-4FB1-9693-0527D06C751C}" type="presParOf" srcId="{6D754B7E-FE43-474E-9D6C-0C1EC7C9B530}" destId="{08D4951F-D109-4997-AE41-8C2B23D167C9}" srcOrd="1" destOrd="0" presId="urn:microsoft.com/office/officeart/2016/7/layout/BasicLinearProcessNumbered"/>
+    <dgm:cxn modelId="{081A02D7-EC84-4DE0-B05F-6A27419DA2A1}" type="presParOf" srcId="{6D754B7E-FE43-474E-9D6C-0C1EC7C9B530}" destId="{99D1888D-C45C-4E20-9148-B762C400DB90}" srcOrd="2" destOrd="0" presId="urn:microsoft.com/office/officeart/2016/7/layout/BasicLinearProcessNumbered"/>
+    <dgm:cxn modelId="{40FAB7A6-C3F4-48D9-9075-6E65AC55FDF3}" type="presParOf" srcId="{6D754B7E-FE43-474E-9D6C-0C1EC7C9B530}" destId="{70C4041D-B1F4-47D6-A2ED-3C72A27CC484}" srcOrd="3" destOrd="0" presId="urn:microsoft.com/office/officeart/2016/7/layout/BasicLinearProcessNumbered"/>
+  </dgm:cxnLst>
+  <dgm:bg/>
+  <dgm:whole/>
+  <dgm:extLst>
+    <a:ext uri="http://schemas.microsoft.com/office/drawing/2008/diagram">
+      <dsp:dataModelExt xmlns:dsp="http://schemas.microsoft.com/office/drawing/2008/diagram" relId="rId7" minVer="http://schemas.openxmlformats.org/drawingml/2006/diagram"/>
+    </a:ext>
+  </dgm:extLst>
+</dgm:dataModel>
+</file>
+
+<file path=ppt/diagrams/drawing1.xml><?xml version="1.0" encoding="utf-8"?>
+<dsp:drawing xmlns:dgm="http://schemas.openxmlformats.org/drawingml/2006/diagram" xmlns:dsp="http://schemas.microsoft.com/office/drawing/2008/diagram" xmlns:a="http://schemas.openxmlformats.org/drawingml/2006/main">
+  <dsp:spTree>
+    <dsp:nvGrpSpPr>
+      <dsp:cNvPr id="0" name=""/>
+      <dsp:cNvGrpSpPr/>
+    </dsp:nvGrpSpPr>
+    <dsp:grpSpPr/>
+    <dsp:sp modelId="{330BCDA7-D4CD-4A89-93BE-7F61BB0A8778}">
+      <dsp:nvSpPr>
+        <dsp:cNvPr id="0" name=""/>
+        <dsp:cNvSpPr/>
+      </dsp:nvSpPr>
+      <dsp:spPr>
+        <a:xfrm>
+          <a:off x="3507" y="97502"/>
+          <a:ext cx="1898997" cy="2658596"/>
+        </a:xfrm>
+        <a:prstGeom prst="rect">
+          <a:avLst/>
+        </a:prstGeom>
+        <a:solidFill>
+          <a:schemeClr val="accent1">
+            <a:alpha val="90000"/>
+            <a:tint val="40000"/>
+            <a:hueOff val="0"/>
+            <a:satOff val="0"/>
+            <a:lumOff val="0"/>
+            <a:alphaOff val="0"/>
+          </a:schemeClr>
+        </a:solidFill>
+        <a:ln w="9525" cap="rnd" cmpd="sng" algn="ctr">
+          <a:solidFill>
+            <a:schemeClr val="accent1">
+              <a:alpha val="90000"/>
+              <a:tint val="40000"/>
+              <a:hueOff val="0"/>
+              <a:satOff val="0"/>
+              <a:lumOff val="0"/>
+              <a:alphaOff val="0"/>
+            </a:schemeClr>
+          </a:solidFill>
+          <a:prstDash val="solid"/>
+        </a:ln>
+        <a:effectLst/>
+      </dsp:spPr>
+      <dsp:style>
+        <a:lnRef idx="1">
+          <a:scrgbClr r="0" g="0" b="0"/>
+        </a:lnRef>
+        <a:fillRef idx="1">
+          <a:scrgbClr r="0" g="0" b="0"/>
+        </a:fillRef>
+        <a:effectRef idx="0">
+          <a:scrgbClr r="0" g="0" b="0"/>
+        </a:effectRef>
+        <a:fontRef idx="minor"/>
+      </dsp:style>
+      <dsp:txBody>
+        <a:bodyPr spcFirstLastPara="0" vert="horz" wrap="square" lIns="148053" tIns="330200" rIns="148053" bIns="330200" numCol="1" spcCol="1270" anchor="t" anchorCtr="0">
+          <a:noAutofit/>
+        </a:bodyPr>
+        <a:lstStyle/>
+        <a:p>
+          <a:pPr marL="0" lvl="0" indent="0" algn="l" defTabSz="577850">
+            <a:lnSpc>
+              <a:spcPct val="90000"/>
+            </a:lnSpc>
+            <a:spcBef>
+              <a:spcPct val="0"/>
+            </a:spcBef>
+            <a:spcAft>
+              <a:spcPct val="35000"/>
+            </a:spcAft>
+            <a:buNone/>
+          </a:pPr>
+          <a:r>
+            <a:rPr lang="en-US" sz="1300" kern="1200"/>
+            <a:t>Create test environment</a:t>
+          </a:r>
+        </a:p>
+      </dsp:txBody>
+      <dsp:txXfrm>
+        <a:off x="3507" y="1107769"/>
+        <a:ext cx="1898997" cy="1595157"/>
+      </dsp:txXfrm>
+    </dsp:sp>
+    <dsp:sp modelId="{1FAA8D7C-6BE4-44AF-A3AF-F65B363E83D7}">
+      <dsp:nvSpPr>
+        <dsp:cNvPr id="0" name=""/>
+        <dsp:cNvSpPr/>
+      </dsp:nvSpPr>
+      <dsp:spPr>
+        <a:xfrm>
+          <a:off x="554216" y="363362"/>
+          <a:ext cx="797578" cy="797578"/>
+        </a:xfrm>
+        <a:prstGeom prst="ellipse">
+          <a:avLst/>
+        </a:prstGeom>
+        <a:gradFill rotWithShape="0">
+          <a:gsLst>
+            <a:gs pos="0">
+              <a:schemeClr val="accent1">
+                <a:hueOff val="0"/>
+                <a:satOff val="0"/>
+                <a:lumOff val="0"/>
+                <a:alphaOff val="0"/>
+                <a:tint val="96000"/>
+                <a:lumMod val="104000"/>
+              </a:schemeClr>
+            </a:gs>
+            <a:gs pos="100000">
+              <a:schemeClr val="accent1">
+                <a:hueOff val="0"/>
+                <a:satOff val="0"/>
+                <a:lumOff val="0"/>
+                <a:alphaOff val="0"/>
+                <a:shade val="84000"/>
+                <a:lumMod val="84000"/>
+              </a:schemeClr>
+            </a:gs>
+          </a:gsLst>
+          <a:lin ang="5400000" scaled="0"/>
+        </a:gradFill>
+        <a:ln w="9525" cap="rnd" cmpd="sng" algn="ctr">
+          <a:solidFill>
+            <a:schemeClr val="accent1">
+              <a:hueOff val="0"/>
+              <a:satOff val="0"/>
+              <a:lumOff val="0"/>
+              <a:alphaOff val="0"/>
+            </a:schemeClr>
+          </a:solidFill>
+          <a:prstDash val="solid"/>
+        </a:ln>
+        <a:effectLst>
+          <a:innerShdw blurRad="50800" dist="25400" dir="13500000">
+            <a:srgbClr val="000000">
+              <a:alpha val="55000"/>
+            </a:srgbClr>
+          </a:innerShdw>
+        </a:effectLst>
+      </dsp:spPr>
+      <dsp:style>
+        <a:lnRef idx="1">
+          <a:scrgbClr r="0" g="0" b="0"/>
+        </a:lnRef>
+        <a:fillRef idx="3">
+          <a:scrgbClr r="0" g="0" b="0"/>
+        </a:fillRef>
+        <a:effectRef idx="2">
+          <a:scrgbClr r="0" g="0" b="0"/>
+        </a:effectRef>
+        <a:fontRef idx="minor">
+          <a:schemeClr val="lt1"/>
+        </a:fontRef>
+      </dsp:style>
+      <dsp:txBody>
+        <a:bodyPr spcFirstLastPara="0" vert="horz" wrap="square" lIns="62182" tIns="12700" rIns="62182" bIns="12700" numCol="1" spcCol="1270" anchor="ctr" anchorCtr="0">
+          <a:noAutofit/>
+        </a:bodyPr>
+        <a:lstStyle/>
+        <a:p>
+          <a:pPr marL="0" lvl="0" indent="0" algn="ctr" defTabSz="1689100">
+            <a:lnSpc>
+              <a:spcPct val="90000"/>
+            </a:lnSpc>
+            <a:spcBef>
+              <a:spcPct val="0"/>
+            </a:spcBef>
+            <a:spcAft>
+              <a:spcPct val="35000"/>
+            </a:spcAft>
+            <a:buNone/>
+          </a:pPr>
+          <a:r>
+            <a:rPr lang="en-US" sz="3800" kern="1200"/>
+            <a:t>1</a:t>
+          </a:r>
+        </a:p>
+      </dsp:txBody>
+      <dsp:txXfrm>
+        <a:off x="671019" y="480165"/>
+        <a:ext cx="563972" cy="563972"/>
+      </dsp:txXfrm>
+    </dsp:sp>
+    <dsp:sp modelId="{63085B9E-319E-44CF-ADEB-5D36D718F998}">
+      <dsp:nvSpPr>
+        <dsp:cNvPr id="0" name=""/>
+        <dsp:cNvSpPr/>
+      </dsp:nvSpPr>
+      <dsp:spPr>
+        <a:xfrm>
+          <a:off x="3507" y="2756027"/>
+          <a:ext cx="1898997" cy="72"/>
+        </a:xfrm>
+        <a:prstGeom prst="rect">
+          <a:avLst/>
+        </a:prstGeom>
+        <a:gradFill rotWithShape="0">
+          <a:gsLst>
+            <a:gs pos="0">
+              <a:schemeClr val="accent1">
+                <a:hueOff val="0"/>
+                <a:satOff val="0"/>
+                <a:lumOff val="0"/>
+                <a:alphaOff val="0"/>
+                <a:tint val="96000"/>
+                <a:lumMod val="104000"/>
+              </a:schemeClr>
+            </a:gs>
+            <a:gs pos="100000">
+              <a:schemeClr val="accent1">
+                <a:hueOff val="0"/>
+                <a:satOff val="0"/>
+                <a:lumOff val="0"/>
+                <a:alphaOff val="0"/>
+                <a:shade val="84000"/>
+                <a:lumMod val="84000"/>
+              </a:schemeClr>
+            </a:gs>
+          </a:gsLst>
+          <a:lin ang="5400000" scaled="0"/>
+        </a:gradFill>
+        <a:ln w="9525" cap="rnd" cmpd="sng" algn="ctr">
+          <a:solidFill>
+            <a:schemeClr val="accent1">
+              <a:hueOff val="0"/>
+              <a:satOff val="0"/>
+              <a:lumOff val="0"/>
+              <a:alphaOff val="0"/>
+            </a:schemeClr>
+          </a:solidFill>
+          <a:prstDash val="solid"/>
+        </a:ln>
+        <a:effectLst>
+          <a:innerShdw blurRad="50800" dist="25400" dir="13500000">
+            <a:srgbClr val="000000">
+              <a:alpha val="55000"/>
+            </a:srgbClr>
+          </a:innerShdw>
+        </a:effectLst>
+      </dsp:spPr>
+      <dsp:style>
+        <a:lnRef idx="1">
+          <a:scrgbClr r="0" g="0" b="0"/>
+        </a:lnRef>
+        <a:fillRef idx="3">
+          <a:scrgbClr r="0" g="0" b="0"/>
+        </a:fillRef>
+        <a:effectRef idx="2">
+          <a:scrgbClr r="0" g="0" b="0"/>
+        </a:effectRef>
+        <a:fontRef idx="minor">
+          <a:schemeClr val="lt1"/>
+        </a:fontRef>
+      </dsp:style>
+    </dsp:sp>
+    <dsp:sp modelId="{14264A89-0BD1-415A-A45B-50A56E82278F}">
+      <dsp:nvSpPr>
+        <dsp:cNvPr id="0" name=""/>
+        <dsp:cNvSpPr/>
+      </dsp:nvSpPr>
+      <dsp:spPr>
+        <a:xfrm>
+          <a:off x="2092404" y="97502"/>
+          <a:ext cx="1898997" cy="2658596"/>
+        </a:xfrm>
+        <a:prstGeom prst="rect">
+          <a:avLst/>
+        </a:prstGeom>
+        <a:solidFill>
+          <a:schemeClr val="accent1">
+            <a:alpha val="90000"/>
+            <a:tint val="40000"/>
+            <a:hueOff val="0"/>
+            <a:satOff val="0"/>
+            <a:lumOff val="0"/>
+            <a:alphaOff val="0"/>
+          </a:schemeClr>
+        </a:solidFill>
+        <a:ln w="9525" cap="rnd" cmpd="sng" algn="ctr">
+          <a:solidFill>
+            <a:schemeClr val="accent1">
+              <a:alpha val="90000"/>
+              <a:tint val="40000"/>
+              <a:hueOff val="0"/>
+              <a:satOff val="0"/>
+              <a:lumOff val="0"/>
+              <a:alphaOff val="0"/>
+            </a:schemeClr>
+          </a:solidFill>
+          <a:prstDash val="solid"/>
+        </a:ln>
+        <a:effectLst/>
+      </dsp:spPr>
+      <dsp:style>
+        <a:lnRef idx="1">
+          <a:scrgbClr r="0" g="0" b="0"/>
+        </a:lnRef>
+        <a:fillRef idx="1">
+          <a:scrgbClr r="0" g="0" b="0"/>
+        </a:fillRef>
+        <a:effectRef idx="0">
+          <a:scrgbClr r="0" g="0" b="0"/>
+        </a:effectRef>
+        <a:fontRef idx="minor"/>
+      </dsp:style>
+      <dsp:txBody>
+        <a:bodyPr spcFirstLastPara="0" vert="horz" wrap="square" lIns="148053" tIns="330200" rIns="148053" bIns="330200" numCol="1" spcCol="1270" anchor="t" anchorCtr="0">
+          <a:noAutofit/>
+        </a:bodyPr>
+        <a:lstStyle/>
+        <a:p>
+          <a:pPr marL="0" lvl="0" indent="0" algn="l" defTabSz="577850">
+            <a:lnSpc>
+              <a:spcPct val="90000"/>
+            </a:lnSpc>
+            <a:spcBef>
+              <a:spcPct val="0"/>
+            </a:spcBef>
+            <a:spcAft>
+              <a:spcPct val="35000"/>
+            </a:spcAft>
+            <a:buNone/>
+          </a:pPr>
+          <a:r>
+            <a:rPr lang="en-US" sz="1300" kern="1200"/>
+            <a:t>Develop player movement physics (World event and weapon interactions)</a:t>
+          </a:r>
+        </a:p>
+      </dsp:txBody>
+      <dsp:txXfrm>
+        <a:off x="2092404" y="1107769"/>
+        <a:ext cx="1898997" cy="1595157"/>
+      </dsp:txXfrm>
+    </dsp:sp>
+    <dsp:sp modelId="{81F7173C-3616-43AE-9377-93D953037449}">
+      <dsp:nvSpPr>
+        <dsp:cNvPr id="0" name=""/>
+        <dsp:cNvSpPr/>
+      </dsp:nvSpPr>
+      <dsp:spPr>
+        <a:xfrm>
+          <a:off x="2643113" y="363362"/>
+          <a:ext cx="797578" cy="797578"/>
+        </a:xfrm>
+        <a:prstGeom prst="ellipse">
+          <a:avLst/>
+        </a:prstGeom>
+        <a:gradFill rotWithShape="0">
+          <a:gsLst>
+            <a:gs pos="0">
+              <a:schemeClr val="accent1">
+                <a:hueOff val="0"/>
+                <a:satOff val="0"/>
+                <a:lumOff val="0"/>
+                <a:alphaOff val="0"/>
+                <a:tint val="96000"/>
+                <a:lumMod val="104000"/>
+              </a:schemeClr>
+            </a:gs>
+            <a:gs pos="100000">
+              <a:schemeClr val="accent1">
+                <a:hueOff val="0"/>
+                <a:satOff val="0"/>
+                <a:lumOff val="0"/>
+                <a:alphaOff val="0"/>
+                <a:shade val="84000"/>
+                <a:lumMod val="84000"/>
+              </a:schemeClr>
+            </a:gs>
+          </a:gsLst>
+          <a:lin ang="5400000" scaled="0"/>
+        </a:gradFill>
+        <a:ln w="9525" cap="rnd" cmpd="sng" algn="ctr">
+          <a:solidFill>
+            <a:schemeClr val="accent1">
+              <a:hueOff val="0"/>
+              <a:satOff val="0"/>
+              <a:lumOff val="0"/>
+              <a:alphaOff val="0"/>
+            </a:schemeClr>
+          </a:solidFill>
+          <a:prstDash val="solid"/>
+        </a:ln>
+        <a:effectLst>
+          <a:innerShdw blurRad="50800" dist="25400" dir="13500000">
+            <a:srgbClr val="000000">
+              <a:alpha val="55000"/>
+            </a:srgbClr>
+          </a:innerShdw>
+        </a:effectLst>
+      </dsp:spPr>
+      <dsp:style>
+        <a:lnRef idx="1">
+          <a:scrgbClr r="0" g="0" b="0"/>
+        </a:lnRef>
+        <a:fillRef idx="3">
+          <a:scrgbClr r="0" g="0" b="0"/>
+        </a:fillRef>
+        <a:effectRef idx="2">
+          <a:scrgbClr r="0" g="0" b="0"/>
+        </a:effectRef>
+        <a:fontRef idx="minor">
+          <a:schemeClr val="lt1"/>
+        </a:fontRef>
+      </dsp:style>
+      <dsp:txBody>
+        <a:bodyPr spcFirstLastPara="0" vert="horz" wrap="square" lIns="62182" tIns="12700" rIns="62182" bIns="12700" numCol="1" spcCol="1270" anchor="ctr" anchorCtr="0">
+          <a:noAutofit/>
+        </a:bodyPr>
+        <a:lstStyle/>
+        <a:p>
+          <a:pPr marL="0" lvl="0" indent="0" algn="ctr" defTabSz="1689100">
+            <a:lnSpc>
+              <a:spcPct val="90000"/>
+            </a:lnSpc>
+            <a:spcBef>
+              <a:spcPct val="0"/>
+            </a:spcBef>
+            <a:spcAft>
+              <a:spcPct val="35000"/>
+            </a:spcAft>
+            <a:buNone/>
+          </a:pPr>
+          <a:r>
+            <a:rPr lang="en-US" sz="3800" kern="1200"/>
+            <a:t>2</a:t>
+          </a:r>
+        </a:p>
+      </dsp:txBody>
+      <dsp:txXfrm>
+        <a:off x="2759916" y="480165"/>
+        <a:ext cx="563972" cy="563972"/>
+      </dsp:txXfrm>
+    </dsp:sp>
+    <dsp:sp modelId="{0DDD9159-A4A2-427D-B367-6F16EFCFCFC5}">
+      <dsp:nvSpPr>
+        <dsp:cNvPr id="0" name=""/>
+        <dsp:cNvSpPr/>
+      </dsp:nvSpPr>
+      <dsp:spPr>
+        <a:xfrm>
+          <a:off x="2092404" y="2756027"/>
+          <a:ext cx="1898997" cy="72"/>
+        </a:xfrm>
+        <a:prstGeom prst="rect">
+          <a:avLst/>
+        </a:prstGeom>
+        <a:gradFill rotWithShape="0">
+          <a:gsLst>
+            <a:gs pos="0">
+              <a:schemeClr val="accent1">
+                <a:hueOff val="0"/>
+                <a:satOff val="0"/>
+                <a:lumOff val="0"/>
+                <a:alphaOff val="0"/>
+                <a:tint val="96000"/>
+                <a:lumMod val="104000"/>
+              </a:schemeClr>
+            </a:gs>
+            <a:gs pos="100000">
+              <a:schemeClr val="accent1">
+                <a:hueOff val="0"/>
+                <a:satOff val="0"/>
+                <a:lumOff val="0"/>
+                <a:alphaOff val="0"/>
+                <a:shade val="84000"/>
+                <a:lumMod val="84000"/>
+              </a:schemeClr>
+            </a:gs>
+          </a:gsLst>
+          <a:lin ang="5400000" scaled="0"/>
+        </a:gradFill>
+        <a:ln w="9525" cap="rnd" cmpd="sng" algn="ctr">
+          <a:solidFill>
+            <a:schemeClr val="accent1">
+              <a:hueOff val="0"/>
+              <a:satOff val="0"/>
+              <a:lumOff val="0"/>
+              <a:alphaOff val="0"/>
+            </a:schemeClr>
+          </a:solidFill>
+          <a:prstDash val="solid"/>
+        </a:ln>
+        <a:effectLst>
+          <a:innerShdw blurRad="50800" dist="25400" dir="13500000">
+            <a:srgbClr val="000000">
+              <a:alpha val="55000"/>
+            </a:srgbClr>
+          </a:innerShdw>
+        </a:effectLst>
+      </dsp:spPr>
+      <dsp:style>
+        <a:lnRef idx="1">
+          <a:scrgbClr r="0" g="0" b="0"/>
+        </a:lnRef>
+        <a:fillRef idx="3">
+          <a:scrgbClr r="0" g="0" b="0"/>
+        </a:fillRef>
+        <a:effectRef idx="2">
+          <a:scrgbClr r="0" g="0" b="0"/>
+        </a:effectRef>
+        <a:fontRef idx="minor">
+          <a:schemeClr val="lt1"/>
+        </a:fontRef>
+      </dsp:style>
+    </dsp:sp>
+    <dsp:sp modelId="{FA260845-C75F-4298-B6D1-A1B8C0B8FDEA}">
+      <dsp:nvSpPr>
+        <dsp:cNvPr id="0" name=""/>
+        <dsp:cNvSpPr/>
+      </dsp:nvSpPr>
+      <dsp:spPr>
+        <a:xfrm>
+          <a:off x="4181301" y="97502"/>
+          <a:ext cx="1898997" cy="2658596"/>
+        </a:xfrm>
+        <a:prstGeom prst="rect">
+          <a:avLst/>
+        </a:prstGeom>
+        <a:solidFill>
+          <a:schemeClr val="accent1">
+            <a:alpha val="90000"/>
+            <a:tint val="40000"/>
+            <a:hueOff val="0"/>
+            <a:satOff val="0"/>
+            <a:lumOff val="0"/>
+            <a:alphaOff val="0"/>
+          </a:schemeClr>
+        </a:solidFill>
+        <a:ln w="9525" cap="rnd" cmpd="sng" algn="ctr">
+          <a:solidFill>
+            <a:schemeClr val="accent1">
+              <a:alpha val="90000"/>
+              <a:tint val="40000"/>
+              <a:hueOff val="0"/>
+              <a:satOff val="0"/>
+              <a:lumOff val="0"/>
+              <a:alphaOff val="0"/>
+            </a:schemeClr>
+          </a:solidFill>
+          <a:prstDash val="solid"/>
+        </a:ln>
+        <a:effectLst/>
+      </dsp:spPr>
+      <dsp:style>
+        <a:lnRef idx="1">
+          <a:scrgbClr r="0" g="0" b="0"/>
+        </a:lnRef>
+        <a:fillRef idx="1">
+          <a:scrgbClr r="0" g="0" b="0"/>
+        </a:fillRef>
+        <a:effectRef idx="0">
+          <a:scrgbClr r="0" g="0" b="0"/>
+        </a:effectRef>
+        <a:fontRef idx="minor"/>
+      </dsp:style>
+      <dsp:txBody>
+        <a:bodyPr spcFirstLastPara="0" vert="horz" wrap="square" lIns="148053" tIns="330200" rIns="148053" bIns="330200" numCol="1" spcCol="1270" anchor="t" anchorCtr="0">
+          <a:noAutofit/>
+        </a:bodyPr>
+        <a:lstStyle/>
+        <a:p>
+          <a:pPr marL="0" lvl="0" indent="0" algn="l" defTabSz="577850">
+            <a:lnSpc>
+              <a:spcPct val="90000"/>
+            </a:lnSpc>
+            <a:spcBef>
+              <a:spcPct val="0"/>
+            </a:spcBef>
+            <a:spcAft>
+              <a:spcPct val="35000"/>
+            </a:spcAft>
+            <a:buNone/>
+          </a:pPr>
+          <a:r>
+            <a:rPr lang="en-US" sz="1300" kern="1200"/>
+            <a:t>Create a working environment based around movement</a:t>
+          </a:r>
+        </a:p>
+      </dsp:txBody>
+      <dsp:txXfrm>
+        <a:off x="4181301" y="1107769"/>
+        <a:ext cx="1898997" cy="1595157"/>
+      </dsp:txXfrm>
+    </dsp:sp>
+    <dsp:sp modelId="{0067C046-9E66-4B13-8A47-343274AA6FA3}">
+      <dsp:nvSpPr>
+        <dsp:cNvPr id="0" name=""/>
+        <dsp:cNvSpPr/>
+      </dsp:nvSpPr>
+      <dsp:spPr>
+        <a:xfrm>
+          <a:off x="4732010" y="363362"/>
+          <a:ext cx="797578" cy="797578"/>
+        </a:xfrm>
+        <a:prstGeom prst="ellipse">
+          <a:avLst/>
+        </a:prstGeom>
+        <a:gradFill rotWithShape="0">
+          <a:gsLst>
+            <a:gs pos="0">
+              <a:schemeClr val="accent1">
+                <a:hueOff val="0"/>
+                <a:satOff val="0"/>
+                <a:lumOff val="0"/>
+                <a:alphaOff val="0"/>
+                <a:tint val="96000"/>
+                <a:lumMod val="104000"/>
+              </a:schemeClr>
+            </a:gs>
+            <a:gs pos="100000">
+              <a:schemeClr val="accent1">
+                <a:hueOff val="0"/>
+                <a:satOff val="0"/>
+                <a:lumOff val="0"/>
+                <a:alphaOff val="0"/>
+                <a:shade val="84000"/>
+                <a:lumMod val="84000"/>
+              </a:schemeClr>
+            </a:gs>
+          </a:gsLst>
+          <a:lin ang="5400000" scaled="0"/>
+        </a:gradFill>
+        <a:ln w="9525" cap="rnd" cmpd="sng" algn="ctr">
+          <a:solidFill>
+            <a:schemeClr val="accent1">
+              <a:hueOff val="0"/>
+              <a:satOff val="0"/>
+              <a:lumOff val="0"/>
+              <a:alphaOff val="0"/>
+            </a:schemeClr>
+          </a:solidFill>
+          <a:prstDash val="solid"/>
+        </a:ln>
+        <a:effectLst>
+          <a:innerShdw blurRad="50800" dist="25400" dir="13500000">
+            <a:srgbClr val="000000">
+              <a:alpha val="55000"/>
+            </a:srgbClr>
+          </a:innerShdw>
+        </a:effectLst>
+      </dsp:spPr>
+      <dsp:style>
+        <a:lnRef idx="1">
+          <a:scrgbClr r="0" g="0" b="0"/>
+        </a:lnRef>
+        <a:fillRef idx="3">
+          <a:scrgbClr r="0" g="0" b="0"/>
+        </a:fillRef>
+        <a:effectRef idx="2">
+          <a:scrgbClr r="0" g="0" b="0"/>
+        </a:effectRef>
+        <a:fontRef idx="minor">
+          <a:schemeClr val="lt1"/>
+        </a:fontRef>
+      </dsp:style>
+      <dsp:txBody>
+        <a:bodyPr spcFirstLastPara="0" vert="horz" wrap="square" lIns="62182" tIns="12700" rIns="62182" bIns="12700" numCol="1" spcCol="1270" anchor="ctr" anchorCtr="0">
+          <a:noAutofit/>
+        </a:bodyPr>
+        <a:lstStyle/>
+        <a:p>
+          <a:pPr marL="0" lvl="0" indent="0" algn="ctr" defTabSz="1689100">
+            <a:lnSpc>
+              <a:spcPct val="90000"/>
+            </a:lnSpc>
+            <a:spcBef>
+              <a:spcPct val="0"/>
+            </a:spcBef>
+            <a:spcAft>
+              <a:spcPct val="35000"/>
+            </a:spcAft>
+            <a:buNone/>
+          </a:pPr>
+          <a:r>
+            <a:rPr lang="en-US" sz="3800" kern="1200"/>
+            <a:t>3</a:t>
+          </a:r>
+        </a:p>
+      </dsp:txBody>
+      <dsp:txXfrm>
+        <a:off x="4848813" y="480165"/>
+        <a:ext cx="563972" cy="563972"/>
+      </dsp:txXfrm>
+    </dsp:sp>
+    <dsp:sp modelId="{46E513E3-8A20-4E91-ACD1-21DBCCC4E042}">
+      <dsp:nvSpPr>
+        <dsp:cNvPr id="0" name=""/>
+        <dsp:cNvSpPr/>
+      </dsp:nvSpPr>
+      <dsp:spPr>
+        <a:xfrm>
+          <a:off x="4181301" y="2756027"/>
+          <a:ext cx="1898997" cy="72"/>
+        </a:xfrm>
+        <a:prstGeom prst="rect">
+          <a:avLst/>
+        </a:prstGeom>
+        <a:gradFill rotWithShape="0">
+          <a:gsLst>
+            <a:gs pos="0">
+              <a:schemeClr val="accent1">
+                <a:hueOff val="0"/>
+                <a:satOff val="0"/>
+                <a:lumOff val="0"/>
+                <a:alphaOff val="0"/>
+                <a:tint val="96000"/>
+                <a:lumMod val="104000"/>
+              </a:schemeClr>
+            </a:gs>
+            <a:gs pos="100000">
+              <a:schemeClr val="accent1">
+                <a:hueOff val="0"/>
+                <a:satOff val="0"/>
+                <a:lumOff val="0"/>
+                <a:alphaOff val="0"/>
+                <a:shade val="84000"/>
+                <a:lumMod val="84000"/>
+              </a:schemeClr>
+            </a:gs>
+          </a:gsLst>
+          <a:lin ang="5400000" scaled="0"/>
+        </a:gradFill>
+        <a:ln w="9525" cap="rnd" cmpd="sng" algn="ctr">
+          <a:solidFill>
+            <a:schemeClr val="accent1">
+              <a:hueOff val="0"/>
+              <a:satOff val="0"/>
+              <a:lumOff val="0"/>
+              <a:alphaOff val="0"/>
+            </a:schemeClr>
+          </a:solidFill>
+          <a:prstDash val="solid"/>
+        </a:ln>
+        <a:effectLst>
+          <a:innerShdw blurRad="50800" dist="25400" dir="13500000">
+            <a:srgbClr val="000000">
+              <a:alpha val="55000"/>
+            </a:srgbClr>
+          </a:innerShdw>
+        </a:effectLst>
+      </dsp:spPr>
+      <dsp:style>
+        <a:lnRef idx="1">
+          <a:scrgbClr r="0" g="0" b="0"/>
+        </a:lnRef>
+        <a:fillRef idx="3">
+          <a:scrgbClr r="0" g="0" b="0"/>
+        </a:fillRef>
+        <a:effectRef idx="2">
+          <a:scrgbClr r="0" g="0" b="0"/>
+        </a:effectRef>
+        <a:fontRef idx="minor">
+          <a:schemeClr val="lt1"/>
+        </a:fontRef>
+      </dsp:style>
+    </dsp:sp>
+    <dsp:sp modelId="{6DA12EC1-0380-426B-BF4C-50EC432B77E6}">
+      <dsp:nvSpPr>
+        <dsp:cNvPr id="0" name=""/>
+        <dsp:cNvSpPr/>
+      </dsp:nvSpPr>
+      <dsp:spPr>
+        <a:xfrm>
+          <a:off x="6270198" y="97502"/>
+          <a:ext cx="1898997" cy="2658596"/>
+        </a:xfrm>
+        <a:prstGeom prst="rect">
+          <a:avLst/>
+        </a:prstGeom>
+        <a:solidFill>
+          <a:schemeClr val="accent1">
+            <a:alpha val="90000"/>
+            <a:tint val="40000"/>
+            <a:hueOff val="0"/>
+            <a:satOff val="0"/>
+            <a:lumOff val="0"/>
+            <a:alphaOff val="0"/>
+          </a:schemeClr>
+        </a:solidFill>
+        <a:ln w="9525" cap="rnd" cmpd="sng" algn="ctr">
+          <a:solidFill>
+            <a:schemeClr val="accent1">
+              <a:alpha val="90000"/>
+              <a:tint val="40000"/>
+              <a:hueOff val="0"/>
+              <a:satOff val="0"/>
+              <a:lumOff val="0"/>
+              <a:alphaOff val="0"/>
+            </a:schemeClr>
+          </a:solidFill>
+          <a:prstDash val="solid"/>
+        </a:ln>
+        <a:effectLst/>
+      </dsp:spPr>
+      <dsp:style>
+        <a:lnRef idx="1">
+          <a:scrgbClr r="0" g="0" b="0"/>
+        </a:lnRef>
+        <a:fillRef idx="1">
+          <a:scrgbClr r="0" g="0" b="0"/>
+        </a:fillRef>
+        <a:effectRef idx="0">
+          <a:scrgbClr r="0" g="0" b="0"/>
+        </a:effectRef>
+        <a:fontRef idx="minor"/>
+      </dsp:style>
+      <dsp:txBody>
+        <a:bodyPr spcFirstLastPara="0" vert="horz" wrap="square" lIns="148053" tIns="330200" rIns="148053" bIns="330200" numCol="1" spcCol="1270" anchor="t" anchorCtr="0">
+          <a:noAutofit/>
+        </a:bodyPr>
+        <a:lstStyle/>
+        <a:p>
+          <a:pPr marL="0" lvl="0" indent="0" algn="l" defTabSz="577850">
+            <a:lnSpc>
+              <a:spcPct val="90000"/>
+            </a:lnSpc>
+            <a:spcBef>
+              <a:spcPct val="0"/>
+            </a:spcBef>
+            <a:spcAft>
+              <a:spcPct val="35000"/>
+            </a:spcAft>
+            <a:buNone/>
+          </a:pPr>
+          <a:r>
+            <a:rPr lang="en-US" sz="1300" kern="1200"/>
+            <a:t>Create object physics</a:t>
+          </a:r>
+        </a:p>
+      </dsp:txBody>
+      <dsp:txXfrm>
+        <a:off x="6270198" y="1107769"/>
+        <a:ext cx="1898997" cy="1595157"/>
+      </dsp:txXfrm>
+    </dsp:sp>
+    <dsp:sp modelId="{E4CE8423-BAC7-4FCA-98FF-71EEB8578706}">
+      <dsp:nvSpPr>
+        <dsp:cNvPr id="0" name=""/>
+        <dsp:cNvSpPr/>
+      </dsp:nvSpPr>
+      <dsp:spPr>
+        <a:xfrm>
+          <a:off x="6820907" y="363362"/>
+          <a:ext cx="797578" cy="797578"/>
+        </a:xfrm>
+        <a:prstGeom prst="ellipse">
+          <a:avLst/>
+        </a:prstGeom>
+        <a:gradFill rotWithShape="0">
+          <a:gsLst>
+            <a:gs pos="0">
+              <a:schemeClr val="accent1">
+                <a:hueOff val="0"/>
+                <a:satOff val="0"/>
+                <a:lumOff val="0"/>
+                <a:alphaOff val="0"/>
+                <a:tint val="96000"/>
+                <a:lumMod val="104000"/>
+              </a:schemeClr>
+            </a:gs>
+            <a:gs pos="100000">
+              <a:schemeClr val="accent1">
+                <a:hueOff val="0"/>
+                <a:satOff val="0"/>
+                <a:lumOff val="0"/>
+                <a:alphaOff val="0"/>
+                <a:shade val="84000"/>
+                <a:lumMod val="84000"/>
+              </a:schemeClr>
+            </a:gs>
+          </a:gsLst>
+          <a:lin ang="5400000" scaled="0"/>
+        </a:gradFill>
+        <a:ln w="9525" cap="rnd" cmpd="sng" algn="ctr">
+          <a:solidFill>
+            <a:schemeClr val="accent1">
+              <a:hueOff val="0"/>
+              <a:satOff val="0"/>
+              <a:lumOff val="0"/>
+              <a:alphaOff val="0"/>
+            </a:schemeClr>
+          </a:solidFill>
+          <a:prstDash val="solid"/>
+        </a:ln>
+        <a:effectLst>
+          <a:innerShdw blurRad="50800" dist="25400" dir="13500000">
+            <a:srgbClr val="000000">
+              <a:alpha val="55000"/>
+            </a:srgbClr>
+          </a:innerShdw>
+        </a:effectLst>
+      </dsp:spPr>
+      <dsp:style>
+        <a:lnRef idx="1">
+          <a:scrgbClr r="0" g="0" b="0"/>
+        </a:lnRef>
+        <a:fillRef idx="3">
+          <a:scrgbClr r="0" g="0" b="0"/>
+        </a:fillRef>
+        <a:effectRef idx="2">
+          <a:scrgbClr r="0" g="0" b="0"/>
+        </a:effectRef>
+        <a:fontRef idx="minor">
+          <a:schemeClr val="lt1"/>
+        </a:fontRef>
+      </dsp:style>
+      <dsp:txBody>
+        <a:bodyPr spcFirstLastPara="0" vert="horz" wrap="square" lIns="62182" tIns="12700" rIns="62182" bIns="12700" numCol="1" spcCol="1270" anchor="ctr" anchorCtr="0">
+          <a:noAutofit/>
+        </a:bodyPr>
+        <a:lstStyle/>
+        <a:p>
+          <a:pPr marL="0" lvl="0" indent="0" algn="ctr" defTabSz="1689100">
+            <a:lnSpc>
+              <a:spcPct val="90000"/>
+            </a:lnSpc>
+            <a:spcBef>
+              <a:spcPct val="0"/>
+            </a:spcBef>
+            <a:spcAft>
+              <a:spcPct val="35000"/>
+            </a:spcAft>
+            <a:buNone/>
+          </a:pPr>
+          <a:r>
+            <a:rPr lang="en-US" sz="3800" kern="1200"/>
+            <a:t>4</a:t>
+          </a:r>
+        </a:p>
+      </dsp:txBody>
+      <dsp:txXfrm>
+        <a:off x="6937710" y="480165"/>
+        <a:ext cx="563972" cy="563972"/>
+      </dsp:txXfrm>
+    </dsp:sp>
+    <dsp:sp modelId="{36EC4DDC-45F3-4EB7-B836-703E03AE0E42}">
+      <dsp:nvSpPr>
+        <dsp:cNvPr id="0" name=""/>
+        <dsp:cNvSpPr/>
+      </dsp:nvSpPr>
+      <dsp:spPr>
+        <a:xfrm>
+          <a:off x="6270198" y="2756027"/>
+          <a:ext cx="1898997" cy="72"/>
+        </a:xfrm>
+        <a:prstGeom prst="rect">
+          <a:avLst/>
+        </a:prstGeom>
+        <a:gradFill rotWithShape="0">
+          <a:gsLst>
+            <a:gs pos="0">
+              <a:schemeClr val="accent1">
+                <a:hueOff val="0"/>
+                <a:satOff val="0"/>
+                <a:lumOff val="0"/>
+                <a:alphaOff val="0"/>
+                <a:tint val="96000"/>
+                <a:lumMod val="104000"/>
+              </a:schemeClr>
+            </a:gs>
+            <a:gs pos="100000">
+              <a:schemeClr val="accent1">
+                <a:hueOff val="0"/>
+                <a:satOff val="0"/>
+                <a:lumOff val="0"/>
+                <a:alphaOff val="0"/>
+                <a:shade val="84000"/>
+                <a:lumMod val="84000"/>
+              </a:schemeClr>
+            </a:gs>
+          </a:gsLst>
+          <a:lin ang="5400000" scaled="0"/>
+        </a:gradFill>
+        <a:ln w="9525" cap="rnd" cmpd="sng" algn="ctr">
+          <a:solidFill>
+            <a:schemeClr val="accent1">
+              <a:hueOff val="0"/>
+              <a:satOff val="0"/>
+              <a:lumOff val="0"/>
+              <a:alphaOff val="0"/>
+            </a:schemeClr>
+          </a:solidFill>
+          <a:prstDash val="solid"/>
+        </a:ln>
+        <a:effectLst>
+          <a:innerShdw blurRad="50800" dist="25400" dir="13500000">
+            <a:srgbClr val="000000">
+              <a:alpha val="55000"/>
+            </a:srgbClr>
+          </a:innerShdw>
+        </a:effectLst>
+      </dsp:spPr>
+      <dsp:style>
+        <a:lnRef idx="1">
+          <a:scrgbClr r="0" g="0" b="0"/>
+        </a:lnRef>
+        <a:fillRef idx="3">
+          <a:scrgbClr r="0" g="0" b="0"/>
+        </a:fillRef>
+        <a:effectRef idx="2">
+          <a:scrgbClr r="0" g="0" b="0"/>
+        </a:effectRef>
+        <a:fontRef idx="minor">
+          <a:schemeClr val="lt1"/>
+        </a:fontRef>
+      </dsp:style>
+    </dsp:sp>
+    <dsp:sp modelId="{4C7B382E-EFCC-4D83-B099-28C4EBE5C12F}">
+      <dsp:nvSpPr>
+        <dsp:cNvPr id="0" name=""/>
+        <dsp:cNvSpPr/>
+      </dsp:nvSpPr>
+      <dsp:spPr>
+        <a:xfrm>
+          <a:off x="8359095" y="97502"/>
+          <a:ext cx="1898997" cy="2658596"/>
+        </a:xfrm>
+        <a:prstGeom prst="rect">
+          <a:avLst/>
+        </a:prstGeom>
+        <a:solidFill>
+          <a:schemeClr val="accent1">
+            <a:alpha val="90000"/>
+            <a:tint val="40000"/>
+            <a:hueOff val="0"/>
+            <a:satOff val="0"/>
+            <a:lumOff val="0"/>
+            <a:alphaOff val="0"/>
+          </a:schemeClr>
+        </a:solidFill>
+        <a:ln w="9525" cap="rnd" cmpd="sng" algn="ctr">
+          <a:solidFill>
+            <a:schemeClr val="accent1">
+              <a:alpha val="90000"/>
+              <a:tint val="40000"/>
+              <a:hueOff val="0"/>
+              <a:satOff val="0"/>
+              <a:lumOff val="0"/>
+              <a:alphaOff val="0"/>
+            </a:schemeClr>
+          </a:solidFill>
+          <a:prstDash val="solid"/>
+        </a:ln>
+        <a:effectLst/>
+      </dsp:spPr>
+      <dsp:style>
+        <a:lnRef idx="1">
+          <a:scrgbClr r="0" g="0" b="0"/>
+        </a:lnRef>
+        <a:fillRef idx="1">
+          <a:scrgbClr r="0" g="0" b="0"/>
+        </a:fillRef>
+        <a:effectRef idx="0">
+          <a:scrgbClr r="0" g="0" b="0"/>
+        </a:effectRef>
+        <a:fontRef idx="minor"/>
+      </dsp:style>
+      <dsp:txBody>
+        <a:bodyPr spcFirstLastPara="0" vert="horz" wrap="square" lIns="148053" tIns="330200" rIns="148053" bIns="330200" numCol="1" spcCol="1270" anchor="t" anchorCtr="0">
+          <a:noAutofit/>
+        </a:bodyPr>
+        <a:lstStyle/>
+        <a:p>
+          <a:pPr marL="0" lvl="0" indent="0" algn="l" defTabSz="577850">
+            <a:lnSpc>
+              <a:spcPct val="90000"/>
+            </a:lnSpc>
+            <a:spcBef>
+              <a:spcPct val="0"/>
+            </a:spcBef>
+            <a:spcAft>
+              <a:spcPct val="35000"/>
+            </a:spcAft>
+            <a:buNone/>
+          </a:pPr>
+          <a:r>
+            <a:rPr lang="en-US" sz="1300" kern="1200" dirty="0"/>
+            <a:t>Create Levels (Tutorial/Easy/</a:t>
+          </a:r>
+        </a:p>
+        <a:p>
+          <a:pPr marL="0" lvl="0" indent="0" algn="l" defTabSz="577850">
+            <a:lnSpc>
+              <a:spcPct val="90000"/>
+            </a:lnSpc>
+            <a:spcBef>
+              <a:spcPct val="0"/>
+            </a:spcBef>
+            <a:spcAft>
+              <a:spcPct val="35000"/>
+            </a:spcAft>
+            <a:buNone/>
+          </a:pPr>
+          <a:r>
+            <a:rPr lang="en-US" sz="1300" kern="1200" dirty="0"/>
+            <a:t>Intermediate/Hard)</a:t>
+          </a:r>
+        </a:p>
+      </dsp:txBody>
+      <dsp:txXfrm>
+        <a:off x="8359095" y="1107769"/>
+        <a:ext cx="1898997" cy="1595157"/>
+      </dsp:txXfrm>
+    </dsp:sp>
+    <dsp:sp modelId="{08D4951F-D109-4997-AE41-8C2B23D167C9}">
+      <dsp:nvSpPr>
+        <dsp:cNvPr id="0" name=""/>
+        <dsp:cNvSpPr/>
+      </dsp:nvSpPr>
+      <dsp:spPr>
+        <a:xfrm>
+          <a:off x="8909804" y="363362"/>
+          <a:ext cx="797578" cy="797578"/>
+        </a:xfrm>
+        <a:prstGeom prst="ellipse">
+          <a:avLst/>
+        </a:prstGeom>
+        <a:gradFill rotWithShape="0">
+          <a:gsLst>
+            <a:gs pos="0">
+              <a:schemeClr val="accent1">
+                <a:hueOff val="0"/>
+                <a:satOff val="0"/>
+                <a:lumOff val="0"/>
+                <a:alphaOff val="0"/>
+                <a:tint val="96000"/>
+                <a:lumMod val="104000"/>
+              </a:schemeClr>
+            </a:gs>
+            <a:gs pos="100000">
+              <a:schemeClr val="accent1">
+                <a:hueOff val="0"/>
+                <a:satOff val="0"/>
+                <a:lumOff val="0"/>
+                <a:alphaOff val="0"/>
+                <a:shade val="84000"/>
+                <a:lumMod val="84000"/>
+              </a:schemeClr>
+            </a:gs>
+          </a:gsLst>
+          <a:lin ang="5400000" scaled="0"/>
+        </a:gradFill>
+        <a:ln w="9525" cap="rnd" cmpd="sng" algn="ctr">
+          <a:solidFill>
+            <a:schemeClr val="accent1">
+              <a:hueOff val="0"/>
+              <a:satOff val="0"/>
+              <a:lumOff val="0"/>
+              <a:alphaOff val="0"/>
+            </a:schemeClr>
+          </a:solidFill>
+          <a:prstDash val="solid"/>
+        </a:ln>
+        <a:effectLst>
+          <a:innerShdw blurRad="50800" dist="25400" dir="13500000">
+            <a:srgbClr val="000000">
+              <a:alpha val="55000"/>
+            </a:srgbClr>
+          </a:innerShdw>
+        </a:effectLst>
+      </dsp:spPr>
+      <dsp:style>
+        <a:lnRef idx="1">
+          <a:scrgbClr r="0" g="0" b="0"/>
+        </a:lnRef>
+        <a:fillRef idx="3">
+          <a:scrgbClr r="0" g="0" b="0"/>
+        </a:fillRef>
+        <a:effectRef idx="2">
+          <a:scrgbClr r="0" g="0" b="0"/>
+        </a:effectRef>
+        <a:fontRef idx="minor">
+          <a:schemeClr val="lt1"/>
+        </a:fontRef>
+      </dsp:style>
+      <dsp:txBody>
+        <a:bodyPr spcFirstLastPara="0" vert="horz" wrap="square" lIns="62182" tIns="12700" rIns="62182" bIns="12700" numCol="1" spcCol="1270" anchor="ctr" anchorCtr="0">
+          <a:noAutofit/>
+        </a:bodyPr>
+        <a:lstStyle/>
+        <a:p>
+          <a:pPr marL="0" lvl="0" indent="0" algn="ctr" defTabSz="1689100">
+            <a:lnSpc>
+              <a:spcPct val="90000"/>
+            </a:lnSpc>
+            <a:spcBef>
+              <a:spcPct val="0"/>
+            </a:spcBef>
+            <a:spcAft>
+              <a:spcPct val="35000"/>
+            </a:spcAft>
+            <a:buNone/>
+          </a:pPr>
+          <a:r>
+            <a:rPr lang="en-US" sz="3800" kern="1200"/>
+            <a:t>5</a:t>
+          </a:r>
+        </a:p>
+      </dsp:txBody>
+      <dsp:txXfrm>
+        <a:off x="9026607" y="480165"/>
+        <a:ext cx="563972" cy="563972"/>
+      </dsp:txXfrm>
+    </dsp:sp>
+    <dsp:sp modelId="{99D1888D-C45C-4E20-9148-B762C400DB90}">
+      <dsp:nvSpPr>
+        <dsp:cNvPr id="0" name=""/>
+        <dsp:cNvSpPr/>
+      </dsp:nvSpPr>
+      <dsp:spPr>
+        <a:xfrm>
+          <a:off x="8359095" y="2756027"/>
+          <a:ext cx="1898997" cy="72"/>
+        </a:xfrm>
+        <a:prstGeom prst="rect">
+          <a:avLst/>
+        </a:prstGeom>
+        <a:gradFill rotWithShape="0">
+          <a:gsLst>
+            <a:gs pos="0">
+              <a:schemeClr val="accent1">
+                <a:hueOff val="0"/>
+                <a:satOff val="0"/>
+                <a:lumOff val="0"/>
+                <a:alphaOff val="0"/>
+                <a:tint val="96000"/>
+                <a:lumMod val="104000"/>
+              </a:schemeClr>
+            </a:gs>
+            <a:gs pos="100000">
+              <a:schemeClr val="accent1">
+                <a:hueOff val="0"/>
+                <a:satOff val="0"/>
+                <a:lumOff val="0"/>
+                <a:alphaOff val="0"/>
+                <a:shade val="84000"/>
+                <a:lumMod val="84000"/>
+              </a:schemeClr>
+            </a:gs>
+          </a:gsLst>
+          <a:lin ang="5400000" scaled="0"/>
+        </a:gradFill>
+        <a:ln w="9525" cap="rnd" cmpd="sng" algn="ctr">
+          <a:solidFill>
+            <a:schemeClr val="accent1">
+              <a:hueOff val="0"/>
+              <a:satOff val="0"/>
+              <a:lumOff val="0"/>
+              <a:alphaOff val="0"/>
+            </a:schemeClr>
+          </a:solidFill>
+          <a:prstDash val="solid"/>
+        </a:ln>
+        <a:effectLst>
+          <a:innerShdw blurRad="50800" dist="25400" dir="13500000">
+            <a:srgbClr val="000000">
+              <a:alpha val="55000"/>
+            </a:srgbClr>
+          </a:innerShdw>
+        </a:effectLst>
+      </dsp:spPr>
+      <dsp:style>
+        <a:lnRef idx="1">
+          <a:scrgbClr r="0" g="0" b="0"/>
+        </a:lnRef>
+        <a:fillRef idx="3">
+          <a:scrgbClr r="0" g="0" b="0"/>
+        </a:fillRef>
+        <a:effectRef idx="2">
+          <a:scrgbClr r="0" g="0" b="0"/>
+        </a:effectRef>
+        <a:fontRef idx="minor">
+          <a:schemeClr val="lt1"/>
+        </a:fontRef>
+      </dsp:style>
+    </dsp:sp>
+  </dsp:spTree>
+</dsp:drawing>
+</file>
+
+<file path=ppt/diagrams/layout1.xml><?xml version="1.0" encoding="utf-8"?>
+<dgm:layoutDef xmlns:dgm="http://schemas.openxmlformats.org/drawingml/2006/diagram" xmlns:a="http://schemas.openxmlformats.org/drawingml/2006/main" uniqueId="urn:microsoft.com/office/officeart/2016/7/layout/BasicLinearProcessNumbered">
+  <dgm:title val="Basic Linear Process Numbered"/>
+  <dgm:desc val="Used to show a progression; a timeline; sequential steps in a task, process, or workflow; or to emphasize movement or direction. Automatic numbers have been introduced to show the steps of the process which appears in a circle. Level 1 and Level 2 text appear in a rectangle."/>
+  <dgm:catLst>
+    <dgm:cat type="process" pri="500"/>
+  </dgm:catLst>
+  <dgm:sampData>
+    <dgm:dataModel>
+      <dgm:ptLst>
+        <dgm:pt modelId="0" type="doc"/>
+        <dgm:pt modelId="1">
+          <dgm:prSet phldr="1"/>
+        </dgm:pt>
+        <dgm:pt modelId="11">
+          <dgm:prSet phldr="1"/>
+        </dgm:pt>
+        <dgm:pt modelId="2">
+          <dgm:prSet phldr="1"/>
+        </dgm:pt>
+        <dgm:pt modelId="21">
+          <dgm:prSet phldr="1"/>
+        </dgm:pt>
+        <dgm:pt modelId="3">
+          <dgm:prSet phldr="1"/>
+        </dgm:pt>
+        <dgm:pt modelId="31">
+          <dgm:prSet phldr="1"/>
+        </dgm:pt>
+        <dgm:pt modelId="101" type="sibTrans" cxnId="4">
+          <dgm:prSet phldrT="1"/>
+          <dgm:t>
+            <a:bodyPr/>
+            <a:lstStyle/>
+            <a:p>
+              <a:r>
+                <a:t>1</a:t>
+              </a:r>
+            </a:p>
+          </dgm:t>
+        </dgm:pt>
+        <dgm:pt modelId="201" type="sibTrans" cxnId="5">
+          <dgm:prSet phldrT="2"/>
+          <dgm:t>
+            <a:bodyPr/>
+            <a:lstStyle/>
+            <a:p>
+              <a:r>
+                <a:t>2</a:t>
+              </a:r>
+            </a:p>
+          </dgm:t>
+        </dgm:pt>
+        <dgm:pt modelId="301" type="sibTrans" cxnId="6">
+          <dgm:prSet phldrT="3"/>
+          <dgm:t>
+            <a:bodyPr/>
+            <a:lstStyle/>
+            <a:p>
+              <a:r>
+                <a:t>3</a:t>
+              </a:r>
+            </a:p>
+          </dgm:t>
+        </dgm:pt>
+      </dgm:ptLst>
+      <dgm:cxnLst>
+        <dgm:cxn modelId="4" srcId="0" destId="1" srcOrd="0" destOrd="0" sibTransId="101"/>
+        <dgm:cxn modelId="5" srcId="0" destId="2" srcOrd="1" destOrd="0" sibTransId="201"/>
+        <dgm:cxn modelId="6" srcId="0" destId="3" srcOrd="2" destOrd="0" sibTransId="301"/>
+        <dgm:cxn modelId="13" srcId="1" destId="11" srcOrd="0" destOrd="0"/>
+        <dgm:cxn modelId="23" srcId="2" destId="21" srcOrd="0" destOrd="0"/>
+        <dgm:cxn modelId="33" srcId="3" destId="31" srcOrd="0" destOrd="0"/>
+      </dgm:cxnLst>
+      <dgm:bg/>
+      <dgm:whole/>
+    </dgm:dataModel>
+  </dgm:sampData>
+  <dgm:styleData>
+    <dgm:dataModel>
+      <dgm:ptLst>
+        <dgm:pt modelId="0" type="doc"/>
+        <dgm:pt modelId="1"/>
+        <dgm:pt modelId="11"/>
+        <dgm:pt modelId="2"/>
+        <dgm:pt modelId="21"/>
+      </dgm:ptLst>
+      <dgm:cxnLst>
+        <dgm:cxn modelId="4" srcId="0" destId="1" srcOrd="0" destOrd="0"/>
+        <dgm:cxn modelId="5" srcId="0" destId="2" srcOrd="1" destOrd="0"/>
+        <dgm:cxn modelId="13" srcId="1" destId="11" srcOrd="0" destOrd="0"/>
+        <dgm:cxn modelId="23" srcId="2" destId="21" srcOrd="0" destOrd="0"/>
+      </dgm:cxnLst>
+      <dgm:bg/>
+      <dgm:whole/>
+    </dgm:dataModel>
+  </dgm:styleData>
+  <dgm:clrData>
+    <dgm:dataModel>
+      <dgm:ptLst>
+        <dgm:pt modelId="0" type="doc"/>
+        <dgm:pt modelId="1"/>
+        <dgm:pt modelId="11"/>
+        <dgm:pt modelId="2"/>
+        <dgm:pt modelId="21"/>
+        <dgm:pt modelId="3"/>
+        <dgm:pt modelId="31"/>
+        <dgm:pt modelId="4"/>
+        <dgm:pt modelId="41"/>
+      </dgm:ptLst>
+      <dgm:cxnLst>
+        <dgm:cxn modelId="5" srcId="0" destId="1" srcOrd="0" destOrd="0"/>
+        <dgm:cxn modelId="6" srcId="0" destId="2" srcOrd="1" destOrd="0"/>
+        <dgm:cxn modelId="7" srcId="0" destId="3" srcOrd="2" destOrd="0"/>
+        <dgm:cxn modelId="8" srcId="0" destId="4" srcOrd="3" destOrd="0"/>
+        <dgm:cxn modelId="13" srcId="1" destId="11" srcOrd="0" destOrd="0"/>
+        <dgm:cxn modelId="23" srcId="2" destId="21" srcOrd="0" destOrd="0"/>
+        <dgm:cxn modelId="33" srcId="3" destId="31" srcOrd="0" destOrd="0"/>
+        <dgm:cxn modelId="43" srcId="4" destId="41" srcOrd="0" destOrd="0"/>
+      </dgm:cxnLst>
+      <dgm:bg/>
+      <dgm:whole/>
+    </dgm:dataModel>
+  </dgm:clrData>
+  <dgm:layoutNode name="Name0">
+    <dgm:varLst>
+      <dgm:animLvl val="lvl"/>
+      <dgm:resizeHandles val="exact"/>
+    </dgm:varLst>
+    <dgm:alg type="lin">
+      <dgm:param type="linDir" val="fromL"/>
+      <dgm:param type="nodeVertAlign" val="t"/>
+    </dgm:alg>
+    <dgm:shape xmlns:r="http://schemas.openxmlformats.org/officeDocument/2006/relationships" r:blip="">
+      <dgm:adjLst/>
+    </dgm:shape>
+    <dgm:presOf/>
+    <dgm:constrLst>
+      <dgm:constr type="h" for="ch" forName="compositeNode" refType="h"/>
+      <dgm:constr type="w" for="ch" forName="compositeNode" refType="w"/>
+      <dgm:constr type="w" for="des" forName="simulatedConn" refType="w" refFor="ch" refForName="compositeNode" fact="0.15"/>
+      <dgm:constr type="h" for="des" forName="simulatedConn" refType="w" refFor="des" refForName="simulatedConn"/>
+      <dgm:constr type="h" for="des" forName="vSp1" refType="w" refFor="ch" refForName="compositeNode" fact="0.8"/>
+      <dgm:constr type="h" for="des" forName="vSp2" refType="w" refFor="ch" refForName="compositeNode" fact="0.07"/>
+      <dgm:constr type="w" for="ch" forName="vProcSp" refType="w" refFor="des" refForName="simulatedConn" op="equ"/>
+      <dgm:constr type="h" for="ch" forName="vProcSp" refType="h" refFor="ch" refForName="compositeNode" op="equ"/>
+      <dgm:constr type="w" for="ch" forName="sibTrans" refType="w" refFor="ch" refForName="compositeNode" fact="0.1"/>
+      <dgm:constr type="primFontSz" for="des" forName="sibTransNodeCircle" op="equ"/>
+      <dgm:constr type="primFontSz" for="des" forName="nodeText" op="equ"/>
+      <dgm:constr type="h" for="des" forName="sibTransNodeCircle" op="equ"/>
+      <dgm:constr type="w" for="des" forName="sibTransNodeCircle" op="equ"/>
+    </dgm:constrLst>
+    <dgm:ruleLst>
+      <dgm:rule type="h" val="NaN" fact="1.2" max="NaN"/>
+    </dgm:ruleLst>
+    <dgm:forEach name="Name4" axis="ch" ptType="node">
+      <dgm:layoutNode name="compositeNode">
+        <dgm:varLst>
+          <dgm:bulletEnabled val="1"/>
+        </dgm:varLst>
+        <dgm:alg type="composite"/>
+        <dgm:constrLst>
+          <dgm:constr type="h" refType="w" op="lte" fact="1.4"/>
+          <dgm:constr type="w" for="ch" forName="bgRect" refType="w"/>
+          <dgm:constr type="h" for="ch" forName="bgRect" refType="h"/>
+          <dgm:constr type="t" for="ch" forName="bgRect"/>
+          <dgm:constr type="l" for="ch" forName="bgRect"/>
+          <dgm:constr type="h" for="ch" forName="sibTransNodeCircle" refType="h" refFor="ch" refForName="bgRect" fact="0.3"/>
+          <dgm:constr type="w" for="ch" forName="sibTransNodeCircle" refType="h" refFor="ch" refForName="sibTransNodeCircle"/>
+          <dgm:constr type="ctrX" for="ch" forName="sibTransNodeCircle" refType="w" fact="0.5"/>
+          <dgm:constr type="ctrY" for="ch" forName="sibTransNodeCircle" refType="h" fact="0.25"/>
+          <dgm:constr type="r" for="ch" forName="nodeText" refType="r" refFor="ch" refForName="bgRect"/>
+          <dgm:constr type="h" for="ch" forName="nodeText" refType="h" refFor="ch" refForName="bgRect" fact="0.6"/>
+          <dgm:constr type="t" for="ch" forName="nodeText" refType="h" refFor="ch" refForName="bgRect" fact="0.38"/>
+          <dgm:constr type="b" for="ch" forName="bottomLine" refType="b" refFor="ch" refForName="bgRect"/>
+          <dgm:constr type="w" for="ch" forName="bottomLine" refType="w" refFor="ch" refForName="bgRect"/>
+          <dgm:constr type="h" for="ch" forName="bottomLine" val="0.002"/>
+        </dgm:constrLst>
+        <dgm:ruleLst/>
+        <dgm:layoutNode name="bgRect" styleLbl="bgAccFollowNode1">
+          <dgm:alg type="sp"/>
+          <dgm:shape xmlns:r="http://schemas.openxmlformats.org/officeDocument/2006/relationships" type="rect" r:blip="">
+            <dgm:adjLst/>
+          </dgm:shape>
+          <dgm:presOf axis="self"/>
+          <dgm:constrLst/>
+          <dgm:ruleLst/>
+        </dgm:layoutNode>
+        <dgm:forEach name="Name19" axis="followSib" ptType="sibTrans" hideLastTrans="0" cnt="1">
+          <dgm:layoutNode name="sibTransNodeCircle" styleLbl="alignNode1">
+            <dgm:varLst>
+              <dgm:chMax val="0"/>
+              <dgm:bulletEnabled/>
+            </dgm:varLst>
+            <dgm:presOf axis="self" ptType="sibTrans"/>
+            <dgm:alg type="tx">
+              <dgm:param type="txAnchorVert" val="mid"/>
+              <dgm:param type="txAnchorHorzCh" val="ctr"/>
+            </dgm:alg>
+            <dgm:shape xmlns:r="http://schemas.openxmlformats.org/officeDocument/2006/relationships" type="ellipse" r:blip="">
+              <dgm:adjLst/>
+            </dgm:shape>
+            <dgm:constrLst>
+              <dgm:constr type="w" refType="h" op="lte"/>
+              <dgm:constr type="primFontSz" val="48"/>
+              <dgm:constr type="tMarg" val="1"/>
+              <dgm:constr type="lMarg" refType="w" fact="0.221"/>
+              <dgm:constr type="rMarg" refType="w" fact="0.221"/>
+              <dgm:constr type="bMarg" val="1"/>
+            </dgm:constrLst>
+            <dgm:ruleLst>
+              <dgm:rule type="primFontSz" val="14" fact="NaN" max="NaN"/>
+            </dgm:ruleLst>
+          </dgm:layoutNode>
+        </dgm:forEach>
+        <dgm:layoutNode name="bottomLine" styleLbl="alignNode1">
+          <dgm:varLst/>
+          <dgm:presOf/>
+          <dgm:alg type="sp"/>
+          <dgm:shape xmlns:r="http://schemas.openxmlformats.org/officeDocument/2006/relationships" type="rect" r:blip="">
+            <dgm:adjLst/>
+          </dgm:shape>
+          <dgm:constrLst/>
+          <dgm:ruleLst/>
+        </dgm:layoutNode>
+        <dgm:layoutNode name="nodeText" styleLbl="bgAccFollowNode1" moveWith="bgRect">
+          <dgm:varLst>
+            <dgm:bulletEnabled val="1"/>
+          </dgm:varLst>
+          <dgm:alg type="tx">
+            <dgm:param type="parTxLTRAlign" val="l"/>
+            <dgm:param type="parTxRTLAlign" val="r"/>
+            <dgm:param type="txAnchorVert" val="t"/>
+          </dgm:alg>
+          <dgm:shape xmlns:r="http://schemas.openxmlformats.org/officeDocument/2006/relationships" type="rect" r:blip="" zOrderOff="-1" hideGeom="1">
+            <dgm:adjLst/>
+          </dgm:shape>
+          <dgm:presOf axis="desOrSelf" ptType="node"/>
+          <dgm:constrLst>
+            <dgm:constr type="primFontSz" val="26"/>
+            <dgm:constr type="tMarg" val="26"/>
+            <dgm:constr type="lMarg" refType="w" fact="0.221"/>
+            <dgm:constr type="rMarg" refType="w" fact="0.221"/>
+            <dgm:constr type="bMarg" val="26"/>
+          </dgm:constrLst>
+          <dgm:ruleLst>
+            <dgm:rule type="primFontSz" val="11" fact="NaN" max="NaN"/>
+          </dgm:ruleLst>
+        </dgm:layoutNode>
+      </dgm:layoutNode>
+      <dgm:forEach name="Name14" axis="followSib" ptType="sibTrans" cnt="1">
+        <dgm:layoutNode name="sibTrans">
+          <dgm:alg type="sp"/>
+          <dgm:shape xmlns:r="http://schemas.openxmlformats.org/officeDocument/2006/relationships" r:blip="">
+            <dgm:adjLst/>
+          </dgm:shape>
+          <dgm:presOf/>
+          <dgm:constrLst/>
+          <dgm:ruleLst/>
+        </dgm:layoutNode>
+      </dgm:forEach>
+    </dgm:forEach>
+  </dgm:layoutNode>
+  <dgm:extLst>
+    <a:ext uri="{4F341089-5ED1-44EC-B178-C955D00A3D55}">
+      <dgm1611:autoBuNodeInfoLst xmlns:dgm1611="http://schemas.microsoft.com/office/drawing/2016/11/diagram">
+        <dgm1611:autoBuNodeInfo lvl="1" ptType="sibTrans">
+          <dgm1611:buPr prefix="" leadZeros="0">
+            <a:buAutoNum type="arabicParenBoth"/>
+          </dgm1611:buPr>
+        </dgm1611:autoBuNodeInfo>
+      </dgm1611:autoBuNodeInfoLst>
+    </a:ext>
+  </dgm:extLst>
+</dgm:layoutDef>
+</file>
+
+<file path=ppt/diagrams/quickStyle1.xml><?xml version="1.0" encoding="utf-8"?>
+<dgm:styleDef xmlns:dgm="http://schemas.openxmlformats.org/drawingml/2006/diagram" xmlns:a="http://schemas.openxmlformats.org/drawingml/2006/main" uniqueId="urn:microsoft.com/office/officeart/2005/8/quickstyle/simple4">
+  <dgm:title val=""/>
+  <dgm:desc val=""/>
+  <dgm:catLst>
+    <dgm:cat type="simple" pri="10400"/>
+  </dgm:catLst>
+  <dgm:scene3d>
+    <a:camera prst="orthographicFront"/>
+    <a:lightRig rig="threePt" dir="t"/>
+  </dgm:scene3d>
+  <dgm:styleLbl name="node0">
+    <dgm:scene3d>
+      <a:camera prst="orthographicFront"/>
+      <a:lightRig rig="threePt" dir="t"/>
+    </dgm:scene3d>
+    <dgm:sp3d/>
+    <dgm:txPr/>
+    <dgm:style>
+      <a:lnRef idx="0">
+        <a:scrgbClr r="0" g="0" b="0"/>
+      </a:lnRef>
+      <a:fillRef idx="3">
+        <a:scrgbClr r="0" g="0" b="0"/>
+      </a:fillRef>
+      <a:effectRef idx="2">
+        <a:scrgbClr r="0" g="0" b="0"/>
+      </a:effectRef>
+      <a:fontRef idx="minor">
+        <a:schemeClr val="lt1"/>
+      </a:fontRef>
+    </dgm:style>
+  </dgm:styleLbl>
+  <dgm:styleLbl name="lnNode1">
+    <dgm:scene3d>
+      <a:camera prst="orthographicFront"/>
+      <a:lightRig rig="threePt" dir="t"/>
+    </dgm:scene3d>
+    <dgm:sp3d/>
+    <dgm:txPr/>
+    <dgm:style>
+      <a:lnRef idx="1">
+        <a:scrgbClr r="0" g="0" b="0"/>
+      </a:lnRef>
+      <a:fillRef idx="3">
+        <a:scrgbClr r="0" g="0" b="0"/>
+      </a:fillRef>
+      <a:effectRef idx="2">
+        <a:scrgbClr r="0" g="0" b="0"/>
+      </a:effectRef>
+      <a:fontRef idx="minor">
+        <a:schemeClr val="lt1"/>
+      </a:fontRef>
+    </dgm:style>
+  </dgm:styleLbl>
+  <dgm:styleLbl name="vennNode1">
+    <dgm:scene3d>
+      <a:camera prst="orthographicFront"/>
+      <a:lightRig rig="threePt" dir="t"/>
+    </dgm:scene3d>
+    <dgm:sp3d/>
+    <dgm:txPr/>
+    <dgm:style>
+      <a:lnRef idx="0">
+        <a:scrgbClr r="0" g="0" b="0"/>
+      </a:lnRef>
+      <a:fillRef idx="3">
+        <a:scrgbClr r="0" g="0" b="0"/>
+      </a:fillRef>
+      <a:effectRef idx="0">
+        <a:scrgbClr r="0" g="0" b="0"/>
+      </a:effectRef>
+      <a:fontRef idx="minor">
+        <a:schemeClr val="tx1"/>
+      </a:fontRef>
+    </dgm:style>
+  </dgm:styleLbl>
+  <dgm:styleLbl name="alignNode1">
+    <dgm:scene3d>
+      <a:camera prst="orthographicFront"/>
+      <a:lightRig rig="threePt" dir="t"/>
+    </dgm:scene3d>
+    <dgm:sp3d/>
+    <dgm:txPr/>
+    <dgm:style>
+      <a:lnRef idx="1">
+        <a:scrgbClr r="0" g="0" b="0"/>
+      </a:lnRef>
+      <a:fillRef idx="3">
+        <a:scrgbClr r="0" g="0" b="0"/>
+      </a:fillRef>
+      <a:effectRef idx="2">
+        <a:scrgbClr r="0" g="0" b="0"/>
+      </a:effectRef>
+      <a:fontRef idx="minor">
+        <a:schemeClr val="lt1"/>
+      </a:fontRef>
+    </dgm:style>
+  </dgm:styleLbl>
+  <dgm:styleLbl name="node1">
+    <dgm:scene3d>
+      <a:camera prst="orthographicFront"/>
+      <a:lightRig rig="threePt" dir="t"/>
+    </dgm:scene3d>
+    <dgm:sp3d/>
+    <dgm:txPr/>
+    <dgm:style>
+      <a:lnRef idx="0">
+        <a:scrgbClr r="0" g="0" b="0"/>
+      </a:lnRef>
+      <a:fillRef idx="3">
+        <a:scrgbClr r="0" g="0" b="0"/>
+      </a:fillRef>
+      <a:effectRef idx="2">
+        <a:scrgbClr r="0" g="0" b="0"/>
+      </a:effectRef>
+      <a:fontRef idx="minor">
+        <a:schemeClr val="lt1"/>
+      </a:fontRef>
+    </dgm:style>
+  </dgm:styleLbl>
+  <dgm:styleLbl name="node2">
+    <dgm:scene3d>
+      <a:camera prst="orthographicFront"/>
+      <a:lightRig rig="threePt" dir="t"/>
+    </dgm:scene3d>
+    <dgm:sp3d/>
+    <dgm:txPr/>
+    <dgm:style>
+      <a:lnRef idx="0">
+        <a:scrgbClr r="0" g="0" b="0"/>
+      </a:lnRef>
+      <a:fillRef idx="3">
+        <a:scrgbClr r="0" g="0" b="0"/>
+      </a:fillRef>
+      <a:effectRef idx="2">
+        <a:scrgbClr r="0" g="0" b="0"/>
+      </a:effectRef>
+      <a:fontRef idx="minor">
+        <a:schemeClr val="lt1"/>
+      </a:fontRef>
+    </dgm:style>
+  </dgm:styleLbl>
+  <dgm:styleLbl name="node3">
+    <dgm:scene3d>
+      <a:camera prst="orthographicFront"/>
+      <a:lightRig rig="threePt" dir="t"/>
+    </dgm:scene3d>
+    <dgm:sp3d/>
+    <dgm:txPr/>
+    <dgm:style>
+      <a:lnRef idx="0">
+        <a:scrgbClr r="0" g="0" b="0"/>
+      </a:lnRef>
+      <a:fillRef idx="3">
+        <a:scrgbClr r="0" g="0" b="0"/>
+      </a:fillRef>
+      <a:effectRef idx="2">
+        <a:scrgbClr r="0" g="0" b="0"/>
+      </a:effectRef>
+      <a:fontRef idx="minor">
+        <a:schemeClr val="lt1"/>
+      </a:fontRef>
+    </dgm:style>
+  </dgm:styleLbl>
+  <dgm:styleLbl name="node4">
+    <dgm:scene3d>
+      <a:camera prst="orthographicFront"/>
+      <a:lightRig rig="threePt" dir="t"/>
+    </dgm:scene3d>
+    <dgm:sp3d/>
+    <dgm:txPr/>
+    <dgm:style>
+      <a:lnRef idx="0">
+        <a:scrgbClr r="0" g="0" b="0"/>
+      </a:lnRef>
+      <a:fillRef idx="3">
+        <a:scrgbClr r="0" g="0" b="0"/>
+      </a:fillRef>
+      <a:effectRef idx="2">
+        <a:scrgbClr r="0" g="0" b="0"/>
+      </a:effectRef>
+      <a:fontRef idx="minor">
+        <a:schemeClr val="lt1"/>
+      </a:fontRef>
+    </dgm:style>
+  </dgm:styleLbl>
+  <dgm:styleLbl name="fgImgPlace1">
+    <dgm:scene3d>
+      <a:camera prst="orthographicFront"/>
+      <a:lightRig rig="threePt" dir="t"/>
+    </dgm:scene3d>
+    <dgm:sp3d/>
+    <dgm:txPr/>
+    <dgm:style>
+      <a:lnRef idx="0">
+        <a:scrgbClr r="0" g="0" b="0"/>
+      </a:lnRef>
+      <a:fillRef idx="1">
+        <a:scrgbClr r="0" g="0" b="0"/>
+      </a:fillRef>
+      <a:effectRef idx="2">
+        <a:scrgbClr r="0" g="0" b="0"/>
+      </a:effectRef>
+      <a:fontRef idx="minor"/>
+    </dgm:style>
+  </dgm:styleLbl>
+  <dgm:styleLbl name="alignImgPlace1">
+    <dgm:scene3d>
+      <a:camera prst="orthographicFront"/>
+      <a:lightRig rig="threePt" dir="t"/>
+    </dgm:scene3d>
+    <dgm:sp3d/>
+    <dgm:txPr/>
+    <dgm:style>
+      <a:lnRef idx="0">
+        <a:scrgbClr r="0" g="0" b="0"/>
+      </a:lnRef>
+      <a:fillRef idx="1">
+        <a:scrgbClr r="0" g="0" b="0"/>
+      </a:fillRef>
+      <a:effectRef idx="2">
+        <a:scrgbClr r="0" g="0" b="0"/>
+      </a:effectRef>
+      <a:fontRef idx="minor"/>
+    </dgm:style>
+  </dgm:styleLbl>
+  <dgm:styleLbl name="bgImgPlace1">
+    <dgm:scene3d>
+      <a:camera prst="orthographicFront"/>
+      <a:lightRig rig="threePt" dir="t"/>
+    </dgm:scene3d>
+    <dgm:sp3d/>
+    <dgm:txPr/>
+    <dgm:style>
+      <a:lnRef idx="0">
+        <a:scrgbClr r="0" g="0" b="0"/>
+      </a:lnRef>
+      <a:fillRef idx="1">
+        <a:scrgbClr r="0" g="0" b="0"/>
+      </a:fillRef>
+      <a:effectRef idx="2">
+        <a:scrgbClr r="0" g="0" b="0"/>
+      </a:effectRef>
+      <a:fontRef idx="minor"/>
+    </dgm:style>
+  </dgm:styleLbl>
+  <dgm:styleLbl name="sibTrans2D1">
+    <dgm:scene3d>
+      <a:camera prst="orthographicFront"/>
+      <a:lightRig rig="threePt" dir="t"/>
+    </dgm:scene3d>
+    <dgm:sp3d/>
+    <dgm:txPr/>
+    <dgm:style>
+      <a:lnRef idx="0">
+        <a:scrgbClr r="0" g="0" b="0"/>
+      </a:lnRef>
+      <a:fillRef idx="3">
+        <a:scrgbClr r="0" g="0" b="0"/>
+      </a:fillRef>
+      <a:effectRef idx="2">
+        <a:scrgbClr r="0" g="0" b="0"/>
+      </a:effectRef>
+      <a:fontRef idx="minor">
+        <a:schemeClr val="lt1"/>
+      </a:fontRef>
+    </dgm:style>
+  </dgm:styleLbl>
+  <dgm:styleLbl name="fgSibTrans2D1">
+    <dgm:scene3d>
+      <a:camera prst="orthographicFront"/>
+      <a:lightRig rig="threePt" dir="t"/>
+    </dgm:scene3d>
+    <dgm:sp3d/>
+    <dgm:txPr/>
+    <dgm:style>
+      <a:lnRef idx="0">
+        <a:scrgbClr r="0" g="0" b="0"/>
+      </a:lnRef>
+      <a:fillRef idx="3">
+        <a:scrgbClr r="0" g="0" b="0"/>
+      </a:fillRef>
+      <a:effectRef idx="2">
+        <a:scrgbClr r="0" g="0" b="0"/>
+      </a:effectRef>
+      <a:fontRef idx="minor">
+        <a:schemeClr val="lt1"/>
+      </a:fontRef>
+    </dgm:style>
+  </dgm:styleLbl>
+  <dgm:styleLbl name="bgSibTrans2D1">
+    <dgm:scene3d>
+      <a:camera prst="orthographicFront"/>
+      <a:lightRig rig="threePt" dir="t"/>
+    </dgm:scene3d>
+    <dgm:sp3d/>
+    <dgm:txPr/>
+    <dgm:style>
+      <a:lnRef idx="0">
+        <a:scrgbClr r="0" g="0" b="0"/>
+      </a:lnRef>
+      <a:fillRef idx="3">
+        <a:scrgbClr r="0" g="0" b="0"/>
+      </a:fillRef>
+      <a:effectRef idx="2">
+        <a:scrgbClr r="0" g="0" b="0"/>
+      </a:effectRef>
+      <a:fontRef idx="minor">
+        <a:schemeClr val="lt1"/>
+      </a:fontRef>
+    </dgm:style>
+  </dgm:styleLbl>
+  <dgm:styleLbl name="sibTrans1D1">
+    <dgm:scene3d>
+      <a:camera prst="orthographicFront"/>
+      <a:lightRig rig="threePt" dir="t"/>
+    </dgm:scene3d>
+    <dgm:sp3d/>
+    <dgm:txPr/>
+    <dgm:style>
+      <a:lnRef idx="1">
+        <a:scrgbClr r="0" g="0" b="0"/>
+      </a:lnRef>
+      <a:fillRef idx="0">
+        <a:scrgbClr r="0" g="0" b="0"/>
+      </a:fillRef>
+      <a:effectRef idx="0">
+        <a:scrgbClr r="0" g="0" b="0"/>
+      </a:effectRef>
+      <a:fontRef idx="minor"/>
+    </dgm:style>
+  </dgm:styleLbl>
+  <dgm:styleLbl name="callout">
+    <dgm:scene3d>
+      <a:camera prst="orthographicFront"/>
+      <a:lightRig rig="threePt" dir="t"/>
+    </dgm:scene3d>
+    <dgm:sp3d/>
+    <dgm:txPr/>
+    <dgm:style>
+      <a:lnRef idx="2">
+        <a:scrgbClr r="0" g="0" b="0"/>
+      </a:lnRef>
+      <a:fillRef idx="1">
+        <a:scrgbClr r="0" g="0" b="0"/>
+      </a:fillRef>
+      <a:effectRef idx="1">
+        <a:scrgbClr r="0" g="0" b="0"/>
+      </a:effectRef>
+      <a:fontRef idx="minor"/>
+    </dgm:style>
+  </dgm:styleLbl>
+  <dgm:styleLbl name="asst0">
+    <dgm:scene3d>
+      <a:camera prst="orthographicFront"/>
+      <a:lightRig rig="threePt" dir="t"/>
+    </dgm:scene3d>
+    <dgm:sp3d/>
+    <dgm:txPr/>
+    <dgm:style>
+      <a:lnRef idx="0">
+        <a:scrgbClr r="0" g="0" b="0"/>
+      </a:lnRef>
+      <a:fillRef idx="3">
+        <a:scrgbClr r="0" g="0" b="0"/>
+      </a:fillRef>
+      <a:effectRef idx="2">
+        <a:scrgbClr r="0" g="0" b="0"/>
+      </a:effectRef>
+      <a:fontRef idx="minor">
+        <a:schemeClr val="lt1"/>
+      </a:fontRef>
+    </dgm:style>
+  </dgm:styleLbl>
+  <dgm:styleLbl name="asst1">
+    <dgm:scene3d>
+      <a:camera prst="orthographicFront"/>
+      <a:lightRig rig="threePt" dir="t"/>
+    </dgm:scene3d>
+    <dgm:sp3d/>
+    <dgm:txPr/>
+    <dgm:style>
+      <a:lnRef idx="0">
+        <a:scrgbClr r="0" g="0" b="0"/>
+      </a:lnRef>
+      <a:fillRef idx="3">
+        <a:scrgbClr r="0" g="0" b="0"/>
+      </a:fillRef>
+      <a:effectRef idx="2">
+        <a:scrgbClr r="0" g="0" b="0"/>
+      </a:effectRef>
+      <a:fontRef idx="minor">
+        <a:schemeClr val="lt1"/>
+      </a:fontRef>
+    </dgm:style>
+  </dgm:styleLbl>
+  <dgm:styleLbl name="asst2">
+    <dgm:scene3d>
+      <a:camera prst="orthographicFront"/>
+      <a:lightRig rig="threePt" dir="t"/>
+    </dgm:scene3d>
+    <dgm:sp3d/>
+    <dgm:txPr/>
+    <dgm:style>
+      <a:lnRef idx="0">
+        <a:scrgbClr r="0" g="0" b="0"/>
+      </a:lnRef>
+      <a:fillRef idx="3">
+        <a:scrgbClr r="0" g="0" b="0"/>
+      </a:fillRef>
+      <a:effectRef idx="2">
+        <a:scrgbClr r="0" g="0" b="0"/>
+      </a:effectRef>
+      <a:fontRef idx="minor">
+        <a:schemeClr val="lt1"/>
+      </a:fontRef>
+    </dgm:style>
+  </dgm:styleLbl>
+  <dgm:styleLbl name="asst3">
+    <dgm:scene3d>
+      <a:camera prst="orthographicFront"/>
+      <a:lightRig rig="threePt" dir="t"/>
+    </dgm:scene3d>
+    <dgm:sp3d/>
+    <dgm:txPr/>
+    <dgm:style>
+      <a:lnRef idx="0">
+        <a:scrgbClr r="0" g="0" b="0"/>
+      </a:lnRef>
+      <a:fillRef idx="3">
+        <a:scrgbClr r="0" g="0" b="0"/>
+      </a:fillRef>
+      <a:effectRef idx="2">
+        <a:scrgbClr r="0" g="0" b="0"/>
+      </a:effectRef>
+      <a:fontRef idx="minor">
+        <a:schemeClr val="lt1"/>
+      </a:fontRef>
+    </dgm:style>
+  </dgm:styleLbl>
+  <dgm:styleLbl name="asst4">
+    <dgm:scene3d>
+      <a:camera prst="orthographicFront"/>
+      <a:lightRig rig="threePt" dir="t"/>
+    </dgm:scene3d>
+    <dgm:sp3d/>
+    <dgm:txPr/>
+    <dgm:style>
+      <a:lnRef idx="0">
+        <a:scrgbClr r="0" g="0" b="0"/>
+      </a:lnRef>
+      <a:fillRef idx="3">
+        <a:scrgbClr r="0" g="0" b="0"/>
+      </a:fillRef>
+      <a:effectRef idx="2">
+        <a:scrgbClr r="0" g="0" b="0"/>
+      </a:effectRef>
+      <a:fontRef idx="minor">
+        <a:schemeClr val="lt1"/>
+      </a:fontRef>
+    </dgm:style>
+  </dgm:styleLbl>
+  <dgm:styleLbl name="parChTrans2D1">
+    <dgm:scene3d>
+      <a:camera prst="orthographicFront"/>
+      <a:lightRig rig="threePt" dir="t"/>
+    </dgm:scene3d>
+    <dgm:sp3d/>
+    <dgm:txPr/>
+    <dgm:style>
+      <a:lnRef idx="0">
+        <a:scrgbClr r="0" g="0" b="0"/>
+      </a:lnRef>
+      <a:fillRef idx="3">
+        <a:scrgbClr r="0" g="0" b="0"/>
+      </a:fillRef>
+      <a:effectRef idx="2">
+        <a:scrgbClr r="0" g="0" b="0"/>
+      </a:effectRef>
+      <a:fontRef idx="minor">
+        <a:schemeClr val="lt1"/>
+      </a:fontRef>
+    </dgm:style>
+  </dgm:styleLbl>
+  <dgm:styleLbl name="parChTrans2D2">
+    <dgm:scene3d>
+      <a:camera prst="orthographicFront"/>
+      <a:lightRig rig="threePt" dir="t"/>
+    </dgm:scene3d>
+    <dgm:sp3d/>
+    <dgm:txPr/>
+    <dgm:style>
+      <a:lnRef idx="0">
+        <a:scrgbClr r="0" g="0" b="0"/>
+      </a:lnRef>
+      <a:fillRef idx="3">
+        <a:scrgbClr r="0" g="0" b="0"/>
+      </a:fillRef>
+      <a:effectRef idx="2">
+        <a:scrgbClr r="0" g="0" b="0"/>
+      </a:effectRef>
+      <a:fontRef idx="minor">
+        <a:schemeClr val="lt1"/>
+      </a:fontRef>
+    </dgm:style>
+  </dgm:styleLbl>
+  <dgm:styleLbl name="parChTrans2D3">
+    <dgm:scene3d>
+      <a:camera prst="orthographicFront"/>
+      <a:lightRig rig="threePt" dir="t"/>
+    </dgm:scene3d>
+    <dgm:sp3d/>
+    <dgm:txPr/>
+    <dgm:style>
+      <a:lnRef idx="1">
+        <a:scrgbClr r="0" g="0" b="0"/>
+      </a:lnRef>
+      <a:fillRef idx="3">
+        <a:scrgbClr r="0" g="0" b="0"/>
+      </a:fillRef>
+      <a:effectRef idx="2">
+        <a:scrgbClr r="0" g="0" b="0"/>
+      </a:effectRef>
+      <a:fontRef idx="minor">
+        <a:schemeClr val="lt1"/>
+      </a:fontRef>
+    </dgm:style>
+  </dgm:styleLbl>
+  <dgm:styleLbl name="parChTrans2D4">
+    <dgm:scene3d>
+      <a:camera prst="orthographicFront"/>
+      <a:lightRig rig="threePt" dir="t"/>
+    </dgm:scene3d>
+    <dgm:sp3d/>
+    <dgm:txPr/>
+    <dgm:style>
+      <a:lnRef idx="1">
+        <a:scrgbClr r="0" g="0" b="0"/>
+      </a:lnRef>
+      <a:fillRef idx="3">
+        <a:scrgbClr r="0" g="0" b="0"/>
+      </a:fillRef>
+      <a:effectRef idx="2">
+        <a:scrgbClr r="0" g="0" b="0"/>
+      </a:effectRef>
+      <a:fontRef idx="minor">
+        <a:schemeClr val="lt1"/>
+      </a:fontRef>
+    </dgm:style>
+  </dgm:styleLbl>
+  <dgm:styleLbl name="parChTrans1D1">
+    <dgm:scene3d>
+      <a:camera prst="orthographicFront"/>
+      <a:lightRig rig="threePt" dir="t"/>
+    </dgm:scene3d>
+    <dgm:sp3d/>
+    <dgm:txPr/>
+    <dgm:style>
+      <a:lnRef idx="1">
+        <a:scrgbClr r="0" g="0" b="0"/>
+      </a:lnRef>
+      <a:fillRef idx="0">
+        <a:scrgbClr r="0" g="0" b="0"/>
+      </a:fillRef>
+      <a:effectRef idx="0">
+        <a:scrgbClr r="0" g="0" b="0"/>
+      </a:effectRef>
+      <a:fontRef idx="minor"/>
+    </dgm:style>
+  </dgm:styleLbl>
+  <dgm:styleLbl name="parChTrans1D2">
+    <dgm:scene3d>
+      <a:camera prst="orthographicFront"/>
+      <a:lightRig rig="threePt" dir="t"/>
+    </dgm:scene3d>
+    <dgm:sp3d/>
+    <dgm:txPr/>
+    <dgm:style>
+      <a:lnRef idx="1">
+        <a:scrgbClr r="0" g="0" b="0"/>
+      </a:lnRef>
+      <a:fillRef idx="0">
+        <a:scrgbClr r="0" g="0" b="0"/>
+      </a:fillRef>
+      <a:effectRef idx="0">
+        <a:scrgbClr r="0" g="0" b="0"/>
+      </a:effectRef>
+      <a:fontRef idx="minor"/>
+    </dgm:style>
+  </dgm:styleLbl>
+  <dgm:styleLbl name="parChTrans1D3">
+    <dgm:scene3d>
+      <a:camera prst="orthographicFront"/>
+      <a:lightRig rig="threePt" dir="t"/>
+    </dgm:scene3d>
+    <dgm:sp3d/>
+    <dgm:txPr/>
+    <dgm:style>
+      <a:lnRef idx="1">
+        <a:scrgbClr r="0" g="0" b="0"/>
+      </a:lnRef>
+      <a:fillRef idx="0">
+        <a:scrgbClr r="0" g="0" b="0"/>
+      </a:fillRef>
+      <a:effectRef idx="0">
+        <a:scrgbClr r="0" g="0" b="0"/>
+      </a:effectRef>
+      <a:fontRef idx="minor"/>
+    </dgm:style>
+  </dgm:styleLbl>
+  <dgm:styleLbl name="parChTrans1D4">
+    <dgm:scene3d>
+      <a:camera prst="orthographicFront"/>
+      <a:lightRig rig="threePt" dir="t"/>
+    </dgm:scene3d>
+    <dgm:sp3d/>
+    <dgm:txPr/>
+    <dgm:style>
+      <a:lnRef idx="1">
+        <a:scrgbClr r="0" g="0" b="0"/>
+      </a:lnRef>
+      <a:fillRef idx="0">
+        <a:scrgbClr r="0" g="0" b="0"/>
+      </a:fillRef>
+      <a:effectRef idx="0">
+        <a:scrgbClr r="0" g="0" b="0"/>
+      </a:effectRef>
+      <a:fontRef idx="minor"/>
+    </dgm:style>
+  </dgm:styleLbl>
+  <dgm:styleLbl name="fgAcc1">
+    <dgm:scene3d>
+      <a:camera prst="orthographicFront"/>
+      <a:lightRig rig="threePt" dir="t"/>
+    </dgm:scene3d>
+    <dgm:sp3d/>
+    <dgm:txPr/>
+    <dgm:style>
+      <a:lnRef idx="1">
+        <a:scrgbClr r="0" g="0" b="0"/>
+      </a:lnRef>
+      <a:fillRef idx="1">
+        <a:scrgbClr r="0" g="0" b="0"/>
+      </a:fillRef>
+      <a:effectRef idx="0">
+        <a:scrgbClr r="0" g="0" b="0"/>
+      </a:effectRef>
+      <a:fontRef idx="minor"/>
+    </dgm:style>
+  </dgm:styleLbl>
+  <dgm:styleLbl name="conFgAcc1">
+    <dgm:scene3d>
+      <a:camera prst="orthographicFront"/>
+      <a:lightRig rig="threePt" dir="t"/>
+    </dgm:scene3d>
+    <dgm:sp3d/>
+    <dgm:txPr/>
+    <dgm:style>
+      <a:lnRef idx="1">
+        <a:scrgbClr r="0" g="0" b="0"/>
+      </a:lnRef>
+      <a:fillRef idx="1">
+        <a:scrgbClr r="0" g="0" b="0"/>
+      </a:fillRef>
+      <a:effectRef idx="0">
+        <a:scrgbClr r="0" g="0" b="0"/>
+      </a:effectRef>
+      <a:fontRef idx="minor"/>
+    </dgm:style>
+  </dgm:styleLbl>
+  <dgm:styleLbl name="alignAcc1">
+    <dgm:scene3d>
+      <a:camera prst="orthographicFront"/>
+      <a:lightRig rig="threePt" dir="t"/>
+    </dgm:scene3d>
+    <dgm:sp3d/>
+    <dgm:txPr/>
+    <dgm:style>
+      <a:lnRef idx="1">
+        <a:scrgbClr r="0" g="0" b="0"/>
+      </a:lnRef>
+      <a:fillRef idx="1">
+        <a:scrgbClr r="0" g="0" b="0"/>
+      </a:fillRef>
+      <a:effectRef idx="0">
+        <a:scrgbClr r="0" g="0" b="0"/>
+      </a:effectRef>
+      <a:fontRef idx="minor"/>
+    </dgm:style>
+  </dgm:styleLbl>
+  <dgm:styleLbl name="trAlignAcc1">
+    <dgm:scene3d>
+      <a:camera prst="orthographicFront"/>
+      <a:lightRig rig="threePt" dir="t"/>
+    </dgm:scene3d>
+    <dgm:sp3d/>
+    <dgm:txPr/>
+    <dgm:style>
+      <a:lnRef idx="1">
+        <a:scrgbClr r="0" g="0" b="0"/>
+      </a:lnRef>
+      <a:fillRef idx="1">
+        <a:scrgbClr r="0" g="0" b="0"/>
+      </a:fillRef>
+      <a:effectRef idx="0">
+        <a:scrgbClr r="0" g="0" b="0"/>
+      </a:effectRef>
+      <a:fontRef idx="minor"/>
+    </dgm:style>
+  </dgm:styleLbl>
+  <dgm:styleLbl name="bgAcc1">
+    <dgm:scene3d>
+      <a:camera prst="orthographicFront"/>
+      <a:lightRig rig="threePt" dir="t"/>
+    </dgm:scene3d>
+    <dgm:sp3d/>
+    <dgm:txPr/>
+    <dgm:style>
+      <a:lnRef idx="1">
+        <a:scrgbClr r="0" g="0" b="0"/>
+      </a:lnRef>
+      <a:fillRef idx="1">
+        <a:scrgbClr r="0" g="0" b="0"/>
+      </a:fillRef>
+      <a:effectRef idx="0">
+        <a:scrgbClr r="0" g="0" b="0"/>
+      </a:effectRef>
+      <a:fontRef idx="minor"/>
+    </dgm:style>
+  </dgm:styleLbl>
+  <dgm:styleLbl name="solidFgAcc1">
+    <dgm:scene3d>
+      <a:camera prst="orthographicFront"/>
+      <a:lightRig rig="threePt" dir="t"/>
+    </dgm:scene3d>
+    <dgm:sp3d/>
+    <dgm:txPr/>
+    <dgm:style>
+      <a:lnRef idx="1">
+        <a:scrgbClr r="0" g="0" b="0"/>
+      </a:lnRef>
+      <a:fillRef idx="1">
+        <a:scrgbClr r="0" g="0" b="0"/>
+      </a:fillRef>
+      <a:effectRef idx="0">
+        <a:scrgbClr r="0" g="0" b="0"/>
+      </a:effectRef>
+      <a:fontRef idx="minor"/>
+    </dgm:style>
+  </dgm:styleLbl>
+  <dgm:styleLbl name="solidAlignAcc1">
+    <dgm:scene3d>
+      <a:camera prst="orthographicFront"/>
+      <a:lightRig rig="threePt" dir="t"/>
+    </dgm:scene3d>
+    <dgm:sp3d/>
+    <dgm:txPr/>
+    <dgm:style>
+      <a:lnRef idx="1">
+        <a:scrgbClr r="0" g="0" b="0"/>
+      </a:lnRef>
+      <a:fillRef idx="1">
+        <a:scrgbClr r="0" g="0" b="0"/>
+      </a:fillRef>
+      <a:effectRef idx="0">
+        <a:scrgbClr r="0" g="0" b="0"/>
+      </a:effectRef>
+      <a:fontRef idx="minor"/>
+    </dgm:style>
+  </dgm:styleLbl>
+  <dgm:styleLbl name="solidBgAcc1">
+    <dgm:scene3d>
+      <a:camera prst="orthographicFront"/>
+      <a:lightRig rig="threePt" dir="t"/>
+    </dgm:scene3d>
+    <dgm:sp3d/>
+    <dgm:txPr/>
+    <dgm:style>
+      <a:lnRef idx="1">
+        <a:scrgbClr r="0" g="0" b="0"/>
+      </a:lnRef>
+      <a:fillRef idx="1">
+        <a:scrgbClr r="0" g="0" b="0"/>
+      </a:fillRef>
+      <a:effectRef idx="0">
+        <a:scrgbClr r="0" g="0" b="0"/>
+      </a:effectRef>
+      <a:fontRef idx="minor"/>
+    </dgm:style>
+  </dgm:styleLbl>
+  <dgm:styleLbl name="fgAccFollowNode1">
+    <dgm:scene3d>
+      <a:camera prst="orthographicFront"/>
+      <a:lightRig rig="threePt" dir="t"/>
+    </dgm:scene3d>
+    <dgm:sp3d/>
+    <dgm:txPr/>
+    <dgm:style>
+      <a:lnRef idx="1">
+        <a:scrgbClr r="0" g="0" b="0"/>
+      </a:lnRef>
+      <a:fillRef idx="1">
+        <a:scrgbClr r="0" g="0" b="0"/>
+      </a:fillRef>
+      <a:effectRef idx="0">
+        <a:scrgbClr r="0" g="0" b="0"/>
+      </a:effectRef>
+      <a:fontRef idx="minor"/>
+    </dgm:style>
+  </dgm:styleLbl>
+  <dgm:styleLbl name="alignAccFollowNode1">
+    <dgm:scene3d>
+      <a:camera prst="orthographicFront"/>
+      <a:lightRig rig="threePt" dir="t"/>
+    </dgm:scene3d>
+    <dgm:sp3d/>
+    <dgm:txPr/>
+    <dgm:style>
+      <a:lnRef idx="1">
+        <a:scrgbClr r="0" g="0" b="0"/>
+      </a:lnRef>
+      <a:fillRef idx="1">
+        <a:scrgbClr r="0" g="0" b="0"/>
+      </a:fillRef>
+      <a:effectRef idx="0">
+        <a:scrgbClr r="0" g="0" b="0"/>
+      </a:effectRef>
+      <a:fontRef idx="minor"/>
+    </dgm:style>
+  </dgm:styleLbl>
+  <dgm:styleLbl name="bgAccFollowNode1">
+    <dgm:scene3d>
+      <a:camera prst="orthographicFront"/>
+      <a:lightRig rig="threePt" dir="t"/>
+    </dgm:scene3d>
+    <dgm:sp3d/>
+    <dgm:txPr/>
+    <dgm:style>
+      <a:lnRef idx="1">
+        <a:scrgbClr r="0" g="0" b="0"/>
+      </a:lnRef>
+      <a:fillRef idx="1">
+        <a:scrgbClr r="0" g="0" b="0"/>
+      </a:fillRef>
+      <a:effectRef idx="0">
+        <a:scrgbClr r="0" g="0" b="0"/>
+      </a:effectRef>
+      <a:fontRef idx="minor"/>
+    </dgm:style>
+  </dgm:styleLbl>
+  <dgm:styleLbl name="fgAcc0">
+    <dgm:scene3d>
+      <a:camera prst="orthographicFront"/>
+      <a:lightRig rig="threePt" dir="t"/>
+    </dgm:scene3d>
+    <dgm:sp3d/>
+    <dgm:txPr/>
+    <dgm:style>
+      <a:lnRef idx="1">
+        <a:scrgbClr r="0" g="0" b="0"/>
+      </a:lnRef>
+      <a:fillRef idx="1">
+        <a:scrgbClr r="0" g="0" b="0"/>
+      </a:fillRef>
+      <a:effectRef idx="0">
+        <a:scrgbClr r="0" g="0" b="0"/>
+      </a:effectRef>
+      <a:fontRef idx="minor"/>
+    </dgm:style>
+  </dgm:styleLbl>
+  <dgm:styleLbl name="fgAcc2">
+    <dgm:scene3d>
+      <a:camera prst="orthographicFront"/>
+      <a:lightRig rig="threePt" dir="t"/>
+    </dgm:scene3d>
+    <dgm:sp3d/>
+    <dgm:txPr/>
+    <dgm:style>
+      <a:lnRef idx="1">
+        <a:scrgbClr r="0" g="0" b="0"/>
+      </a:lnRef>
+      <a:fillRef idx="1">
+        <a:scrgbClr r="0" g="0" b="0"/>
+      </a:fillRef>
+      <a:effectRef idx="0">
+        <a:scrgbClr r="0" g="0" b="0"/>
+      </a:effectRef>
+      <a:fontRef idx="minor"/>
+    </dgm:style>
+  </dgm:styleLbl>
+  <dgm:styleLbl name="fgAcc3">
+    <dgm:scene3d>
+      <a:camera prst="orthographicFront"/>
+      <a:lightRig rig="threePt" dir="t"/>
+    </dgm:scene3d>
+    <dgm:sp3d/>
+    <dgm:txPr/>
+    <dgm:style>
+      <a:lnRef idx="1">
+        <a:scrgbClr r="0" g="0" b="0"/>
+      </a:lnRef>
+      <a:fillRef idx="1">
+        <a:scrgbClr r="0" g="0" b="0"/>
+      </a:fillRef>
+      <a:effectRef idx="0">
+        <a:scrgbClr r="0" g="0" b="0"/>
+      </a:effectRef>
+      <a:fontRef idx="minor"/>
+    </dgm:style>
+  </dgm:styleLbl>
+  <dgm:styleLbl name="fgAcc4">
+    <dgm:scene3d>
+      <a:camera prst="orthographicFront"/>
+      <a:lightRig rig="threePt" dir="t"/>
+    </dgm:scene3d>
+    <dgm:sp3d/>
+    <dgm:txPr/>
+    <dgm:style>
+      <a:lnRef idx="1">
+        <a:scrgbClr r="0" g="0" b="0"/>
+      </a:lnRef>
+      <a:fillRef idx="1">
+        <a:scrgbClr r="0" g="0" b="0"/>
+      </a:fillRef>
+      <a:effectRef idx="0">
+        <a:scrgbClr r="0" g="0" b="0"/>
+      </a:effectRef>
+      <a:fontRef idx="minor"/>
+    </dgm:style>
+  </dgm:styleLbl>
+  <dgm:styleLbl name="bgShp">
+    <dgm:scene3d>
+      <a:camera prst="orthographicFront"/>
+      <a:lightRig rig="threePt" dir="t"/>
+    </dgm:scene3d>
+    <dgm:sp3d/>
+    <dgm:txPr/>
+    <dgm:style>
+      <a:lnRef idx="0">
+        <a:scrgbClr r="0" g="0" b="0"/>
+      </a:lnRef>
+      <a:fillRef idx="1">
+        <a:scrgbClr r="0" g="0" b="0"/>
+      </a:fillRef>
+      <a:effectRef idx="2">
+        <a:scrgbClr r="0" g="0" b="0"/>
+      </a:effectRef>
+      <a:fontRef idx="minor"/>
+    </dgm:style>
+  </dgm:styleLbl>
+  <dgm:styleLbl name="dkBgShp">
+    <dgm:scene3d>
+      <a:camera prst="orthographicFront"/>
+      <a:lightRig rig="threePt" dir="t"/>
+    </dgm:scene3d>
+    <dgm:sp3d/>
+    <dgm:txPr/>
+    <dgm:style>
+      <a:lnRef idx="0">
+        <a:scrgbClr r="0" g="0" b="0"/>
+      </a:lnRef>
+      <a:fillRef idx="1">
+        <a:scrgbClr r="0" g="0" b="0"/>
+      </a:fillRef>
+      <a:effectRef idx="2">
+        <a:scrgbClr r="0" g="0" b="0"/>
+      </a:effectRef>
+      <a:fontRef idx="minor"/>
+    </dgm:style>
+  </dgm:styleLbl>
+  <dgm:styleLbl name="trBgShp">
+    <dgm:scene3d>
+      <a:camera prst="orthographicFront"/>
+      <a:lightRig rig="threePt" dir="t"/>
+    </dgm:scene3d>
+    <dgm:sp3d/>
+    <dgm:txPr/>
+    <dgm:style>
+      <a:lnRef idx="0">
+        <a:scrgbClr r="0" g="0" b="0"/>
+      </a:lnRef>
+      <a:fillRef idx="1">
+        <a:scrgbClr r="0" g="0" b="0"/>
+      </a:fillRef>
+      <a:effectRef idx="0">
+        <a:scrgbClr r="0" g="0" b="0"/>
+      </a:effectRef>
+      <a:fontRef idx="minor"/>
+    </dgm:style>
+  </dgm:styleLbl>
+  <dgm:styleLbl name="fgShp">
+    <dgm:scene3d>
+      <a:camera prst="orthographicFront"/>
+      <a:lightRig rig="threePt" dir="t"/>
+    </dgm:scene3d>
+    <dgm:sp3d/>
+    <dgm:txPr/>
+    <dgm:style>
+      <a:lnRef idx="0">
+        <a:scrgbClr r="0" g="0" b="0"/>
+      </a:lnRef>
+      <a:fillRef idx="3">
+        <a:scrgbClr r="0" g="0" b="0"/>
+      </a:fillRef>
+      <a:effectRef idx="2">
+        <a:scrgbClr r="0" g="0" b="0"/>
+      </a:effectRef>
+      <a:fontRef idx="minor"/>
+    </dgm:style>
+  </dgm:styleLbl>
+  <dgm:styleLbl name="revTx">
+    <dgm:scene3d>
+      <a:camera prst="orthographicFront"/>
+      <a:lightRig rig="threePt" dir="t"/>
+    </dgm:scene3d>
+    <dgm:sp3d/>
+    <dgm:txPr/>
+    <dgm:style>
+      <a:lnRef idx="0">
+        <a:scrgbClr r="0" g="0" b="0"/>
+      </a:lnRef>
+      <a:fillRef idx="0">
+        <a:scrgbClr r="0" g="0" b="0"/>
+      </a:fillRef>
+      <a:effectRef idx="0">
+        <a:scrgbClr r="0" g="0" b="0"/>
+      </a:effectRef>
+      <a:fontRef idx="minor"/>
+    </dgm:style>
+  </dgm:styleLbl>
+</dgm:styleDef>
 </file>
 
 <file path=ppt/slideLayouts/slideLayout1.xml><?xml version="1.0" encoding="utf-8"?>
@@ -5907,6 +9736,29 @@
 <file path=ppt/slides/slide2.xml><?xml version="1.0" encoding="utf-8"?>
 <p:sld xmlns:a="http://schemas.openxmlformats.org/drawingml/2006/main" xmlns:r="http://schemas.openxmlformats.org/officeDocument/2006/relationships" xmlns:p="http://schemas.openxmlformats.org/presentationml/2006/main">
   <p:cSld>
+    <p:bg>
+      <p:bgPr>
+        <a:blipFill rotWithShape="1">
+          <a:blip r:embed="rId2">
+            <a:duotone>
+              <a:schemeClr val="bg2">
+                <a:shade val="28000"/>
+                <a:satMod val="94000"/>
+                <a:lumMod val="20000"/>
+              </a:schemeClr>
+              <a:schemeClr val="bg2">
+                <a:tint val="94000"/>
+                <a:shade val="84000"/>
+                <a:satMod val="148000"/>
+                <a:lumMod val="114000"/>
+              </a:schemeClr>
+            </a:duotone>
+          </a:blip>
+          <a:stretch/>
+        </a:blipFill>
+        <a:effectLst/>
+      </p:bgPr>
+    </p:bg>
     <p:spTree>
       <p:nvGrpSpPr>
         <p:cNvPr id="1" name=""/>
@@ -5923,6 +9775,681 @@
       </p:grpSpPr>
       <p:sp>
         <p:nvSpPr>
+          <p:cNvPr id="8" name="Rectangle 7">
+            <a:extLst>
+              <a:ext uri="{FF2B5EF4-FFF2-40B4-BE49-F238E27FC236}">
+                <a16:creationId xmlns:a16="http://schemas.microsoft.com/office/drawing/2014/main" id="{5BBD3ED2-B0E6-45A2-ABD5-ECF31BC37C2E}"/>
+              </a:ext>
+              <a:ext uri="{C183D7F6-B498-43B3-948B-1728B52AA6E4}">
+                <adec:decorative xmlns:adec="http://schemas.microsoft.com/office/drawing/2017/decorative" val="1"/>
+              </a:ext>
+            </a:extLst>
+          </p:cNvPr>
+          <p:cNvSpPr>
+            <a:spLocks noGrp="1" noRot="1" noChangeAspect="1" noMove="1" noResize="1" noEditPoints="1" noAdjustHandles="1" noChangeArrowheads="1" noChangeShapeType="1" noTextEdit="1"/>
+          </p:cNvSpPr>
+          <p:nvPr>
+            <p:extLst>
+              <p:ext uri="{386F3935-93C4-4BCD-93E2-E3B085C9AB24}">
+                <p16:designElem xmlns:p16="http://schemas.microsoft.com/office/powerpoint/2015/main" val="1"/>
+              </p:ext>
+            </p:extLst>
+          </p:nvPr>
+        </p:nvSpPr>
+        <p:spPr>
+          <a:xfrm>
+            <a:off x="0" y="0"/>
+            <a:ext cx="12192000" cy="6858000"/>
+          </a:xfrm>
+          <a:prstGeom prst="rect">
+            <a:avLst/>
+          </a:prstGeom>
+          <a:solidFill>
+            <a:schemeClr val="bg2"/>
+          </a:solidFill>
+          <a:ln>
+            <a:noFill/>
+          </a:ln>
+        </p:spPr>
+        <p:style>
+          <a:lnRef idx="2">
+            <a:schemeClr val="accent1">
+              <a:shade val="50000"/>
+            </a:schemeClr>
+          </a:lnRef>
+          <a:fillRef idx="1">
+            <a:schemeClr val="accent1"/>
+          </a:fillRef>
+          <a:effectRef idx="0">
+            <a:schemeClr val="accent1"/>
+          </a:effectRef>
+          <a:fontRef idx="minor">
+            <a:schemeClr val="lt1"/>
+          </a:fontRef>
+        </p:style>
+        <p:txBody>
+          <a:bodyPr rtlCol="0" anchor="ctr"/>
+          <a:lstStyle/>
+          <a:p>
+            <a:pPr algn="ctr"/>
+            <a:endParaRPr lang="en-US"/>
+          </a:p>
+        </p:txBody>
+      </p:sp>
+      <p:sp>
+        <p:nvSpPr>
+          <p:cNvPr id="10" name="Rectangle 9">
+            <a:extLst>
+              <a:ext uri="{FF2B5EF4-FFF2-40B4-BE49-F238E27FC236}">
+                <a16:creationId xmlns:a16="http://schemas.microsoft.com/office/drawing/2014/main" id="{F2D2D1E8-4ABF-4B6B-B39D-40B080B61E49}"/>
+              </a:ext>
+              <a:ext uri="{C183D7F6-B498-43B3-948B-1728B52AA6E4}">
+                <adec:decorative xmlns:adec="http://schemas.microsoft.com/office/drawing/2017/decorative" val="1"/>
+              </a:ext>
+            </a:extLst>
+          </p:cNvPr>
+          <p:cNvSpPr>
+            <a:spLocks noGrp="1" noRot="1" noChangeAspect="1" noMove="1" noResize="1" noEditPoints="1" noAdjustHandles="1" noChangeArrowheads="1" noChangeShapeType="1" noTextEdit="1"/>
+          </p:cNvSpPr>
+          <p:nvPr>
+            <p:extLst>
+              <p:ext uri="{386F3935-93C4-4BCD-93E2-E3B085C9AB24}">
+                <p16:designElem xmlns:p16="http://schemas.microsoft.com/office/powerpoint/2015/main" val="1"/>
+              </p:ext>
+            </p:extLst>
+          </p:nvPr>
+        </p:nvSpPr>
+        <p:spPr>
+          <a:xfrm>
+            <a:off x="763160" y="0"/>
+            <a:ext cx="9369421" cy="6857999"/>
+          </a:xfrm>
+          <a:prstGeom prst="rect">
+            <a:avLst/>
+          </a:prstGeom>
+          <a:gradFill flip="none" rotWithShape="1">
+            <a:gsLst>
+              <a:gs pos="10000">
+                <a:schemeClr val="bg2">
+                  <a:lumMod val="60000"/>
+                  <a:lumOff val="40000"/>
+                  <a:alpha val="40000"/>
+                </a:schemeClr>
+              </a:gs>
+              <a:gs pos="70000">
+                <a:schemeClr val="bg2">
+                  <a:alpha val="0"/>
+                </a:schemeClr>
+              </a:gs>
+              <a:gs pos="0">
+                <a:schemeClr val="bg2">
+                  <a:lumMod val="40000"/>
+                  <a:lumOff val="60000"/>
+                  <a:alpha val="50000"/>
+                </a:schemeClr>
+              </a:gs>
+            </a:gsLst>
+            <a:path path="circle">
+              <a:fillToRect l="50000" t="50000" r="50000" b="50000"/>
+            </a:path>
+            <a:tileRect/>
+          </a:gradFill>
+          <a:ln>
+            <a:noFill/>
+          </a:ln>
+        </p:spPr>
+        <p:style>
+          <a:lnRef idx="2">
+            <a:schemeClr val="accent1">
+              <a:shade val="50000"/>
+            </a:schemeClr>
+          </a:lnRef>
+          <a:fillRef idx="1">
+            <a:schemeClr val="accent1"/>
+          </a:fillRef>
+          <a:effectRef idx="0">
+            <a:schemeClr val="accent1"/>
+          </a:effectRef>
+          <a:fontRef idx="minor">
+            <a:schemeClr val="lt1"/>
+          </a:fontRef>
+        </p:style>
+        <p:txBody>
+          <a:bodyPr rtlCol="0" anchor="ctr"/>
+          <a:lstStyle/>
+          <a:p>
+            <a:pPr algn="ctr"/>
+            <a:endParaRPr lang="en-US"/>
+          </a:p>
+        </p:txBody>
+      </p:sp>
+      <p:sp useBgFill="1">
+        <p:nvSpPr>
+          <p:cNvPr id="12" name="Freeform: Shape 11">
+            <a:extLst>
+              <a:ext uri="{FF2B5EF4-FFF2-40B4-BE49-F238E27FC236}">
+                <a16:creationId xmlns:a16="http://schemas.microsoft.com/office/drawing/2014/main" id="{BC7AB4B5-66A5-48D1-BD88-C60A16ED971B}"/>
+              </a:ext>
+              <a:ext uri="{C183D7F6-B498-43B3-948B-1728B52AA6E4}">
+                <adec:decorative xmlns:adec="http://schemas.microsoft.com/office/drawing/2017/decorative" val="1"/>
+              </a:ext>
+            </a:extLst>
+          </p:cNvPr>
+          <p:cNvSpPr>
+            <a:spLocks noGrp="1" noRot="1" noChangeAspect="1" noMove="1" noResize="1" noEditPoints="1" noAdjustHandles="1" noChangeArrowheads="1" noChangeShapeType="1" noTextEdit="1"/>
+          </p:cNvSpPr>
+          <p:nvPr>
+            <p:extLst>
+              <p:ext uri="{386F3935-93C4-4BCD-93E2-E3B085C9AB24}">
+                <p16:designElem xmlns:p16="http://schemas.microsoft.com/office/powerpoint/2015/main" val="1"/>
+              </p:ext>
+            </p:extLst>
+          </p:nvPr>
+        </p:nvSpPr>
+        <p:spPr>
+          <a:xfrm>
+            <a:off x="0" y="-2"/>
+            <a:ext cx="6088489" cy="6858002"/>
+          </a:xfrm>
+          <a:custGeom>
+            <a:avLst/>
+            <a:gdLst>
+              <a:gd name="connsiteX0" fmla="*/ 0 w 6088489"/>
+              <a:gd name="connsiteY0" fmla="*/ 0 h 6858002"/>
+              <a:gd name="connsiteX1" fmla="*/ 3563332 w 6088489"/>
+              <a:gd name="connsiteY1" fmla="*/ 0 h 6858002"/>
+              <a:gd name="connsiteX2" fmla="*/ 3563332 w 6088489"/>
+              <a:gd name="connsiteY2" fmla="*/ 3 h 6858002"/>
+              <a:gd name="connsiteX3" fmla="*/ 5842099 w 6088489"/>
+              <a:gd name="connsiteY3" fmla="*/ 3 h 6858002"/>
+              <a:gd name="connsiteX4" fmla="*/ 5842099 w 6088489"/>
+              <a:gd name="connsiteY4" fmla="*/ 4 h 6858002"/>
+              <a:gd name="connsiteX5" fmla="*/ 5835346 w 6088489"/>
+              <a:gd name="connsiteY5" fmla="*/ 4 h 6858002"/>
+              <a:gd name="connsiteX6" fmla="*/ 5841229 w 6088489"/>
+              <a:gd name="connsiteY6" fmla="*/ 40466 h 6858002"/>
+              <a:gd name="connsiteX7" fmla="*/ 5858543 w 6088489"/>
+              <a:gd name="connsiteY7" fmla="*/ 159110 h 6858002"/>
+              <a:gd name="connsiteX8" fmla="*/ 5870645 w 6088489"/>
+              <a:gd name="connsiteY8" fmla="*/ 245521 h 6858002"/>
+              <a:gd name="connsiteX9" fmla="*/ 5883420 w 6088489"/>
+              <a:gd name="connsiteY9" fmla="*/ 348391 h 6858002"/>
+              <a:gd name="connsiteX10" fmla="*/ 5898716 w 6088489"/>
+              <a:gd name="connsiteY10" fmla="*/ 470463 h 6858002"/>
+              <a:gd name="connsiteX11" fmla="*/ 5914853 w 6088489"/>
+              <a:gd name="connsiteY11" fmla="*/ 605566 h 6858002"/>
+              <a:gd name="connsiteX12" fmla="*/ 5931830 w 6088489"/>
+              <a:gd name="connsiteY12" fmla="*/ 757813 h 6858002"/>
+              <a:gd name="connsiteX13" fmla="*/ 5949815 w 6088489"/>
+              <a:gd name="connsiteY13" fmla="*/ 923777 h 6858002"/>
+              <a:gd name="connsiteX14" fmla="*/ 5967801 w 6088489"/>
+              <a:gd name="connsiteY14" fmla="*/ 1104142 h 6858002"/>
+              <a:gd name="connsiteX15" fmla="*/ 5986122 w 6088489"/>
+              <a:gd name="connsiteY15" fmla="*/ 1296166 h 6858002"/>
+              <a:gd name="connsiteX16" fmla="*/ 6003099 w 6088489"/>
+              <a:gd name="connsiteY16" fmla="*/ 1503278 h 6858002"/>
+              <a:gd name="connsiteX17" fmla="*/ 6019404 w 6088489"/>
+              <a:gd name="connsiteY17" fmla="*/ 1719991 h 6858002"/>
+              <a:gd name="connsiteX18" fmla="*/ 6034196 w 6088489"/>
+              <a:gd name="connsiteY18" fmla="*/ 1949048 h 6858002"/>
+              <a:gd name="connsiteX19" fmla="*/ 6048315 w 6088489"/>
+              <a:gd name="connsiteY19" fmla="*/ 2187706 h 6858002"/>
+              <a:gd name="connsiteX20" fmla="*/ 6061595 w 6088489"/>
+              <a:gd name="connsiteY20" fmla="*/ 2436652 h 6858002"/>
+              <a:gd name="connsiteX21" fmla="*/ 6066301 w 6088489"/>
+              <a:gd name="connsiteY21" fmla="*/ 2564211 h 6858002"/>
+              <a:gd name="connsiteX22" fmla="*/ 6071512 w 6088489"/>
+              <a:gd name="connsiteY22" fmla="*/ 2694512 h 6858002"/>
+              <a:gd name="connsiteX23" fmla="*/ 6076386 w 6088489"/>
+              <a:gd name="connsiteY23" fmla="*/ 2826871 h 6858002"/>
+              <a:gd name="connsiteX24" fmla="*/ 6079580 w 6088489"/>
+              <a:gd name="connsiteY24" fmla="*/ 2959917 h 6858002"/>
+              <a:gd name="connsiteX25" fmla="*/ 6082438 w 6088489"/>
+              <a:gd name="connsiteY25" fmla="*/ 3095705 h 6858002"/>
+              <a:gd name="connsiteX26" fmla="*/ 6085463 w 6088489"/>
+              <a:gd name="connsiteY26" fmla="*/ 3232865 h 6858002"/>
+              <a:gd name="connsiteX27" fmla="*/ 6087480 w 6088489"/>
+              <a:gd name="connsiteY27" fmla="*/ 3372768 h 6858002"/>
+              <a:gd name="connsiteX28" fmla="*/ 6087480 w 6088489"/>
+              <a:gd name="connsiteY28" fmla="*/ 3514043 h 6858002"/>
+              <a:gd name="connsiteX29" fmla="*/ 6088489 w 6088489"/>
+              <a:gd name="connsiteY29" fmla="*/ 3656689 h 6858002"/>
+              <a:gd name="connsiteX30" fmla="*/ 6087480 w 6088489"/>
+              <a:gd name="connsiteY30" fmla="*/ 3800707 h 6858002"/>
+              <a:gd name="connsiteX31" fmla="*/ 6085463 w 6088489"/>
+              <a:gd name="connsiteY31" fmla="*/ 3946783 h 6858002"/>
+              <a:gd name="connsiteX32" fmla="*/ 6083614 w 6088489"/>
+              <a:gd name="connsiteY32" fmla="*/ 4092858 h 6858002"/>
+              <a:gd name="connsiteX33" fmla="*/ 6079580 w 6088489"/>
+              <a:gd name="connsiteY33" fmla="*/ 4240991 h 6858002"/>
+              <a:gd name="connsiteX34" fmla="*/ 6075378 w 6088489"/>
+              <a:gd name="connsiteY34" fmla="*/ 4390495 h 6858002"/>
+              <a:gd name="connsiteX35" fmla="*/ 6070503 w 6088489"/>
+              <a:gd name="connsiteY35" fmla="*/ 4540000 h 6858002"/>
+              <a:gd name="connsiteX36" fmla="*/ 6063612 w 6088489"/>
+              <a:gd name="connsiteY36" fmla="*/ 4690876 h 6858002"/>
+              <a:gd name="connsiteX37" fmla="*/ 6055375 w 6088489"/>
+              <a:gd name="connsiteY37" fmla="*/ 4843123 h 6858002"/>
+              <a:gd name="connsiteX38" fmla="*/ 6047475 w 6088489"/>
+              <a:gd name="connsiteY38" fmla="*/ 4996057 h 6858002"/>
+              <a:gd name="connsiteX39" fmla="*/ 6037390 w 6088489"/>
+              <a:gd name="connsiteY39" fmla="*/ 5148990 h 6858002"/>
+              <a:gd name="connsiteX40" fmla="*/ 6025287 w 6088489"/>
+              <a:gd name="connsiteY40" fmla="*/ 5303981 h 6858002"/>
+              <a:gd name="connsiteX41" fmla="*/ 6013185 w 6088489"/>
+              <a:gd name="connsiteY41" fmla="*/ 5456914 h 6858002"/>
+              <a:gd name="connsiteX42" fmla="*/ 5999233 w 6088489"/>
+              <a:gd name="connsiteY42" fmla="*/ 5612591 h 6858002"/>
+              <a:gd name="connsiteX43" fmla="*/ 5983937 w 6088489"/>
+              <a:gd name="connsiteY43" fmla="*/ 5768953 h 6858002"/>
+              <a:gd name="connsiteX44" fmla="*/ 5967801 w 6088489"/>
+              <a:gd name="connsiteY44" fmla="*/ 5923258 h 6858002"/>
+              <a:gd name="connsiteX45" fmla="*/ 5948975 w 6088489"/>
+              <a:gd name="connsiteY45" fmla="*/ 6079621 h 6858002"/>
+              <a:gd name="connsiteX46" fmla="*/ 5928804 w 6088489"/>
+              <a:gd name="connsiteY46" fmla="*/ 6235297 h 6858002"/>
+              <a:gd name="connsiteX47" fmla="*/ 5908801 w 6088489"/>
+              <a:gd name="connsiteY47" fmla="*/ 6391660 h 6858002"/>
+              <a:gd name="connsiteX48" fmla="*/ 5885437 w 6088489"/>
+              <a:gd name="connsiteY48" fmla="*/ 6547336 h 6858002"/>
+              <a:gd name="connsiteX49" fmla="*/ 5861568 w 6088489"/>
+              <a:gd name="connsiteY49" fmla="*/ 6702327 h 6858002"/>
+              <a:gd name="connsiteX50" fmla="*/ 5836524 w 6088489"/>
+              <a:gd name="connsiteY50" fmla="*/ 6858002 h 6858002"/>
+              <a:gd name="connsiteX51" fmla="*/ 3563332 w 6088489"/>
+              <a:gd name="connsiteY51" fmla="*/ 6858002 h 6858002"/>
+              <a:gd name="connsiteX52" fmla="*/ 1223490 w 6088489"/>
+              <a:gd name="connsiteY52" fmla="*/ 6858002 h 6858002"/>
+              <a:gd name="connsiteX53" fmla="*/ 0 w 6088489"/>
+              <a:gd name="connsiteY53" fmla="*/ 6858002 h 6858002"/>
+            </a:gdLst>
+            <a:ahLst/>
+            <a:cxnLst>
+              <a:cxn ang="0">
+                <a:pos x="connsiteX0" y="connsiteY0"/>
+              </a:cxn>
+              <a:cxn ang="0">
+                <a:pos x="connsiteX1" y="connsiteY1"/>
+              </a:cxn>
+              <a:cxn ang="0">
+                <a:pos x="connsiteX2" y="connsiteY2"/>
+              </a:cxn>
+              <a:cxn ang="0">
+                <a:pos x="connsiteX3" y="connsiteY3"/>
+              </a:cxn>
+              <a:cxn ang="0">
+                <a:pos x="connsiteX4" y="connsiteY4"/>
+              </a:cxn>
+              <a:cxn ang="0">
+                <a:pos x="connsiteX5" y="connsiteY5"/>
+              </a:cxn>
+              <a:cxn ang="0">
+                <a:pos x="connsiteX6" y="connsiteY6"/>
+              </a:cxn>
+              <a:cxn ang="0">
+                <a:pos x="connsiteX7" y="connsiteY7"/>
+              </a:cxn>
+              <a:cxn ang="0">
+                <a:pos x="connsiteX8" y="connsiteY8"/>
+              </a:cxn>
+              <a:cxn ang="0">
+                <a:pos x="connsiteX9" y="connsiteY9"/>
+              </a:cxn>
+              <a:cxn ang="0">
+                <a:pos x="connsiteX10" y="connsiteY10"/>
+              </a:cxn>
+              <a:cxn ang="0">
+                <a:pos x="connsiteX11" y="connsiteY11"/>
+              </a:cxn>
+              <a:cxn ang="0">
+                <a:pos x="connsiteX12" y="connsiteY12"/>
+              </a:cxn>
+              <a:cxn ang="0">
+                <a:pos x="connsiteX13" y="connsiteY13"/>
+              </a:cxn>
+              <a:cxn ang="0">
+                <a:pos x="connsiteX14" y="connsiteY14"/>
+              </a:cxn>
+              <a:cxn ang="0">
+                <a:pos x="connsiteX15" y="connsiteY15"/>
+              </a:cxn>
+              <a:cxn ang="0">
+                <a:pos x="connsiteX16" y="connsiteY16"/>
+              </a:cxn>
+              <a:cxn ang="0">
+                <a:pos x="connsiteX17" y="connsiteY17"/>
+              </a:cxn>
+              <a:cxn ang="0">
+                <a:pos x="connsiteX18" y="connsiteY18"/>
+              </a:cxn>
+              <a:cxn ang="0">
+                <a:pos x="connsiteX19" y="connsiteY19"/>
+              </a:cxn>
+              <a:cxn ang="0">
+                <a:pos x="connsiteX20" y="connsiteY20"/>
+              </a:cxn>
+              <a:cxn ang="0">
+                <a:pos x="connsiteX21" y="connsiteY21"/>
+              </a:cxn>
+              <a:cxn ang="0">
+                <a:pos x="connsiteX22" y="connsiteY22"/>
+              </a:cxn>
+              <a:cxn ang="0">
+                <a:pos x="connsiteX23" y="connsiteY23"/>
+              </a:cxn>
+              <a:cxn ang="0">
+                <a:pos x="connsiteX24" y="connsiteY24"/>
+              </a:cxn>
+              <a:cxn ang="0">
+                <a:pos x="connsiteX25" y="connsiteY25"/>
+              </a:cxn>
+              <a:cxn ang="0">
+                <a:pos x="connsiteX26" y="connsiteY26"/>
+              </a:cxn>
+              <a:cxn ang="0">
+                <a:pos x="connsiteX27" y="connsiteY27"/>
+              </a:cxn>
+              <a:cxn ang="0">
+                <a:pos x="connsiteX28" y="connsiteY28"/>
+              </a:cxn>
+              <a:cxn ang="0">
+                <a:pos x="connsiteX29" y="connsiteY29"/>
+              </a:cxn>
+              <a:cxn ang="0">
+                <a:pos x="connsiteX30" y="connsiteY30"/>
+              </a:cxn>
+              <a:cxn ang="0">
+                <a:pos x="connsiteX31" y="connsiteY31"/>
+              </a:cxn>
+              <a:cxn ang="0">
+                <a:pos x="connsiteX32" y="connsiteY32"/>
+              </a:cxn>
+              <a:cxn ang="0">
+                <a:pos x="connsiteX33" y="connsiteY33"/>
+              </a:cxn>
+              <a:cxn ang="0">
+                <a:pos x="connsiteX34" y="connsiteY34"/>
+              </a:cxn>
+              <a:cxn ang="0">
+                <a:pos x="connsiteX35" y="connsiteY35"/>
+              </a:cxn>
+              <a:cxn ang="0">
+                <a:pos x="connsiteX36" y="connsiteY36"/>
+              </a:cxn>
+              <a:cxn ang="0">
+                <a:pos x="connsiteX37" y="connsiteY37"/>
+              </a:cxn>
+              <a:cxn ang="0">
+                <a:pos x="connsiteX38" y="connsiteY38"/>
+              </a:cxn>
+              <a:cxn ang="0">
+                <a:pos x="connsiteX39" y="connsiteY39"/>
+              </a:cxn>
+              <a:cxn ang="0">
+                <a:pos x="connsiteX40" y="connsiteY40"/>
+              </a:cxn>
+              <a:cxn ang="0">
+                <a:pos x="connsiteX41" y="connsiteY41"/>
+              </a:cxn>
+              <a:cxn ang="0">
+                <a:pos x="connsiteX42" y="connsiteY42"/>
+              </a:cxn>
+              <a:cxn ang="0">
+                <a:pos x="connsiteX43" y="connsiteY43"/>
+              </a:cxn>
+              <a:cxn ang="0">
+                <a:pos x="connsiteX44" y="connsiteY44"/>
+              </a:cxn>
+              <a:cxn ang="0">
+                <a:pos x="connsiteX45" y="connsiteY45"/>
+              </a:cxn>
+              <a:cxn ang="0">
+                <a:pos x="connsiteX46" y="connsiteY46"/>
+              </a:cxn>
+              <a:cxn ang="0">
+                <a:pos x="connsiteX47" y="connsiteY47"/>
+              </a:cxn>
+              <a:cxn ang="0">
+                <a:pos x="connsiteX48" y="connsiteY48"/>
+              </a:cxn>
+              <a:cxn ang="0">
+                <a:pos x="connsiteX49" y="connsiteY49"/>
+              </a:cxn>
+              <a:cxn ang="0">
+                <a:pos x="connsiteX50" y="connsiteY50"/>
+              </a:cxn>
+              <a:cxn ang="0">
+                <a:pos x="connsiteX51" y="connsiteY51"/>
+              </a:cxn>
+              <a:cxn ang="0">
+                <a:pos x="connsiteX52" y="connsiteY52"/>
+              </a:cxn>
+              <a:cxn ang="0">
+                <a:pos x="connsiteX53" y="connsiteY53"/>
+              </a:cxn>
+            </a:cxnLst>
+            <a:rect l="l" t="t" r="r" b="b"/>
+            <a:pathLst>
+              <a:path w="6088489" h="6858002">
+                <a:moveTo>
+                  <a:pt x="0" y="0"/>
+                </a:moveTo>
+                <a:lnTo>
+                  <a:pt x="3563332" y="0"/>
+                </a:lnTo>
+                <a:lnTo>
+                  <a:pt x="3563332" y="3"/>
+                </a:lnTo>
+                <a:lnTo>
+                  <a:pt x="5842099" y="3"/>
+                </a:lnTo>
+                <a:lnTo>
+                  <a:pt x="5842099" y="4"/>
+                </a:lnTo>
+                <a:lnTo>
+                  <a:pt x="5835346" y="4"/>
+                </a:lnTo>
+                <a:lnTo>
+                  <a:pt x="5841229" y="40466"/>
+                </a:lnTo>
+                <a:lnTo>
+                  <a:pt x="5858543" y="159110"/>
+                </a:lnTo>
+                <a:lnTo>
+                  <a:pt x="5870645" y="245521"/>
+                </a:lnTo>
+                <a:lnTo>
+                  <a:pt x="5883420" y="348391"/>
+                </a:lnTo>
+                <a:lnTo>
+                  <a:pt x="5898716" y="470463"/>
+                </a:lnTo>
+                <a:lnTo>
+                  <a:pt x="5914853" y="605566"/>
+                </a:lnTo>
+                <a:lnTo>
+                  <a:pt x="5931830" y="757813"/>
+                </a:lnTo>
+                <a:lnTo>
+                  <a:pt x="5949815" y="923777"/>
+                </a:lnTo>
+                <a:lnTo>
+                  <a:pt x="5967801" y="1104142"/>
+                </a:lnTo>
+                <a:lnTo>
+                  <a:pt x="5986122" y="1296166"/>
+                </a:lnTo>
+                <a:lnTo>
+                  <a:pt x="6003099" y="1503278"/>
+                </a:lnTo>
+                <a:lnTo>
+                  <a:pt x="6019404" y="1719991"/>
+                </a:lnTo>
+                <a:lnTo>
+                  <a:pt x="6034196" y="1949048"/>
+                </a:lnTo>
+                <a:lnTo>
+                  <a:pt x="6048315" y="2187706"/>
+                </a:lnTo>
+                <a:lnTo>
+                  <a:pt x="6061595" y="2436652"/>
+                </a:lnTo>
+                <a:lnTo>
+                  <a:pt x="6066301" y="2564211"/>
+                </a:lnTo>
+                <a:lnTo>
+                  <a:pt x="6071512" y="2694512"/>
+                </a:lnTo>
+                <a:lnTo>
+                  <a:pt x="6076386" y="2826871"/>
+                </a:lnTo>
+                <a:lnTo>
+                  <a:pt x="6079580" y="2959917"/>
+                </a:lnTo>
+                <a:lnTo>
+                  <a:pt x="6082438" y="3095705"/>
+                </a:lnTo>
+                <a:lnTo>
+                  <a:pt x="6085463" y="3232865"/>
+                </a:lnTo>
+                <a:lnTo>
+                  <a:pt x="6087480" y="3372768"/>
+                </a:lnTo>
+                <a:lnTo>
+                  <a:pt x="6087480" y="3514043"/>
+                </a:lnTo>
+                <a:lnTo>
+                  <a:pt x="6088489" y="3656689"/>
+                </a:lnTo>
+                <a:lnTo>
+                  <a:pt x="6087480" y="3800707"/>
+                </a:lnTo>
+                <a:lnTo>
+                  <a:pt x="6085463" y="3946783"/>
+                </a:lnTo>
+                <a:lnTo>
+                  <a:pt x="6083614" y="4092858"/>
+                </a:lnTo>
+                <a:lnTo>
+                  <a:pt x="6079580" y="4240991"/>
+                </a:lnTo>
+                <a:lnTo>
+                  <a:pt x="6075378" y="4390495"/>
+                </a:lnTo>
+                <a:lnTo>
+                  <a:pt x="6070503" y="4540000"/>
+                </a:lnTo>
+                <a:lnTo>
+                  <a:pt x="6063612" y="4690876"/>
+                </a:lnTo>
+                <a:lnTo>
+                  <a:pt x="6055375" y="4843123"/>
+                </a:lnTo>
+                <a:lnTo>
+                  <a:pt x="6047475" y="4996057"/>
+                </a:lnTo>
+                <a:lnTo>
+                  <a:pt x="6037390" y="5148990"/>
+                </a:lnTo>
+                <a:lnTo>
+                  <a:pt x="6025287" y="5303981"/>
+                </a:lnTo>
+                <a:lnTo>
+                  <a:pt x="6013185" y="5456914"/>
+                </a:lnTo>
+                <a:lnTo>
+                  <a:pt x="5999233" y="5612591"/>
+                </a:lnTo>
+                <a:lnTo>
+                  <a:pt x="5983937" y="5768953"/>
+                </a:lnTo>
+                <a:lnTo>
+                  <a:pt x="5967801" y="5923258"/>
+                </a:lnTo>
+                <a:lnTo>
+                  <a:pt x="5948975" y="6079621"/>
+                </a:lnTo>
+                <a:lnTo>
+                  <a:pt x="5928804" y="6235297"/>
+                </a:lnTo>
+                <a:lnTo>
+                  <a:pt x="5908801" y="6391660"/>
+                </a:lnTo>
+                <a:lnTo>
+                  <a:pt x="5885437" y="6547336"/>
+                </a:lnTo>
+                <a:lnTo>
+                  <a:pt x="5861568" y="6702327"/>
+                </a:lnTo>
+                <a:lnTo>
+                  <a:pt x="5836524" y="6858002"/>
+                </a:lnTo>
+                <a:lnTo>
+                  <a:pt x="3563332" y="6858002"/>
+                </a:lnTo>
+                <a:lnTo>
+                  <a:pt x="1223490" y="6858002"/>
+                </a:lnTo>
+                <a:lnTo>
+                  <a:pt x="0" y="6858002"/>
+                </a:lnTo>
+                <a:close/>
+              </a:path>
+            </a:pathLst>
+          </a:custGeom>
+          <a:ln w="44450">
+            <a:gradFill>
+              <a:gsLst>
+                <a:gs pos="5000">
+                  <a:schemeClr val="bg2">
+                    <a:alpha val="65000"/>
+                  </a:schemeClr>
+                </a:gs>
+                <a:gs pos="98000">
+                  <a:schemeClr val="bg2">
+                    <a:lumMod val="75000"/>
+                    <a:alpha val="55000"/>
+                  </a:schemeClr>
+                </a:gs>
+              </a:gsLst>
+              <a:lin ang="5400000" scaled="1"/>
+            </a:gradFill>
+          </a:ln>
+          <a:effectLst>
+            <a:outerShdw blurRad="50800" dist="25400" algn="l" rotWithShape="0">
+              <a:prstClr val="black">
+                <a:alpha val="60000"/>
+              </a:prstClr>
+            </a:outerShdw>
+          </a:effectLst>
+        </p:spPr>
+        <p:style>
+          <a:lnRef idx="2">
+            <a:schemeClr val="accent1">
+              <a:shade val="50000"/>
+            </a:schemeClr>
+          </a:lnRef>
+          <a:fillRef idx="1">
+            <a:schemeClr val="accent1"/>
+          </a:fillRef>
+          <a:effectRef idx="0">
+            <a:schemeClr val="accent1"/>
+          </a:effectRef>
+          <a:fontRef idx="minor">
+            <a:schemeClr val="lt1"/>
+          </a:fontRef>
+        </p:style>
+        <p:txBody>
+          <a:bodyPr rtlCol="0" anchor="ctr"/>
+          <a:lstStyle/>
+          <a:p>
+            <a:pPr algn="ctr"/>
+            <a:endParaRPr lang="en-US"/>
+          </a:p>
+        </p:txBody>
+      </p:sp>
+      <p:sp>
+        <p:nvSpPr>
           <p:cNvPr id="2" name="Title 1">
             <a:extLst>
               <a:ext uri="{FF2B5EF4-FFF2-40B4-BE49-F238E27FC236}">
@@ -5937,22 +10464,21 @@
             <p:ph type="title"/>
           </p:nvPr>
         </p:nvSpPr>
-        <p:spPr/>
+        <p:spPr>
+          <a:xfrm>
+            <a:off x="962022" y="643467"/>
+            <a:ext cx="4340023" cy="5571064"/>
+          </a:xfrm>
+        </p:spPr>
         <p:txBody>
-          <a:bodyPr/>
+          <a:bodyPr anchor="ctr">
+            <a:normAutofit/>
+          </a:bodyPr>
           <a:lstStyle/>
           <a:p>
             <a:r>
-              <a:rPr lang="en-US" dirty="0"/>
-              <a:t>What is Project </a:t>
-            </a:r>
-            <a:r>
-              <a:rPr lang="en-US" dirty="0" err="1"/>
-              <a:t>Startride</a:t>
-            </a:r>
-            <a:r>
-              <a:rPr lang="en-US" dirty="0"/>
-              <a:t>?</a:t>
+              <a:rPr lang="en-US" sz="4400"/>
+              <a:t>What is Project Startride?</a:t>
             </a:r>
           </a:p>
         </p:txBody>
@@ -5973,23 +10499,23 @@
             <p:ph idx="1"/>
           </p:nvPr>
         </p:nvSpPr>
-        <p:spPr/>
+        <p:spPr>
+          <a:xfrm>
+            <a:off x="6708499" y="643467"/>
+            <a:ext cx="4521480" cy="5571064"/>
+          </a:xfrm>
+        </p:spPr>
         <p:txBody>
-          <a:bodyPr/>
+          <a:bodyPr>
+            <a:normAutofit/>
+          </a:bodyPr>
           <a:lstStyle/>
           <a:p>
             <a:r>
-              <a:rPr lang="en-US" dirty="0"/>
-              <a:t>Project </a:t>
+              <a:rPr lang="en-US"/>
+              <a:t>Project Startride is a level-based FPS game that requires critical thinking to solve physics-based puzzles. This could include manipulating the environment to progress through AI encounters while trying to find the exit to the level.</a:t>
             </a:r>
-            <a:r>
-              <a:rPr lang="en-US" dirty="0" err="1"/>
-              <a:t>Startride</a:t>
-            </a:r>
-            <a:r>
-              <a:rPr lang="en-US" dirty="0"/>
-              <a:t> is an FPS game that uses  NEED TO TALK WITH GROUP ABOUT PROJECT DIRECTRION</a:t>
-            </a:r>
+            <a:endParaRPr lang="en-US" dirty="0"/>
           </a:p>
         </p:txBody>
       </p:sp>
@@ -6007,6 +10533,837 @@
 </file>
 
 <file path=ppt/slides/slide3.xml><?xml version="1.0" encoding="utf-8"?>
+<p:sld xmlns:a="http://schemas.openxmlformats.org/drawingml/2006/main" xmlns:r="http://schemas.openxmlformats.org/officeDocument/2006/relationships" xmlns:p="http://schemas.openxmlformats.org/presentationml/2006/main">
+  <p:cSld>
+    <p:bg>
+      <p:bgPr>
+        <a:blipFill rotWithShape="1">
+          <a:blip r:embed="rId2">
+            <a:duotone>
+              <a:schemeClr val="bg2">
+                <a:shade val="28000"/>
+                <a:satMod val="94000"/>
+                <a:lumMod val="20000"/>
+              </a:schemeClr>
+              <a:schemeClr val="bg2">
+                <a:tint val="94000"/>
+                <a:shade val="84000"/>
+                <a:satMod val="148000"/>
+                <a:lumMod val="114000"/>
+              </a:schemeClr>
+            </a:duotone>
+          </a:blip>
+          <a:stretch/>
+        </a:blipFill>
+        <a:effectLst/>
+      </p:bgPr>
+    </p:bg>
+    <p:spTree>
+      <p:nvGrpSpPr>
+        <p:cNvPr id="1" name=""/>
+        <p:cNvGrpSpPr/>
+        <p:nvPr/>
+      </p:nvGrpSpPr>
+      <p:grpSpPr>
+        <a:xfrm>
+          <a:off x="0" y="0"/>
+          <a:ext cx="0" cy="0"/>
+          <a:chOff x="0" y="0"/>
+          <a:chExt cx="0" cy="0"/>
+        </a:xfrm>
+      </p:grpSpPr>
+      <p:sp>
+        <p:nvSpPr>
+          <p:cNvPr id="8" name="Rectangle 7">
+            <a:extLst>
+              <a:ext uri="{FF2B5EF4-FFF2-40B4-BE49-F238E27FC236}">
+                <a16:creationId xmlns:a16="http://schemas.microsoft.com/office/drawing/2014/main" id="{5BBD3ED2-B0E6-45A2-ABD5-ECF31BC37C2E}"/>
+              </a:ext>
+              <a:ext uri="{C183D7F6-B498-43B3-948B-1728B52AA6E4}">
+                <adec:decorative xmlns:adec="http://schemas.microsoft.com/office/drawing/2017/decorative" val="1"/>
+              </a:ext>
+            </a:extLst>
+          </p:cNvPr>
+          <p:cNvSpPr>
+            <a:spLocks noGrp="1" noRot="1" noChangeAspect="1" noMove="1" noResize="1" noEditPoints="1" noAdjustHandles="1" noChangeArrowheads="1" noChangeShapeType="1" noTextEdit="1"/>
+          </p:cNvSpPr>
+          <p:nvPr>
+            <p:extLst>
+              <p:ext uri="{386F3935-93C4-4BCD-93E2-E3B085C9AB24}">
+                <p16:designElem xmlns:p16="http://schemas.microsoft.com/office/powerpoint/2015/main" val="1"/>
+              </p:ext>
+            </p:extLst>
+          </p:nvPr>
+        </p:nvSpPr>
+        <p:spPr>
+          <a:xfrm>
+            <a:off x="0" y="0"/>
+            <a:ext cx="12192000" cy="6858000"/>
+          </a:xfrm>
+          <a:prstGeom prst="rect">
+            <a:avLst/>
+          </a:prstGeom>
+          <a:solidFill>
+            <a:schemeClr val="bg2"/>
+          </a:solidFill>
+          <a:ln>
+            <a:noFill/>
+          </a:ln>
+        </p:spPr>
+        <p:style>
+          <a:lnRef idx="2">
+            <a:schemeClr val="accent1">
+              <a:shade val="50000"/>
+            </a:schemeClr>
+          </a:lnRef>
+          <a:fillRef idx="1">
+            <a:schemeClr val="accent1"/>
+          </a:fillRef>
+          <a:effectRef idx="0">
+            <a:schemeClr val="accent1"/>
+          </a:effectRef>
+          <a:fontRef idx="minor">
+            <a:schemeClr val="lt1"/>
+          </a:fontRef>
+        </p:style>
+        <p:txBody>
+          <a:bodyPr rtlCol="0" anchor="ctr"/>
+          <a:lstStyle/>
+          <a:p>
+            <a:pPr algn="ctr"/>
+            <a:endParaRPr lang="en-US"/>
+          </a:p>
+        </p:txBody>
+      </p:sp>
+      <p:sp>
+        <p:nvSpPr>
+          <p:cNvPr id="10" name="Rectangle 9">
+            <a:extLst>
+              <a:ext uri="{FF2B5EF4-FFF2-40B4-BE49-F238E27FC236}">
+                <a16:creationId xmlns:a16="http://schemas.microsoft.com/office/drawing/2014/main" id="{F2D2D1E8-4ABF-4B6B-B39D-40B080B61E49}"/>
+              </a:ext>
+              <a:ext uri="{C183D7F6-B498-43B3-948B-1728B52AA6E4}">
+                <adec:decorative xmlns:adec="http://schemas.microsoft.com/office/drawing/2017/decorative" val="1"/>
+              </a:ext>
+            </a:extLst>
+          </p:cNvPr>
+          <p:cNvSpPr>
+            <a:spLocks noGrp="1" noRot="1" noChangeAspect="1" noMove="1" noResize="1" noEditPoints="1" noAdjustHandles="1" noChangeArrowheads="1" noChangeShapeType="1" noTextEdit="1"/>
+          </p:cNvSpPr>
+          <p:nvPr>
+            <p:extLst>
+              <p:ext uri="{386F3935-93C4-4BCD-93E2-E3B085C9AB24}">
+                <p16:designElem xmlns:p16="http://schemas.microsoft.com/office/powerpoint/2015/main" val="1"/>
+              </p:ext>
+            </p:extLst>
+          </p:nvPr>
+        </p:nvSpPr>
+        <p:spPr>
+          <a:xfrm>
+            <a:off x="763160" y="0"/>
+            <a:ext cx="9369421" cy="6857999"/>
+          </a:xfrm>
+          <a:prstGeom prst="rect">
+            <a:avLst/>
+          </a:prstGeom>
+          <a:gradFill flip="none" rotWithShape="1">
+            <a:gsLst>
+              <a:gs pos="10000">
+                <a:schemeClr val="bg2">
+                  <a:lumMod val="60000"/>
+                  <a:lumOff val="40000"/>
+                  <a:alpha val="40000"/>
+                </a:schemeClr>
+              </a:gs>
+              <a:gs pos="70000">
+                <a:schemeClr val="bg2">
+                  <a:alpha val="0"/>
+                </a:schemeClr>
+              </a:gs>
+              <a:gs pos="0">
+                <a:schemeClr val="bg2">
+                  <a:lumMod val="40000"/>
+                  <a:lumOff val="60000"/>
+                  <a:alpha val="50000"/>
+                </a:schemeClr>
+              </a:gs>
+            </a:gsLst>
+            <a:path path="circle">
+              <a:fillToRect l="50000" t="50000" r="50000" b="50000"/>
+            </a:path>
+            <a:tileRect/>
+          </a:gradFill>
+          <a:ln>
+            <a:noFill/>
+          </a:ln>
+        </p:spPr>
+        <p:style>
+          <a:lnRef idx="2">
+            <a:schemeClr val="accent1">
+              <a:shade val="50000"/>
+            </a:schemeClr>
+          </a:lnRef>
+          <a:fillRef idx="1">
+            <a:schemeClr val="accent1"/>
+          </a:fillRef>
+          <a:effectRef idx="0">
+            <a:schemeClr val="accent1"/>
+          </a:effectRef>
+          <a:fontRef idx="minor">
+            <a:schemeClr val="lt1"/>
+          </a:fontRef>
+        </p:style>
+        <p:txBody>
+          <a:bodyPr rtlCol="0" anchor="ctr"/>
+          <a:lstStyle/>
+          <a:p>
+            <a:pPr algn="ctr"/>
+            <a:endParaRPr lang="en-US"/>
+          </a:p>
+        </p:txBody>
+      </p:sp>
+      <p:sp useBgFill="1">
+        <p:nvSpPr>
+          <p:cNvPr id="15" name="Freeform: Shape 11">
+            <a:extLst>
+              <a:ext uri="{FF2B5EF4-FFF2-40B4-BE49-F238E27FC236}">
+                <a16:creationId xmlns:a16="http://schemas.microsoft.com/office/drawing/2014/main" id="{BC7AB4B5-66A5-48D1-BD88-C60A16ED971B}"/>
+              </a:ext>
+              <a:ext uri="{C183D7F6-B498-43B3-948B-1728B52AA6E4}">
+                <adec:decorative xmlns:adec="http://schemas.microsoft.com/office/drawing/2017/decorative" val="1"/>
+              </a:ext>
+            </a:extLst>
+          </p:cNvPr>
+          <p:cNvSpPr>
+            <a:spLocks noGrp="1" noRot="1" noChangeAspect="1" noMove="1" noResize="1" noEditPoints="1" noAdjustHandles="1" noChangeArrowheads="1" noChangeShapeType="1" noTextEdit="1"/>
+          </p:cNvSpPr>
+          <p:nvPr>
+            <p:extLst>
+              <p:ext uri="{386F3935-93C4-4BCD-93E2-E3B085C9AB24}">
+                <p16:designElem xmlns:p16="http://schemas.microsoft.com/office/powerpoint/2015/main" val="1"/>
+              </p:ext>
+            </p:extLst>
+          </p:nvPr>
+        </p:nvSpPr>
+        <p:spPr>
+          <a:xfrm>
+            <a:off x="0" y="-2"/>
+            <a:ext cx="6088489" cy="6858002"/>
+          </a:xfrm>
+          <a:custGeom>
+            <a:avLst/>
+            <a:gdLst>
+              <a:gd name="connsiteX0" fmla="*/ 0 w 6088489"/>
+              <a:gd name="connsiteY0" fmla="*/ 0 h 6858002"/>
+              <a:gd name="connsiteX1" fmla="*/ 3563332 w 6088489"/>
+              <a:gd name="connsiteY1" fmla="*/ 0 h 6858002"/>
+              <a:gd name="connsiteX2" fmla="*/ 3563332 w 6088489"/>
+              <a:gd name="connsiteY2" fmla="*/ 3 h 6858002"/>
+              <a:gd name="connsiteX3" fmla="*/ 5842099 w 6088489"/>
+              <a:gd name="connsiteY3" fmla="*/ 3 h 6858002"/>
+              <a:gd name="connsiteX4" fmla="*/ 5842099 w 6088489"/>
+              <a:gd name="connsiteY4" fmla="*/ 4 h 6858002"/>
+              <a:gd name="connsiteX5" fmla="*/ 5835346 w 6088489"/>
+              <a:gd name="connsiteY5" fmla="*/ 4 h 6858002"/>
+              <a:gd name="connsiteX6" fmla="*/ 5841229 w 6088489"/>
+              <a:gd name="connsiteY6" fmla="*/ 40466 h 6858002"/>
+              <a:gd name="connsiteX7" fmla="*/ 5858543 w 6088489"/>
+              <a:gd name="connsiteY7" fmla="*/ 159110 h 6858002"/>
+              <a:gd name="connsiteX8" fmla="*/ 5870645 w 6088489"/>
+              <a:gd name="connsiteY8" fmla="*/ 245521 h 6858002"/>
+              <a:gd name="connsiteX9" fmla="*/ 5883420 w 6088489"/>
+              <a:gd name="connsiteY9" fmla="*/ 348391 h 6858002"/>
+              <a:gd name="connsiteX10" fmla="*/ 5898716 w 6088489"/>
+              <a:gd name="connsiteY10" fmla="*/ 470463 h 6858002"/>
+              <a:gd name="connsiteX11" fmla="*/ 5914853 w 6088489"/>
+              <a:gd name="connsiteY11" fmla="*/ 605566 h 6858002"/>
+              <a:gd name="connsiteX12" fmla="*/ 5931830 w 6088489"/>
+              <a:gd name="connsiteY12" fmla="*/ 757813 h 6858002"/>
+              <a:gd name="connsiteX13" fmla="*/ 5949815 w 6088489"/>
+              <a:gd name="connsiteY13" fmla="*/ 923777 h 6858002"/>
+              <a:gd name="connsiteX14" fmla="*/ 5967801 w 6088489"/>
+              <a:gd name="connsiteY14" fmla="*/ 1104142 h 6858002"/>
+              <a:gd name="connsiteX15" fmla="*/ 5986122 w 6088489"/>
+              <a:gd name="connsiteY15" fmla="*/ 1296166 h 6858002"/>
+              <a:gd name="connsiteX16" fmla="*/ 6003099 w 6088489"/>
+              <a:gd name="connsiteY16" fmla="*/ 1503278 h 6858002"/>
+              <a:gd name="connsiteX17" fmla="*/ 6019404 w 6088489"/>
+              <a:gd name="connsiteY17" fmla="*/ 1719991 h 6858002"/>
+              <a:gd name="connsiteX18" fmla="*/ 6034196 w 6088489"/>
+              <a:gd name="connsiteY18" fmla="*/ 1949048 h 6858002"/>
+              <a:gd name="connsiteX19" fmla="*/ 6048315 w 6088489"/>
+              <a:gd name="connsiteY19" fmla="*/ 2187706 h 6858002"/>
+              <a:gd name="connsiteX20" fmla="*/ 6061595 w 6088489"/>
+              <a:gd name="connsiteY20" fmla="*/ 2436652 h 6858002"/>
+              <a:gd name="connsiteX21" fmla="*/ 6066301 w 6088489"/>
+              <a:gd name="connsiteY21" fmla="*/ 2564211 h 6858002"/>
+              <a:gd name="connsiteX22" fmla="*/ 6071512 w 6088489"/>
+              <a:gd name="connsiteY22" fmla="*/ 2694512 h 6858002"/>
+              <a:gd name="connsiteX23" fmla="*/ 6076386 w 6088489"/>
+              <a:gd name="connsiteY23" fmla="*/ 2826871 h 6858002"/>
+              <a:gd name="connsiteX24" fmla="*/ 6079580 w 6088489"/>
+              <a:gd name="connsiteY24" fmla="*/ 2959917 h 6858002"/>
+              <a:gd name="connsiteX25" fmla="*/ 6082438 w 6088489"/>
+              <a:gd name="connsiteY25" fmla="*/ 3095705 h 6858002"/>
+              <a:gd name="connsiteX26" fmla="*/ 6085463 w 6088489"/>
+              <a:gd name="connsiteY26" fmla="*/ 3232865 h 6858002"/>
+              <a:gd name="connsiteX27" fmla="*/ 6087480 w 6088489"/>
+              <a:gd name="connsiteY27" fmla="*/ 3372768 h 6858002"/>
+              <a:gd name="connsiteX28" fmla="*/ 6087480 w 6088489"/>
+              <a:gd name="connsiteY28" fmla="*/ 3514043 h 6858002"/>
+              <a:gd name="connsiteX29" fmla="*/ 6088489 w 6088489"/>
+              <a:gd name="connsiteY29" fmla="*/ 3656689 h 6858002"/>
+              <a:gd name="connsiteX30" fmla="*/ 6087480 w 6088489"/>
+              <a:gd name="connsiteY30" fmla="*/ 3800707 h 6858002"/>
+              <a:gd name="connsiteX31" fmla="*/ 6085463 w 6088489"/>
+              <a:gd name="connsiteY31" fmla="*/ 3946783 h 6858002"/>
+              <a:gd name="connsiteX32" fmla="*/ 6083614 w 6088489"/>
+              <a:gd name="connsiteY32" fmla="*/ 4092858 h 6858002"/>
+              <a:gd name="connsiteX33" fmla="*/ 6079580 w 6088489"/>
+              <a:gd name="connsiteY33" fmla="*/ 4240991 h 6858002"/>
+              <a:gd name="connsiteX34" fmla="*/ 6075378 w 6088489"/>
+              <a:gd name="connsiteY34" fmla="*/ 4390495 h 6858002"/>
+              <a:gd name="connsiteX35" fmla="*/ 6070503 w 6088489"/>
+              <a:gd name="connsiteY35" fmla="*/ 4540000 h 6858002"/>
+              <a:gd name="connsiteX36" fmla="*/ 6063612 w 6088489"/>
+              <a:gd name="connsiteY36" fmla="*/ 4690876 h 6858002"/>
+              <a:gd name="connsiteX37" fmla="*/ 6055375 w 6088489"/>
+              <a:gd name="connsiteY37" fmla="*/ 4843123 h 6858002"/>
+              <a:gd name="connsiteX38" fmla="*/ 6047475 w 6088489"/>
+              <a:gd name="connsiteY38" fmla="*/ 4996057 h 6858002"/>
+              <a:gd name="connsiteX39" fmla="*/ 6037390 w 6088489"/>
+              <a:gd name="connsiteY39" fmla="*/ 5148990 h 6858002"/>
+              <a:gd name="connsiteX40" fmla="*/ 6025287 w 6088489"/>
+              <a:gd name="connsiteY40" fmla="*/ 5303981 h 6858002"/>
+              <a:gd name="connsiteX41" fmla="*/ 6013185 w 6088489"/>
+              <a:gd name="connsiteY41" fmla="*/ 5456914 h 6858002"/>
+              <a:gd name="connsiteX42" fmla="*/ 5999233 w 6088489"/>
+              <a:gd name="connsiteY42" fmla="*/ 5612591 h 6858002"/>
+              <a:gd name="connsiteX43" fmla="*/ 5983937 w 6088489"/>
+              <a:gd name="connsiteY43" fmla="*/ 5768953 h 6858002"/>
+              <a:gd name="connsiteX44" fmla="*/ 5967801 w 6088489"/>
+              <a:gd name="connsiteY44" fmla="*/ 5923258 h 6858002"/>
+              <a:gd name="connsiteX45" fmla="*/ 5948975 w 6088489"/>
+              <a:gd name="connsiteY45" fmla="*/ 6079621 h 6858002"/>
+              <a:gd name="connsiteX46" fmla="*/ 5928804 w 6088489"/>
+              <a:gd name="connsiteY46" fmla="*/ 6235297 h 6858002"/>
+              <a:gd name="connsiteX47" fmla="*/ 5908801 w 6088489"/>
+              <a:gd name="connsiteY47" fmla="*/ 6391660 h 6858002"/>
+              <a:gd name="connsiteX48" fmla="*/ 5885437 w 6088489"/>
+              <a:gd name="connsiteY48" fmla="*/ 6547336 h 6858002"/>
+              <a:gd name="connsiteX49" fmla="*/ 5861568 w 6088489"/>
+              <a:gd name="connsiteY49" fmla="*/ 6702327 h 6858002"/>
+              <a:gd name="connsiteX50" fmla="*/ 5836524 w 6088489"/>
+              <a:gd name="connsiteY50" fmla="*/ 6858002 h 6858002"/>
+              <a:gd name="connsiteX51" fmla="*/ 3563332 w 6088489"/>
+              <a:gd name="connsiteY51" fmla="*/ 6858002 h 6858002"/>
+              <a:gd name="connsiteX52" fmla="*/ 1223490 w 6088489"/>
+              <a:gd name="connsiteY52" fmla="*/ 6858002 h 6858002"/>
+              <a:gd name="connsiteX53" fmla="*/ 0 w 6088489"/>
+              <a:gd name="connsiteY53" fmla="*/ 6858002 h 6858002"/>
+            </a:gdLst>
+            <a:ahLst/>
+            <a:cxnLst>
+              <a:cxn ang="0">
+                <a:pos x="connsiteX0" y="connsiteY0"/>
+              </a:cxn>
+              <a:cxn ang="0">
+                <a:pos x="connsiteX1" y="connsiteY1"/>
+              </a:cxn>
+              <a:cxn ang="0">
+                <a:pos x="connsiteX2" y="connsiteY2"/>
+              </a:cxn>
+              <a:cxn ang="0">
+                <a:pos x="connsiteX3" y="connsiteY3"/>
+              </a:cxn>
+              <a:cxn ang="0">
+                <a:pos x="connsiteX4" y="connsiteY4"/>
+              </a:cxn>
+              <a:cxn ang="0">
+                <a:pos x="connsiteX5" y="connsiteY5"/>
+              </a:cxn>
+              <a:cxn ang="0">
+                <a:pos x="connsiteX6" y="connsiteY6"/>
+              </a:cxn>
+              <a:cxn ang="0">
+                <a:pos x="connsiteX7" y="connsiteY7"/>
+              </a:cxn>
+              <a:cxn ang="0">
+                <a:pos x="connsiteX8" y="connsiteY8"/>
+              </a:cxn>
+              <a:cxn ang="0">
+                <a:pos x="connsiteX9" y="connsiteY9"/>
+              </a:cxn>
+              <a:cxn ang="0">
+                <a:pos x="connsiteX10" y="connsiteY10"/>
+              </a:cxn>
+              <a:cxn ang="0">
+                <a:pos x="connsiteX11" y="connsiteY11"/>
+              </a:cxn>
+              <a:cxn ang="0">
+                <a:pos x="connsiteX12" y="connsiteY12"/>
+              </a:cxn>
+              <a:cxn ang="0">
+                <a:pos x="connsiteX13" y="connsiteY13"/>
+              </a:cxn>
+              <a:cxn ang="0">
+                <a:pos x="connsiteX14" y="connsiteY14"/>
+              </a:cxn>
+              <a:cxn ang="0">
+                <a:pos x="connsiteX15" y="connsiteY15"/>
+              </a:cxn>
+              <a:cxn ang="0">
+                <a:pos x="connsiteX16" y="connsiteY16"/>
+              </a:cxn>
+              <a:cxn ang="0">
+                <a:pos x="connsiteX17" y="connsiteY17"/>
+              </a:cxn>
+              <a:cxn ang="0">
+                <a:pos x="connsiteX18" y="connsiteY18"/>
+              </a:cxn>
+              <a:cxn ang="0">
+                <a:pos x="connsiteX19" y="connsiteY19"/>
+              </a:cxn>
+              <a:cxn ang="0">
+                <a:pos x="connsiteX20" y="connsiteY20"/>
+              </a:cxn>
+              <a:cxn ang="0">
+                <a:pos x="connsiteX21" y="connsiteY21"/>
+              </a:cxn>
+              <a:cxn ang="0">
+                <a:pos x="connsiteX22" y="connsiteY22"/>
+              </a:cxn>
+              <a:cxn ang="0">
+                <a:pos x="connsiteX23" y="connsiteY23"/>
+              </a:cxn>
+              <a:cxn ang="0">
+                <a:pos x="connsiteX24" y="connsiteY24"/>
+              </a:cxn>
+              <a:cxn ang="0">
+                <a:pos x="connsiteX25" y="connsiteY25"/>
+              </a:cxn>
+              <a:cxn ang="0">
+                <a:pos x="connsiteX26" y="connsiteY26"/>
+              </a:cxn>
+              <a:cxn ang="0">
+                <a:pos x="connsiteX27" y="connsiteY27"/>
+              </a:cxn>
+              <a:cxn ang="0">
+                <a:pos x="connsiteX28" y="connsiteY28"/>
+              </a:cxn>
+              <a:cxn ang="0">
+                <a:pos x="connsiteX29" y="connsiteY29"/>
+              </a:cxn>
+              <a:cxn ang="0">
+                <a:pos x="connsiteX30" y="connsiteY30"/>
+              </a:cxn>
+              <a:cxn ang="0">
+                <a:pos x="connsiteX31" y="connsiteY31"/>
+              </a:cxn>
+              <a:cxn ang="0">
+                <a:pos x="connsiteX32" y="connsiteY32"/>
+              </a:cxn>
+              <a:cxn ang="0">
+                <a:pos x="connsiteX33" y="connsiteY33"/>
+              </a:cxn>
+              <a:cxn ang="0">
+                <a:pos x="connsiteX34" y="connsiteY34"/>
+              </a:cxn>
+              <a:cxn ang="0">
+                <a:pos x="connsiteX35" y="connsiteY35"/>
+              </a:cxn>
+              <a:cxn ang="0">
+                <a:pos x="connsiteX36" y="connsiteY36"/>
+              </a:cxn>
+              <a:cxn ang="0">
+                <a:pos x="connsiteX37" y="connsiteY37"/>
+              </a:cxn>
+              <a:cxn ang="0">
+                <a:pos x="connsiteX38" y="connsiteY38"/>
+              </a:cxn>
+              <a:cxn ang="0">
+                <a:pos x="connsiteX39" y="connsiteY39"/>
+              </a:cxn>
+              <a:cxn ang="0">
+                <a:pos x="connsiteX40" y="connsiteY40"/>
+              </a:cxn>
+              <a:cxn ang="0">
+                <a:pos x="connsiteX41" y="connsiteY41"/>
+              </a:cxn>
+              <a:cxn ang="0">
+                <a:pos x="connsiteX42" y="connsiteY42"/>
+              </a:cxn>
+              <a:cxn ang="0">
+                <a:pos x="connsiteX43" y="connsiteY43"/>
+              </a:cxn>
+              <a:cxn ang="0">
+                <a:pos x="connsiteX44" y="connsiteY44"/>
+              </a:cxn>
+              <a:cxn ang="0">
+                <a:pos x="connsiteX45" y="connsiteY45"/>
+              </a:cxn>
+              <a:cxn ang="0">
+                <a:pos x="connsiteX46" y="connsiteY46"/>
+              </a:cxn>
+              <a:cxn ang="0">
+                <a:pos x="connsiteX47" y="connsiteY47"/>
+              </a:cxn>
+              <a:cxn ang="0">
+                <a:pos x="connsiteX48" y="connsiteY48"/>
+              </a:cxn>
+              <a:cxn ang="0">
+                <a:pos x="connsiteX49" y="connsiteY49"/>
+              </a:cxn>
+              <a:cxn ang="0">
+                <a:pos x="connsiteX50" y="connsiteY50"/>
+              </a:cxn>
+              <a:cxn ang="0">
+                <a:pos x="connsiteX51" y="connsiteY51"/>
+              </a:cxn>
+              <a:cxn ang="0">
+                <a:pos x="connsiteX52" y="connsiteY52"/>
+              </a:cxn>
+              <a:cxn ang="0">
+                <a:pos x="connsiteX53" y="connsiteY53"/>
+              </a:cxn>
+            </a:cxnLst>
+            <a:rect l="l" t="t" r="r" b="b"/>
+            <a:pathLst>
+              <a:path w="6088489" h="6858002">
+                <a:moveTo>
+                  <a:pt x="0" y="0"/>
+                </a:moveTo>
+                <a:lnTo>
+                  <a:pt x="3563332" y="0"/>
+                </a:lnTo>
+                <a:lnTo>
+                  <a:pt x="3563332" y="3"/>
+                </a:lnTo>
+                <a:lnTo>
+                  <a:pt x="5842099" y="3"/>
+                </a:lnTo>
+                <a:lnTo>
+                  <a:pt x="5842099" y="4"/>
+                </a:lnTo>
+                <a:lnTo>
+                  <a:pt x="5835346" y="4"/>
+                </a:lnTo>
+                <a:lnTo>
+                  <a:pt x="5841229" y="40466"/>
+                </a:lnTo>
+                <a:lnTo>
+                  <a:pt x="5858543" y="159110"/>
+                </a:lnTo>
+                <a:lnTo>
+                  <a:pt x="5870645" y="245521"/>
+                </a:lnTo>
+                <a:lnTo>
+                  <a:pt x="5883420" y="348391"/>
+                </a:lnTo>
+                <a:lnTo>
+                  <a:pt x="5898716" y="470463"/>
+                </a:lnTo>
+                <a:lnTo>
+                  <a:pt x="5914853" y="605566"/>
+                </a:lnTo>
+                <a:lnTo>
+                  <a:pt x="5931830" y="757813"/>
+                </a:lnTo>
+                <a:lnTo>
+                  <a:pt x="5949815" y="923777"/>
+                </a:lnTo>
+                <a:lnTo>
+                  <a:pt x="5967801" y="1104142"/>
+                </a:lnTo>
+                <a:lnTo>
+                  <a:pt x="5986122" y="1296166"/>
+                </a:lnTo>
+                <a:lnTo>
+                  <a:pt x="6003099" y="1503278"/>
+                </a:lnTo>
+                <a:lnTo>
+                  <a:pt x="6019404" y="1719991"/>
+                </a:lnTo>
+                <a:lnTo>
+                  <a:pt x="6034196" y="1949048"/>
+                </a:lnTo>
+                <a:lnTo>
+                  <a:pt x="6048315" y="2187706"/>
+                </a:lnTo>
+                <a:lnTo>
+                  <a:pt x="6061595" y="2436652"/>
+                </a:lnTo>
+                <a:lnTo>
+                  <a:pt x="6066301" y="2564211"/>
+                </a:lnTo>
+                <a:lnTo>
+                  <a:pt x="6071512" y="2694512"/>
+                </a:lnTo>
+                <a:lnTo>
+                  <a:pt x="6076386" y="2826871"/>
+                </a:lnTo>
+                <a:lnTo>
+                  <a:pt x="6079580" y="2959917"/>
+                </a:lnTo>
+                <a:lnTo>
+                  <a:pt x="6082438" y="3095705"/>
+                </a:lnTo>
+                <a:lnTo>
+                  <a:pt x="6085463" y="3232865"/>
+                </a:lnTo>
+                <a:lnTo>
+                  <a:pt x="6087480" y="3372768"/>
+                </a:lnTo>
+                <a:lnTo>
+                  <a:pt x="6087480" y="3514043"/>
+                </a:lnTo>
+                <a:lnTo>
+                  <a:pt x="6088489" y="3656689"/>
+                </a:lnTo>
+                <a:lnTo>
+                  <a:pt x="6087480" y="3800707"/>
+                </a:lnTo>
+                <a:lnTo>
+                  <a:pt x="6085463" y="3946783"/>
+                </a:lnTo>
+                <a:lnTo>
+                  <a:pt x="6083614" y="4092858"/>
+                </a:lnTo>
+                <a:lnTo>
+                  <a:pt x="6079580" y="4240991"/>
+                </a:lnTo>
+                <a:lnTo>
+                  <a:pt x="6075378" y="4390495"/>
+                </a:lnTo>
+                <a:lnTo>
+                  <a:pt x="6070503" y="4540000"/>
+                </a:lnTo>
+                <a:lnTo>
+                  <a:pt x="6063612" y="4690876"/>
+                </a:lnTo>
+                <a:lnTo>
+                  <a:pt x="6055375" y="4843123"/>
+                </a:lnTo>
+                <a:lnTo>
+                  <a:pt x="6047475" y="4996057"/>
+                </a:lnTo>
+                <a:lnTo>
+                  <a:pt x="6037390" y="5148990"/>
+                </a:lnTo>
+                <a:lnTo>
+                  <a:pt x="6025287" y="5303981"/>
+                </a:lnTo>
+                <a:lnTo>
+                  <a:pt x="6013185" y="5456914"/>
+                </a:lnTo>
+                <a:lnTo>
+                  <a:pt x="5999233" y="5612591"/>
+                </a:lnTo>
+                <a:lnTo>
+                  <a:pt x="5983937" y="5768953"/>
+                </a:lnTo>
+                <a:lnTo>
+                  <a:pt x="5967801" y="5923258"/>
+                </a:lnTo>
+                <a:lnTo>
+                  <a:pt x="5948975" y="6079621"/>
+                </a:lnTo>
+                <a:lnTo>
+                  <a:pt x="5928804" y="6235297"/>
+                </a:lnTo>
+                <a:lnTo>
+                  <a:pt x="5908801" y="6391660"/>
+                </a:lnTo>
+                <a:lnTo>
+                  <a:pt x="5885437" y="6547336"/>
+                </a:lnTo>
+                <a:lnTo>
+                  <a:pt x="5861568" y="6702327"/>
+                </a:lnTo>
+                <a:lnTo>
+                  <a:pt x="5836524" y="6858002"/>
+                </a:lnTo>
+                <a:lnTo>
+                  <a:pt x="3563332" y="6858002"/>
+                </a:lnTo>
+                <a:lnTo>
+                  <a:pt x="1223490" y="6858002"/>
+                </a:lnTo>
+                <a:lnTo>
+                  <a:pt x="0" y="6858002"/>
+                </a:lnTo>
+                <a:close/>
+              </a:path>
+            </a:pathLst>
+          </a:custGeom>
+          <a:ln w="44450">
+            <a:gradFill>
+              <a:gsLst>
+                <a:gs pos="5000">
+                  <a:schemeClr val="bg2">
+                    <a:alpha val="65000"/>
+                  </a:schemeClr>
+                </a:gs>
+                <a:gs pos="98000">
+                  <a:schemeClr val="bg2">
+                    <a:lumMod val="75000"/>
+                    <a:alpha val="55000"/>
+                  </a:schemeClr>
+                </a:gs>
+              </a:gsLst>
+              <a:lin ang="5400000" scaled="1"/>
+            </a:gradFill>
+          </a:ln>
+          <a:effectLst>
+            <a:outerShdw blurRad="50800" dist="25400" algn="l" rotWithShape="0">
+              <a:prstClr val="black">
+                <a:alpha val="60000"/>
+              </a:prstClr>
+            </a:outerShdw>
+          </a:effectLst>
+        </p:spPr>
+        <p:style>
+          <a:lnRef idx="2">
+            <a:schemeClr val="accent1">
+              <a:shade val="50000"/>
+            </a:schemeClr>
+          </a:lnRef>
+          <a:fillRef idx="1">
+            <a:schemeClr val="accent1"/>
+          </a:fillRef>
+          <a:effectRef idx="0">
+            <a:schemeClr val="accent1"/>
+          </a:effectRef>
+          <a:fontRef idx="minor">
+            <a:schemeClr val="lt1"/>
+          </a:fontRef>
+        </p:style>
+        <p:txBody>
+          <a:bodyPr rtlCol="0" anchor="ctr"/>
+          <a:lstStyle/>
+          <a:p>
+            <a:pPr algn="ctr"/>
+            <a:endParaRPr lang="en-US"/>
+          </a:p>
+        </p:txBody>
+      </p:sp>
+      <p:sp>
+        <p:nvSpPr>
+          <p:cNvPr id="2" name="Title 1">
+            <a:extLst>
+              <a:ext uri="{FF2B5EF4-FFF2-40B4-BE49-F238E27FC236}">
+                <a16:creationId xmlns:a16="http://schemas.microsoft.com/office/drawing/2014/main" id="{C180DD5B-4FEA-4A0E-8C6A-420283589CD7}"/>
+              </a:ext>
+            </a:extLst>
+          </p:cNvPr>
+          <p:cNvSpPr>
+            <a:spLocks noGrp="1"/>
+          </p:cNvSpPr>
+          <p:nvPr>
+            <p:ph type="title"/>
+          </p:nvPr>
+        </p:nvSpPr>
+        <p:spPr>
+          <a:xfrm>
+            <a:off x="962022" y="643467"/>
+            <a:ext cx="4340023" cy="5571064"/>
+          </a:xfrm>
+        </p:spPr>
+        <p:txBody>
+          <a:bodyPr anchor="ctr">
+            <a:normAutofit/>
+          </a:bodyPr>
+          <a:lstStyle/>
+          <a:p>
+            <a:r>
+              <a:rPr lang="en-US" sz="4400"/>
+              <a:t>Items to DO</a:t>
+            </a:r>
+          </a:p>
+        </p:txBody>
+      </p:sp>
+      <p:sp>
+        <p:nvSpPr>
+          <p:cNvPr id="3" name="Content Placeholder 2">
+            <a:extLst>
+              <a:ext uri="{FF2B5EF4-FFF2-40B4-BE49-F238E27FC236}">
+                <a16:creationId xmlns:a16="http://schemas.microsoft.com/office/drawing/2014/main" id="{1B562B47-57A2-4987-A031-F3515999E2B6}"/>
+              </a:ext>
+            </a:extLst>
+          </p:cNvPr>
+          <p:cNvSpPr>
+            <a:spLocks noGrp="1"/>
+          </p:cNvSpPr>
+          <p:nvPr>
+            <p:ph idx="1"/>
+          </p:nvPr>
+        </p:nvSpPr>
+        <p:spPr>
+          <a:xfrm>
+            <a:off x="6708499" y="643467"/>
+            <a:ext cx="4521480" cy="5571064"/>
+          </a:xfrm>
+        </p:spPr>
+        <p:txBody>
+          <a:bodyPr>
+            <a:normAutofit/>
+          </a:bodyPr>
+          <a:lstStyle/>
+          <a:p>
+            <a:r>
+              <a:rPr lang="en-US" dirty="0"/>
+              <a:t>Textures</a:t>
+            </a:r>
+          </a:p>
+          <a:p>
+            <a:r>
+              <a:rPr lang="en-US" dirty="0"/>
+              <a:t>Character Models</a:t>
+            </a:r>
+          </a:p>
+          <a:p>
+            <a:r>
+              <a:rPr lang="en-US" dirty="0"/>
+              <a:t>Static Obstacle Creation</a:t>
+            </a:r>
+          </a:p>
+          <a:p>
+            <a:r>
+              <a:rPr lang="en-US" dirty="0"/>
+              <a:t>Programming Physics Interaction</a:t>
+            </a:r>
+          </a:p>
+          <a:p>
+            <a:r>
+              <a:rPr lang="en-US" dirty="0"/>
+              <a:t>Unreal Engine Mastery</a:t>
+            </a:r>
+          </a:p>
+          <a:p>
+            <a:r>
+              <a:rPr lang="en-US" dirty="0"/>
+              <a:t>Weapon Physics (Contributes to character movement)</a:t>
+            </a:r>
+          </a:p>
+          <a:p>
+            <a:endParaRPr lang="en-US" dirty="0"/>
+          </a:p>
+        </p:txBody>
+      </p:sp>
+    </p:spTree>
+    <p:extLst>
+      <p:ext uri="{BB962C8B-B14F-4D97-AF65-F5344CB8AC3E}">
+        <p14:creationId xmlns:p14="http://schemas.microsoft.com/office/powerpoint/2010/main" val="2820560615"/>
+      </p:ext>
+    </p:extLst>
+  </p:cSld>
+  <p:clrMapOvr>
+    <a:masterClrMapping/>
+  </p:clrMapOvr>
+</p:sld>
+</file>
+
+<file path=ppt/slides/slide4.xml><?xml version="1.0" encoding="utf-8"?>
 <p:sld xmlns:a="http://schemas.openxmlformats.org/drawingml/2006/main" xmlns:r="http://schemas.openxmlformats.org/officeDocument/2006/relationships" xmlns:p="http://schemas.openxmlformats.org/presentationml/2006/main">
   <p:cSld>
     <p:spTree>
@@ -6028,7 +11385,7 @@
           <p:cNvPr id="2" name="Title 1">
             <a:extLst>
               <a:ext uri="{FF2B5EF4-FFF2-40B4-BE49-F238E27FC236}">
-                <a16:creationId xmlns:a16="http://schemas.microsoft.com/office/drawing/2014/main" id="{C180DD5B-4FEA-4A0E-8C6A-420283589CD7}"/>
+                <a16:creationId xmlns:a16="http://schemas.microsoft.com/office/drawing/2014/main" id="{BDEB3658-5D15-4638-9FF3-498C14F25CED}"/>
               </a:ext>
             </a:extLst>
           </p:cNvPr>
@@ -6046,17 +11403,375 @@
           <a:p>
             <a:r>
               <a:rPr lang="en-US" dirty="0"/>
-              <a:t>Items to DO</a:t>
+              <a:t>Weapon Physics Demo</a:t>
             </a:r>
+          </a:p>
+        </p:txBody>
+      </p:sp>
+      <p:pic>
+        <p:nvPicPr>
+          <p:cNvPr id="5" name="Online Media 4" title="Halo Except It's Incredibly Cursed">
+            <a:hlinkClick r:id="" action="ppaction://media"/>
+            <a:extLst>
+              <a:ext uri="{FF2B5EF4-FFF2-40B4-BE49-F238E27FC236}">
+                <a16:creationId xmlns:a16="http://schemas.microsoft.com/office/drawing/2014/main" id="{543D69C6-1A6C-4F29-8728-56BD55813D53}"/>
+              </a:ext>
+            </a:extLst>
+          </p:cNvPr>
+          <p:cNvPicPr>
+            <a:picLocks noGrp="1" noRot="1" noChangeAspect="1"/>
+          </p:cNvPicPr>
+          <p:nvPr>
+            <p:ph idx="1"/>
+            <a:videoFile r:link="rId1"/>
+          </p:nvPr>
+        </p:nvPicPr>
+        <p:blipFill>
+          <a:blip r:embed="rId3"/>
+          <a:stretch>
+            <a:fillRect/>
+          </a:stretch>
+        </p:blipFill>
+        <p:spPr>
+          <a:xfrm>
+            <a:off x="5103813" y="1522413"/>
+            <a:ext cx="5943600" cy="3357562"/>
+          </a:xfrm>
+          <a:prstGeom prst="rect">
+            <a:avLst/>
+          </a:prstGeom>
+        </p:spPr>
+      </p:pic>
+    </p:spTree>
+    <p:extLst>
+      <p:ext uri="{BB962C8B-B14F-4D97-AF65-F5344CB8AC3E}">
+        <p14:creationId xmlns:p14="http://schemas.microsoft.com/office/powerpoint/2010/main" val="2896596626"/>
+      </p:ext>
+    </p:extLst>
+  </p:cSld>
+  <p:clrMapOvr>
+    <a:masterClrMapping/>
+  </p:clrMapOvr>
+  <p:timing>
+    <p:tnLst>
+      <p:par>
+        <p:cTn id="1" dur="indefinite" restart="never" nodeType="tmRoot">
+          <p:childTnLst>
+            <p:seq concurrent="1" nextAc="seek">
+              <p:cTn id="2" dur="indefinite" nodeType="mainSeq">
+                <p:childTnLst>
+                  <p:par>
+                    <p:cTn id="3" fill="hold">
+                      <p:stCondLst>
+                        <p:cond delay="indefinite"/>
+                      </p:stCondLst>
+                      <p:childTnLst>
+                        <p:par>
+                          <p:cTn id="4" fill="hold">
+                            <p:stCondLst>
+                              <p:cond delay="0"/>
+                            </p:stCondLst>
+                            <p:childTnLst>
+                              <p:par>
+                                <p:cTn id="5" presetID="1" presetClass="mediacall" presetSubtype="0" fill="hold" nodeType="clickEffect">
+                                  <p:stCondLst>
+                                    <p:cond delay="0"/>
+                                  </p:stCondLst>
+                                  <p:childTnLst>
+                                    <p:cmd type="call" cmd="playFrom(0.0)">
+                                      <p:cBhvr>
+                                        <p:cTn id="6" dur="1" fill="hold"/>
+                                        <p:tgtEl>
+                                          <p:spTgt spid="5"/>
+                                        </p:tgtEl>
+                                      </p:cBhvr>
+                                    </p:cmd>
+                                  </p:childTnLst>
+                                </p:cTn>
+                              </p:par>
+                            </p:childTnLst>
+                          </p:cTn>
+                        </p:par>
+                      </p:childTnLst>
+                    </p:cTn>
+                  </p:par>
+                </p:childTnLst>
+              </p:cTn>
+              <p:prevCondLst>
+                <p:cond evt="onPrev" delay="0">
+                  <p:tgtEl>
+                    <p:sldTgt/>
+                  </p:tgtEl>
+                </p:cond>
+              </p:prevCondLst>
+              <p:nextCondLst>
+                <p:cond evt="onNext" delay="0">
+                  <p:tgtEl>
+                    <p:sldTgt/>
+                  </p:tgtEl>
+                </p:cond>
+              </p:nextCondLst>
+            </p:seq>
+            <p:video>
+              <p:cMediaNode vol="80000">
+                <p:cTn id="7" fill="hold" display="0">
+                  <p:stCondLst>
+                    <p:cond delay="indefinite"/>
+                  </p:stCondLst>
+                </p:cTn>
+                <p:tgtEl>
+                  <p:spTgt spid="5"/>
+                </p:tgtEl>
+              </p:cMediaNode>
+            </p:video>
+            <p:seq concurrent="1" nextAc="seek">
+              <p:cTn id="8" restart="whenNotActive" fill="hold" evtFilter="cancelBubble" nodeType="interactiveSeq">
+                <p:stCondLst>
+                  <p:cond evt="onClick" delay="0">
+                    <p:tgtEl>
+                      <p:spTgt spid="5"/>
+                    </p:tgtEl>
+                  </p:cond>
+                </p:stCondLst>
+                <p:endSync evt="end" delay="0">
+                  <p:rtn val="all"/>
+                </p:endSync>
+                <p:childTnLst>
+                  <p:par>
+                    <p:cTn id="9" fill="hold">
+                      <p:stCondLst>
+                        <p:cond delay="0"/>
+                      </p:stCondLst>
+                      <p:childTnLst>
+                        <p:par>
+                          <p:cTn id="10" fill="hold">
+                            <p:stCondLst>
+                              <p:cond delay="0"/>
+                            </p:stCondLst>
+                            <p:childTnLst>
+                              <p:par>
+                                <p:cTn id="11" presetID="2" presetClass="mediacall" presetSubtype="0" fill="hold" nodeType="clickEffect">
+                                  <p:stCondLst>
+                                    <p:cond delay="0"/>
+                                  </p:stCondLst>
+                                  <p:childTnLst>
+                                    <p:cmd type="call" cmd="togglePause">
+                                      <p:cBhvr>
+                                        <p:cTn id="12" dur="1" fill="hold"/>
+                                        <p:tgtEl>
+                                          <p:spTgt spid="5"/>
+                                        </p:tgtEl>
+                                      </p:cBhvr>
+                                    </p:cmd>
+                                  </p:childTnLst>
+                                </p:cTn>
+                              </p:par>
+                            </p:childTnLst>
+                          </p:cTn>
+                        </p:par>
+                      </p:childTnLst>
+                    </p:cTn>
+                  </p:par>
+                </p:childTnLst>
+              </p:cTn>
+              <p:nextCondLst>
+                <p:cond evt="onClick" delay="0">
+                  <p:tgtEl>
+                    <p:spTgt spid="5"/>
+                  </p:tgtEl>
+                </p:cond>
+              </p:nextCondLst>
+            </p:seq>
+          </p:childTnLst>
+        </p:cTn>
+      </p:par>
+    </p:tnLst>
+  </p:timing>
+</p:sld>
+</file>
+
+<file path=ppt/slides/slide5.xml><?xml version="1.0" encoding="utf-8"?>
+<p:sld xmlns:a="http://schemas.openxmlformats.org/drawingml/2006/main" xmlns:r="http://schemas.openxmlformats.org/officeDocument/2006/relationships" xmlns:p="http://schemas.openxmlformats.org/presentationml/2006/main">
+  <p:cSld>
+    <p:bg>
+      <p:bgPr>
+        <a:blipFill rotWithShape="1">
+          <a:blip r:embed="rId2">
+            <a:duotone>
+              <a:schemeClr val="bg2">
+                <a:shade val="28000"/>
+                <a:satMod val="94000"/>
+                <a:lumMod val="20000"/>
+              </a:schemeClr>
+              <a:schemeClr val="bg2">
+                <a:tint val="94000"/>
+                <a:shade val="84000"/>
+                <a:satMod val="148000"/>
+                <a:lumMod val="114000"/>
+              </a:schemeClr>
+            </a:duotone>
+          </a:blip>
+          <a:stretch/>
+        </a:blipFill>
+        <a:effectLst/>
+      </p:bgPr>
+    </p:bg>
+    <p:spTree>
+      <p:nvGrpSpPr>
+        <p:cNvPr id="1" name=""/>
+        <p:cNvGrpSpPr/>
+        <p:nvPr/>
+      </p:nvGrpSpPr>
+      <p:grpSpPr>
+        <a:xfrm>
+          <a:off x="0" y="0"/>
+          <a:ext cx="0" cy="0"/>
+          <a:chOff x="0" y="0"/>
+          <a:chExt cx="0" cy="0"/>
+        </a:xfrm>
+      </p:grpSpPr>
+      <p:sp>
+        <p:nvSpPr>
+          <p:cNvPr id="11" name="Rectangle 10">
+            <a:extLst>
+              <a:ext uri="{FF2B5EF4-FFF2-40B4-BE49-F238E27FC236}">
+                <a16:creationId xmlns:a16="http://schemas.microsoft.com/office/drawing/2014/main" id="{C9B44886-047B-4C3D-B24D-40372BAF672C}"/>
+              </a:ext>
+              <a:ext uri="{C183D7F6-B498-43B3-948B-1728B52AA6E4}">
+                <adec:decorative xmlns:adec="http://schemas.microsoft.com/office/drawing/2017/decorative" val="1"/>
+              </a:ext>
+            </a:extLst>
+          </p:cNvPr>
+          <p:cNvSpPr>
+            <a:spLocks noGrp="1" noRot="1" noChangeAspect="1" noMove="1" noResize="1" noEditPoints="1" noAdjustHandles="1" noChangeArrowheads="1" noChangeShapeType="1" noTextEdit="1"/>
+          </p:cNvSpPr>
+          <p:nvPr>
+            <p:extLst>
+              <p:ext uri="{386F3935-93C4-4BCD-93E2-E3B085C9AB24}">
+                <p16:designElem xmlns:p16="http://schemas.microsoft.com/office/powerpoint/2015/main" val="1"/>
+              </p:ext>
+            </p:extLst>
+          </p:nvPr>
+        </p:nvSpPr>
+        <p:spPr>
+          <a:xfrm>
+            <a:off x="0" y="-3"/>
+            <a:ext cx="12192000" cy="4373743"/>
+          </a:xfrm>
+          <a:prstGeom prst="rect">
+            <a:avLst/>
+          </a:prstGeom>
+          <a:solidFill>
+            <a:schemeClr val="bg2"/>
+          </a:solidFill>
+          <a:ln>
+            <a:noFill/>
+          </a:ln>
+          <a:effectLst/>
+        </p:spPr>
+        <p:style>
+          <a:lnRef idx="2">
+            <a:schemeClr val="accent1">
+              <a:shade val="50000"/>
+            </a:schemeClr>
+          </a:lnRef>
+          <a:fillRef idx="1">
+            <a:schemeClr val="accent1"/>
+          </a:fillRef>
+          <a:effectRef idx="0">
+            <a:schemeClr val="accent1"/>
+          </a:effectRef>
+          <a:fontRef idx="minor">
+            <a:schemeClr val="lt1"/>
+          </a:fontRef>
+        </p:style>
+        <p:txBody>
+          <a:bodyPr rot="0" spcFirstLastPara="0" vertOverflow="overflow" horzOverflow="overflow" vert="horz" wrap="square" lIns="91440" tIns="45720" rIns="91440" bIns="45720" numCol="1" spcCol="0" rtlCol="0" fromWordArt="0" anchor="ctr" anchorCtr="0" forceAA="0" compatLnSpc="1">
+            <a:prstTxWarp prst="textNoShape">
+              <a:avLst/>
+            </a:prstTxWarp>
+            <a:noAutofit/>
+          </a:bodyPr>
+          <a:lstStyle/>
+          <a:p>
+            <a:pPr algn="ctr"/>
+            <a:endParaRPr lang="en-US"/>
+          </a:p>
+        </p:txBody>
+      </p:sp>
+      <p:sp useBgFill="1">
+        <p:nvSpPr>
+          <p:cNvPr id="13" name="Rectangle 12">
+            <a:extLst>
+              <a:ext uri="{FF2B5EF4-FFF2-40B4-BE49-F238E27FC236}">
+                <a16:creationId xmlns:a16="http://schemas.microsoft.com/office/drawing/2014/main" id="{C69F3D2E-2D8E-4CC9-A453-44EB58CF1067}"/>
+              </a:ext>
+              <a:ext uri="{C183D7F6-B498-43B3-948B-1728B52AA6E4}">
+                <adec:decorative xmlns:adec="http://schemas.microsoft.com/office/drawing/2017/decorative" val="1"/>
+              </a:ext>
+            </a:extLst>
+          </p:cNvPr>
+          <p:cNvSpPr>
+            <a:spLocks noGrp="1" noRot="1" noChangeAspect="1" noMove="1" noResize="1" noEditPoints="1" noAdjustHandles="1" noChangeArrowheads="1" noChangeShapeType="1" noTextEdit="1"/>
+          </p:cNvSpPr>
+          <p:nvPr>
+            <p:extLst>
+              <p:ext uri="{386F3935-93C4-4BCD-93E2-E3B085C9AB24}">
+                <p16:designElem xmlns:p16="http://schemas.microsoft.com/office/powerpoint/2015/main" val="1"/>
+              </p:ext>
+            </p:extLst>
+          </p:nvPr>
+        </p:nvSpPr>
+        <p:spPr>
+          <a:xfrm>
+            <a:off x="5270" y="4462271"/>
+            <a:ext cx="12192000" cy="2395728"/>
+          </a:xfrm>
+          <a:prstGeom prst="rect">
+            <a:avLst/>
+          </a:prstGeom>
+          <a:ln>
+            <a:noFill/>
+          </a:ln>
+          <a:effectLst>
+            <a:innerShdw blurRad="63500" dist="50800" dir="5400000">
+              <a:prstClr val="black">
+                <a:alpha val="50000"/>
+              </a:prstClr>
+            </a:innerShdw>
+          </a:effectLst>
+        </p:spPr>
+        <p:style>
+          <a:lnRef idx="2">
+            <a:schemeClr val="accent1">
+              <a:shade val="50000"/>
+            </a:schemeClr>
+          </a:lnRef>
+          <a:fillRef idx="1">
+            <a:schemeClr val="accent1"/>
+          </a:fillRef>
+          <a:effectRef idx="0">
+            <a:schemeClr val="accent1"/>
+          </a:effectRef>
+          <a:fontRef idx="minor">
+            <a:schemeClr val="lt1"/>
+          </a:fontRef>
+        </p:style>
+        <p:txBody>
+          <a:bodyPr rtlCol="0" anchor="ctr"/>
+          <a:lstStyle/>
+          <a:p>
+            <a:pPr algn="ctr"/>
+            <a:endParaRPr lang="en-US"/>
           </a:p>
         </p:txBody>
       </p:sp>
       <p:sp>
         <p:nvSpPr>
-          <p:cNvPr id="3" name="Content Placeholder 2">
+          <p:cNvPr id="4" name="Title 3">
             <a:extLst>
               <a:ext uri="{FF2B5EF4-FFF2-40B4-BE49-F238E27FC236}">
-                <a16:creationId xmlns:a16="http://schemas.microsoft.com/office/drawing/2014/main" id="{1B562B47-57A2-4987-A031-F3515999E2B6}"/>
+                <a16:creationId xmlns:a16="http://schemas.microsoft.com/office/drawing/2014/main" id="{DD64D155-1F01-40F3-BBBD-23126BE5700B}"/>
               </a:ext>
             </a:extLst>
           </p:cNvPr>
@@ -6064,65 +11779,458 @@
             <a:spLocks noGrp="1"/>
           </p:cNvSpPr>
           <p:nvPr>
-            <p:ph idx="1"/>
+            <p:ph type="title"/>
           </p:nvPr>
         </p:nvSpPr>
-        <p:spPr/>
+        <p:spPr>
+          <a:xfrm>
+            <a:off x="1141413" y="4707635"/>
+            <a:ext cx="9905998" cy="1087109"/>
+          </a:xfrm>
+        </p:spPr>
         <p:txBody>
-          <a:bodyPr/>
+          <a:bodyPr anchor="t">
+            <a:normAutofit/>
+          </a:bodyPr>
           <a:lstStyle/>
           <a:p>
             <a:r>
-              <a:rPr lang="en-US" dirty="0"/>
-              <a:t>Textures</a:t>
+              <a:rPr lang="en-US" sz="3600"/>
+              <a:t>Timeline</a:t>
             </a:r>
-          </a:p>
-          <a:p>
-            <a:r>
-              <a:rPr lang="en-US" dirty="0"/>
-              <a:t>Character Models</a:t>
-            </a:r>
-          </a:p>
-          <a:p>
-            <a:r>
-              <a:rPr lang="en-US" dirty="0"/>
-              <a:t>Static Obstacle Creation</a:t>
-            </a:r>
-          </a:p>
-          <a:p>
-            <a:r>
-              <a:rPr lang="en-US" dirty="0"/>
-              <a:t>Programming Physics Interaction</a:t>
-            </a:r>
-          </a:p>
-          <a:p>
-            <a:r>
-              <a:rPr lang="en-US" dirty="0"/>
-              <a:t>Unreal </a:t>
-            </a:r>
-            <a:r>
-              <a:rPr lang="en-US"/>
-              <a:t>Engine Mastery</a:t>
-            </a:r>
-          </a:p>
-          <a:p>
-            <a:endParaRPr lang="en-US" dirty="0"/>
-          </a:p>
-          <a:p>
-            <a:endParaRPr lang="en-US" dirty="0"/>
           </a:p>
         </p:txBody>
       </p:sp>
+      <p:cxnSp>
+        <p:nvCxnSpPr>
+          <p:cNvPr id="15" name="Straight Connector 14">
+            <a:extLst>
+              <a:ext uri="{FF2B5EF4-FFF2-40B4-BE49-F238E27FC236}">
+                <a16:creationId xmlns:a16="http://schemas.microsoft.com/office/drawing/2014/main" id="{56319A8F-DEC0-498D-AD34-743F1F874155}"/>
+              </a:ext>
+              <a:ext uri="{C183D7F6-B498-43B3-948B-1728B52AA6E4}">
+                <adec:decorative xmlns:adec="http://schemas.microsoft.com/office/drawing/2017/decorative" val="1"/>
+              </a:ext>
+            </a:extLst>
+          </p:cNvPr>
+          <p:cNvCxnSpPr>
+            <a:cxnSpLocks noGrp="1" noRot="1" noChangeAspect="1" noMove="1" noResize="1" noEditPoints="1" noAdjustHandles="1" noChangeArrowheads="1" noChangeShapeType="1"/>
+          </p:cNvCxnSpPr>
+          <p:nvPr>
+            <p:extLst>
+              <p:ext uri="{386F3935-93C4-4BCD-93E2-E3B085C9AB24}">
+                <p16:designElem xmlns:p16="http://schemas.microsoft.com/office/powerpoint/2015/main" val="1"/>
+              </p:ext>
+            </p:extLst>
+          </p:nvPr>
+        </p:nvCxnSpPr>
+        <p:spPr>
+          <a:xfrm>
+            <a:off x="3048" y="4373740"/>
+            <a:ext cx="12188952" cy="0"/>
+          </a:xfrm>
+          <a:prstGeom prst="line">
+            <a:avLst/>
+          </a:prstGeom>
+          <a:solidFill>
+            <a:srgbClr val="FFFFFF"/>
+          </a:solidFill>
+          <a:ln w="38100" cap="flat">
+            <a:gradFill flip="none" rotWithShape="1">
+              <a:gsLst>
+                <a:gs pos="0">
+                  <a:srgbClr val="363D46"/>
+                </a:gs>
+                <a:gs pos="100000">
+                  <a:srgbClr val="363D46">
+                    <a:lumMod val="75000"/>
+                  </a:srgbClr>
+                </a:gs>
+              </a:gsLst>
+              <a:lin ang="5400000" scaled="0"/>
+              <a:tileRect/>
+            </a:gradFill>
+            <a:miter lim="800000"/>
+          </a:ln>
+          <a:effectLst>
+            <a:innerShdw blurRad="57150" dist="38100" dir="14460000">
+              <a:srgbClr val="000000">
+                <a:alpha val="70000"/>
+              </a:srgbClr>
+            </a:innerShdw>
+          </a:effectLst>
+        </p:spPr>
+        <p:style>
+          <a:lnRef idx="2">
+            <a:schemeClr val="accent1">
+              <a:shade val="50000"/>
+            </a:schemeClr>
+          </a:lnRef>
+          <a:fillRef idx="1">
+            <a:schemeClr val="accent1"/>
+          </a:fillRef>
+          <a:effectRef idx="0">
+            <a:schemeClr val="accent1"/>
+          </a:effectRef>
+          <a:fontRef idx="minor">
+            <a:schemeClr val="lt1"/>
+          </a:fontRef>
+        </p:style>
+      </p:cxnSp>
+      <p:sp>
+        <p:nvSpPr>
+          <p:cNvPr id="17" name="Rectangle 16">
+            <a:extLst>
+              <a:ext uri="{FF2B5EF4-FFF2-40B4-BE49-F238E27FC236}">
+                <a16:creationId xmlns:a16="http://schemas.microsoft.com/office/drawing/2014/main" id="{7D96F023-07C3-410F-8214-C77FAA8E7ED8}"/>
+              </a:ext>
+              <a:ext uri="{C183D7F6-B498-43B3-948B-1728B52AA6E4}">
+                <adec:decorative xmlns:adec="http://schemas.microsoft.com/office/drawing/2017/decorative" val="1"/>
+              </a:ext>
+            </a:extLst>
+          </p:cNvPr>
+          <p:cNvSpPr>
+            <a:spLocks noGrp="1" noRot="1" noChangeAspect="1" noMove="1" noResize="1" noEditPoints="1" noAdjustHandles="1" noChangeArrowheads="1" noChangeShapeType="1" noTextEdit="1"/>
+          </p:cNvSpPr>
+          <p:nvPr>
+            <p:extLst>
+              <p:ext uri="{386F3935-93C4-4BCD-93E2-E3B085C9AB24}">
+                <p16:designElem xmlns:p16="http://schemas.microsoft.com/office/powerpoint/2015/main" val="1"/>
+              </p:ext>
+            </p:extLst>
+          </p:nvPr>
+        </p:nvSpPr>
+        <p:spPr>
+          <a:xfrm>
+            <a:off x="5270" y="3907334"/>
+            <a:ext cx="12192000" cy="466406"/>
+          </a:xfrm>
+          <a:prstGeom prst="rect">
+            <a:avLst/>
+          </a:prstGeom>
+          <a:gradFill>
+            <a:gsLst>
+              <a:gs pos="0">
+                <a:srgbClr val="363D46"/>
+              </a:gs>
+              <a:gs pos="100000">
+                <a:srgbClr val="363D46">
+                  <a:lumMod val="75000"/>
+                </a:srgbClr>
+              </a:gs>
+            </a:gsLst>
+            <a:lin ang="5400000" scaled="0"/>
+          </a:gradFill>
+          <a:ln>
+            <a:noFill/>
+          </a:ln>
+          <a:effectLst/>
+        </p:spPr>
+        <p:style>
+          <a:lnRef idx="2">
+            <a:schemeClr val="accent1">
+              <a:shade val="50000"/>
+            </a:schemeClr>
+          </a:lnRef>
+          <a:fillRef idx="1">
+            <a:schemeClr val="accent1"/>
+          </a:fillRef>
+          <a:effectRef idx="0">
+            <a:schemeClr val="accent1"/>
+          </a:effectRef>
+          <a:fontRef idx="minor">
+            <a:schemeClr val="lt1"/>
+          </a:fontRef>
+        </p:style>
+        <p:txBody>
+          <a:bodyPr rot="0" spcFirstLastPara="0" vertOverflow="overflow" horzOverflow="overflow" vert="horz" wrap="square" lIns="91440" tIns="45720" rIns="91440" bIns="45720" numCol="1" spcCol="0" rtlCol="0" fromWordArt="0" anchor="ctr" anchorCtr="0" forceAA="0" compatLnSpc="1">
+            <a:prstTxWarp prst="textNoShape">
+              <a:avLst/>
+            </a:prstTxWarp>
+            <a:noAutofit/>
+          </a:bodyPr>
+          <a:lstStyle/>
+          <a:p>
+            <a:pPr algn="ctr"/>
+            <a:endParaRPr lang="en-US"/>
+          </a:p>
+        </p:txBody>
+      </p:sp>
+      <p:graphicFrame>
+        <p:nvGraphicFramePr>
+          <p:cNvPr id="7" name="Content Placeholder 4">
+            <a:extLst>
+              <a:ext uri="{FF2B5EF4-FFF2-40B4-BE49-F238E27FC236}">
+                <a16:creationId xmlns:a16="http://schemas.microsoft.com/office/drawing/2014/main" id="{C911F557-6C1E-4AA0-99A2-946E0D24D111}"/>
+              </a:ext>
+            </a:extLst>
+          </p:cNvPr>
+          <p:cNvGraphicFramePr>
+            <a:graphicFrameLocks noGrp="1"/>
+          </p:cNvGraphicFramePr>
+          <p:nvPr>
+            <p:ph idx="1"/>
+            <p:extLst>
+              <p:ext uri="{D42A27DB-BD31-4B8C-83A1-F6EECF244321}">
+                <p14:modId xmlns:p14="http://schemas.microsoft.com/office/powerpoint/2010/main" val="3147036513"/>
+              </p:ext>
+            </p:extLst>
+          </p:nvPr>
+        </p:nvGraphicFramePr>
+        <p:xfrm>
+          <a:off x="965200" y="965201"/>
+          <a:ext cx="10261600" cy="2853602"/>
+        </p:xfrm>
+        <a:graphic>
+          <a:graphicData uri="http://schemas.openxmlformats.org/drawingml/2006/diagram">
+            <dgm:relIds xmlns:dgm="http://schemas.openxmlformats.org/drawingml/2006/diagram" xmlns:r="http://schemas.openxmlformats.org/officeDocument/2006/relationships" r:dm="rId3" r:lo="rId4" r:qs="rId5" r:cs="rId6"/>
+          </a:graphicData>
+        </a:graphic>
+      </p:graphicFrame>
     </p:spTree>
     <p:extLst>
       <p:ext uri="{BB962C8B-B14F-4D97-AF65-F5344CB8AC3E}">
-        <p14:creationId xmlns:p14="http://schemas.microsoft.com/office/powerpoint/2010/main" val="2820560615"/>
+        <p14:creationId xmlns:p14="http://schemas.microsoft.com/office/powerpoint/2010/main" val="1719799397"/>
       </p:ext>
     </p:extLst>
   </p:cSld>
   <p:clrMapOvr>
     <a:masterClrMapping/>
   </p:clrMapOvr>
+</p:sld>
+</file>
+
+<file path=ppt/slides/slide6.xml><?xml version="1.0" encoding="utf-8"?>
+<p:sld xmlns:a="http://schemas.openxmlformats.org/drawingml/2006/main" xmlns:r="http://schemas.openxmlformats.org/officeDocument/2006/relationships" xmlns:p="http://schemas.openxmlformats.org/presentationml/2006/main">
+  <p:cSld>
+    <p:bg>
+      <p:bgPr>
+        <a:blipFill rotWithShape="1">
+          <a:blip r:embed="rId2">
+            <a:duotone>
+              <a:schemeClr val="bg2">
+                <a:shade val="28000"/>
+                <a:satMod val="94000"/>
+                <a:lumMod val="20000"/>
+              </a:schemeClr>
+              <a:schemeClr val="bg2">
+                <a:tint val="94000"/>
+                <a:shade val="84000"/>
+                <a:satMod val="148000"/>
+                <a:lumMod val="114000"/>
+              </a:schemeClr>
+            </a:duotone>
+          </a:blip>
+          <a:stretch/>
+        </a:blipFill>
+        <a:effectLst/>
+      </p:bgPr>
+    </p:bg>
+    <p:spTree>
+      <p:nvGrpSpPr>
+        <p:cNvPr id="1" name=""/>
+        <p:cNvGrpSpPr/>
+        <p:nvPr/>
+      </p:nvGrpSpPr>
+      <p:grpSpPr>
+        <a:xfrm>
+          <a:off x="0" y="0"/>
+          <a:ext cx="0" cy="0"/>
+          <a:chOff x="0" y="0"/>
+          <a:chExt cx="0" cy="0"/>
+        </a:xfrm>
+      </p:grpSpPr>
+      <p:pic>
+        <p:nvPicPr>
+          <p:cNvPr id="6" name="Picture 3" descr="Many question marks on black background">
+            <a:extLst>
+              <a:ext uri="{FF2B5EF4-FFF2-40B4-BE49-F238E27FC236}">
+                <a16:creationId xmlns:a16="http://schemas.microsoft.com/office/drawing/2014/main" id="{4853363D-E288-45A9-B4B0-00E3471E928D}"/>
+              </a:ext>
+            </a:extLst>
+          </p:cNvPr>
+          <p:cNvPicPr>
+            <a:picLocks noChangeAspect="1"/>
+          </p:cNvPicPr>
+          <p:nvPr/>
+        </p:nvPicPr>
+        <p:blipFill rotWithShape="1">
+          <a:blip r:embed="rId3">
+            <a:duotone>
+              <a:prstClr val="black"/>
+              <a:schemeClr val="bg1">
+                <a:tint val="45000"/>
+                <a:satMod val="400000"/>
+              </a:schemeClr>
+            </a:duotone>
+            <a:alphaModFix amt="25000"/>
+          </a:blip>
+          <a:srcRect t="7787"/>
+          <a:stretch/>
+        </p:blipFill>
+        <p:spPr>
+          <a:xfrm>
+            <a:off x="20" y="10"/>
+            <a:ext cx="12191980" cy="6857990"/>
+          </a:xfrm>
+          <a:prstGeom prst="rect">
+            <a:avLst/>
+          </a:prstGeom>
+        </p:spPr>
+      </p:pic>
+      <p:sp>
+        <p:nvSpPr>
+          <p:cNvPr id="2" name="Title 1">
+            <a:extLst>
+              <a:ext uri="{FF2B5EF4-FFF2-40B4-BE49-F238E27FC236}">
+                <a16:creationId xmlns:a16="http://schemas.microsoft.com/office/drawing/2014/main" id="{A000954A-7449-4501-93F4-95E588354D9F}"/>
+              </a:ext>
+            </a:extLst>
+          </p:cNvPr>
+          <p:cNvSpPr>
+            <a:spLocks noGrp="1"/>
+          </p:cNvSpPr>
+          <p:nvPr>
+            <p:ph type="title"/>
+          </p:nvPr>
+        </p:nvSpPr>
+        <p:spPr>
+          <a:xfrm>
+            <a:off x="1751012" y="609601"/>
+            <a:ext cx="8676222" cy="3200400"/>
+          </a:xfrm>
+        </p:spPr>
+        <p:txBody>
+          <a:bodyPr vert="horz" lIns="91440" tIns="45720" rIns="91440" bIns="45720" rtlCol="0" anchor="b">
+            <a:normAutofit/>
+          </a:bodyPr>
+          <a:lstStyle/>
+          <a:p>
+            <a:pPr algn="ctr"/>
+            <a:r>
+              <a:rPr lang="en-US" sz="4800">
+                <a:effectLst>
+                  <a:glow rad="38100">
+                    <a:schemeClr val="bg1">
+                      <a:lumMod val="65000"/>
+                      <a:lumOff val="35000"/>
+                      <a:alpha val="50000"/>
+                    </a:schemeClr>
+                  </a:glow>
+                  <a:outerShdw blurRad="28575" dist="31750" dir="13200000" algn="tl" rotWithShape="0">
+                    <a:srgbClr val="000000">
+                      <a:alpha val="25000"/>
+                    </a:srgbClr>
+                  </a:outerShdw>
+                </a:effectLst>
+              </a:rPr>
+              <a:t>Questions?</a:t>
+            </a:r>
+          </a:p>
+        </p:txBody>
+      </p:sp>
+    </p:spTree>
+    <p:extLst>
+      <p:ext uri="{BB962C8B-B14F-4D97-AF65-F5344CB8AC3E}">
+        <p14:creationId xmlns:p14="http://schemas.microsoft.com/office/powerpoint/2010/main" val="556613236"/>
+      </p:ext>
+    </p:extLst>
+  </p:cSld>
+  <p:clrMapOvr>
+    <a:masterClrMapping/>
+  </p:clrMapOvr>
+  <p:timing>
+    <p:tnLst>
+      <p:par>
+        <p:cTn id="1" dur="indefinite" restart="never" nodeType="tmRoot">
+          <p:childTnLst>
+            <p:seq concurrent="1" nextAc="seek">
+              <p:cTn id="2" dur="indefinite" nodeType="mainSeq">
+                <p:childTnLst>
+                  <p:par>
+                    <p:cTn id="3" fill="hold">
+                      <p:stCondLst>
+                        <p:cond delay="indefinite"/>
+                        <p:cond evt="onBegin" delay="0">
+                          <p:tn val="2"/>
+                        </p:cond>
+                      </p:stCondLst>
+                      <p:childTnLst>
+                        <p:par>
+                          <p:cTn id="4" fill="hold">
+                            <p:stCondLst>
+                              <p:cond delay="0"/>
+                            </p:stCondLst>
+                            <p:childTnLst>
+                              <p:par>
+                                <p:cTn id="5" presetID="10" presetClass="entr" presetSubtype="0" fill="hold" grpId="0" nodeType="withEffect">
+                                  <p:stCondLst>
+                                    <p:cond delay="1000"/>
+                                  </p:stCondLst>
+                                  <p:iterate>
+                                    <p:tmPct val="10000"/>
+                                  </p:iterate>
+                                  <p:childTnLst>
+                                    <p:set>
+                                      <p:cBhvr>
+                                        <p:cTn id="6" dur="1" fill="hold">
+                                          <p:stCondLst>
+                                            <p:cond delay="0"/>
+                                          </p:stCondLst>
+                                        </p:cTn>
+                                        <p:tgtEl>
+                                          <p:spTgt spid="2"/>
+                                        </p:tgtEl>
+                                        <p:attrNameLst>
+                                          <p:attrName>style.visibility</p:attrName>
+                                        </p:attrNameLst>
+                                      </p:cBhvr>
+                                      <p:to>
+                                        <p:strVal val="visible"/>
+                                      </p:to>
+                                    </p:set>
+                                    <p:animEffect transition="in" filter="fade">
+                                      <p:cBhvr>
+                                        <p:cTn id="7" dur="700"/>
+                                        <p:tgtEl>
+                                          <p:spTgt spid="2"/>
+                                        </p:tgtEl>
+                                      </p:cBhvr>
+                                    </p:animEffect>
+                                  </p:childTnLst>
+                                </p:cTn>
+                              </p:par>
+                            </p:childTnLst>
+                          </p:cTn>
+                        </p:par>
+                      </p:childTnLst>
+                    </p:cTn>
+                  </p:par>
+                </p:childTnLst>
+              </p:cTn>
+              <p:prevCondLst>
+                <p:cond evt="onPrev" delay="0">
+                  <p:tgtEl>
+                    <p:sldTgt/>
+                  </p:tgtEl>
+                </p:cond>
+              </p:prevCondLst>
+              <p:nextCondLst>
+                <p:cond evt="onNext" delay="0">
+                  <p:tgtEl>
+                    <p:sldTgt/>
+                  </p:tgtEl>
+                </p:cond>
+              </p:nextCondLst>
+            </p:seq>
+          </p:childTnLst>
+        </p:cTn>
+      </p:par>
+    </p:tnLst>
+    <p:bldLst>
+      <p:bldP spid="2" grpId="0"/>
+    </p:bldLst>
+  </p:timing>
 </p:sld>
 </file>
 
